--- a/lectures/13-Reproducibility-slides.pptx
+++ b/lectures/13-Reproducibility-slides.pptx
@@ -1,30 +1,31 @@
 
 <file path=ppt/presentation.xml><?xml version="1.0" encoding="utf-8"?>
-<p:presentation xmlns:a="http://schemas.openxmlformats.org/drawingml/2006/main" xmlns:r="http://schemas.openxmlformats.org/officeDocument/2006/relationships" xmlns:mc="http://schemas.openxmlformats.org/markup-compatibility/2006" xmlns:mv="urn:schemas-microsoft-com:mac:vml" xmlns:p="http://schemas.openxmlformats.org/presentationml/2006/main" xmlns:c="http://schemas.openxmlformats.org/drawingml/2006/chart" xmlns:dgm="http://schemas.openxmlformats.org/drawingml/2006/diagram" xmlns:o="urn:schemas-microsoft-com:office:office" xmlns:v="urn:schemas-microsoft-com:vml" xmlns:pvml="urn:schemas-microsoft-com:office:powerpoint" xmlns:com="http://schemas.openxmlformats.org/drawingml/2006/compatibility" xmlns:p14="http://schemas.microsoft.com/office/powerpoint/2010/main" xmlns:p15="http://schemas.microsoft.com/office/powerpoint/2012/main" xmlns:ahyp="http://schemas.microsoft.com/office/drawing/2018/hyperlinkcolor" autoCompressPictures="0" strictFirstAndLastChars="0" saveSubsetFonts="1">
+<p:presentation xmlns:a="http://schemas.openxmlformats.org/drawingml/2006/main" xmlns:r="http://schemas.openxmlformats.org/officeDocument/2006/relationships" xmlns:p="http://schemas.openxmlformats.org/presentationml/2006/main" strictFirstAndLastChars="0" saveSubsetFonts="1" autoCompressPictures="0">
   <p:sldMasterIdLst>
-    <p:sldMasterId id="2147483659" r:id="rId4"/>
+    <p:sldMasterId id="2147483659" r:id="rId1"/>
   </p:sldMasterIdLst>
   <p:notesMasterIdLst>
-    <p:notesMasterId r:id="rId5"/>
+    <p:notesMasterId r:id="rId15"/>
   </p:notesMasterIdLst>
   <p:sldIdLst>
-    <p:sldId id="256" r:id="rId6"/>
-    <p:sldId id="257" r:id="rId7"/>
-    <p:sldId id="258" r:id="rId8"/>
-    <p:sldId id="259" r:id="rId9"/>
-    <p:sldId id="260" r:id="rId10"/>
-    <p:sldId id="261" r:id="rId11"/>
-    <p:sldId id="262" r:id="rId12"/>
-    <p:sldId id="263" r:id="rId13"/>
-    <p:sldId id="264" r:id="rId14"/>
-    <p:sldId id="265" r:id="rId15"/>
-    <p:sldId id="266" r:id="rId16"/>
-    <p:sldId id="267" r:id="rId17"/>
+    <p:sldId id="256" r:id="rId2"/>
+    <p:sldId id="257" r:id="rId3"/>
+    <p:sldId id="258" r:id="rId4"/>
+    <p:sldId id="259" r:id="rId5"/>
+    <p:sldId id="260" r:id="rId6"/>
+    <p:sldId id="261" r:id="rId7"/>
+    <p:sldId id="268" r:id="rId8"/>
+    <p:sldId id="262" r:id="rId9"/>
+    <p:sldId id="263" r:id="rId10"/>
+    <p:sldId id="264" r:id="rId11"/>
+    <p:sldId id="265" r:id="rId12"/>
+    <p:sldId id="266" r:id="rId13"/>
+    <p:sldId id="267" r:id="rId14"/>
   </p:sldIdLst>
-  <p:sldSz cy="5143500" cx="9144000"/>
+  <p:sldSz cx="9144000" cy="5143500" type="screen16x9"/>
   <p:notesSz cx="6858000" cy="9144000"/>
   <p:defaultTextStyle>
-    <a:defPPr lvl="0" marR="0" rtl="0" algn="l">
+    <a:defPPr marR="0" lvl="0" algn="l" rtl="0">
       <a:lnSpc>
         <a:spcPct val="100000"/>
       </a:lnSpc>
@@ -35,7 +36,7 @@
         <a:spcPts val="0"/>
       </a:spcAft>
     </a:defPPr>
-    <a:lvl1pPr lvl="0" marR="0" rtl="0" algn="l">
+    <a:lvl1pPr marR="0" lvl="0" algn="l" rtl="0">
       <a:lnSpc>
         <a:spcPct val="100000"/>
       </a:lnSpc>
@@ -49,7 +50,7 @@
         <a:srgbClr val="000000"/>
       </a:buClr>
       <a:buFont typeface="Arial"/>
-      <a:defRPr b="0" i="0" sz="1400" u="none" cap="none" strike="noStrike">
+      <a:defRPr sz="1400" b="0" i="0" u="none" strike="noStrike" cap="none">
         <a:solidFill>
           <a:srgbClr val="000000"/>
         </a:solidFill>
@@ -59,7 +60,7 @@
         <a:sym typeface="Arial"/>
       </a:defRPr>
     </a:lvl1pPr>
-    <a:lvl2pPr lvl="1" marR="0" rtl="0" algn="l">
+    <a:lvl2pPr marR="0" lvl="1" algn="l" rtl="0">
       <a:lnSpc>
         <a:spcPct val="100000"/>
       </a:lnSpc>
@@ -73,7 +74,7 @@
         <a:srgbClr val="000000"/>
       </a:buClr>
       <a:buFont typeface="Arial"/>
-      <a:defRPr b="0" i="0" sz="1400" u="none" cap="none" strike="noStrike">
+      <a:defRPr sz="1400" b="0" i="0" u="none" strike="noStrike" cap="none">
         <a:solidFill>
           <a:srgbClr val="000000"/>
         </a:solidFill>
@@ -83,7 +84,7 @@
         <a:sym typeface="Arial"/>
       </a:defRPr>
     </a:lvl2pPr>
-    <a:lvl3pPr lvl="2" marR="0" rtl="0" algn="l">
+    <a:lvl3pPr marR="0" lvl="2" algn="l" rtl="0">
       <a:lnSpc>
         <a:spcPct val="100000"/>
       </a:lnSpc>
@@ -97,7 +98,7 @@
         <a:srgbClr val="000000"/>
       </a:buClr>
       <a:buFont typeface="Arial"/>
-      <a:defRPr b="0" i="0" sz="1400" u="none" cap="none" strike="noStrike">
+      <a:defRPr sz="1400" b="0" i="0" u="none" strike="noStrike" cap="none">
         <a:solidFill>
           <a:srgbClr val="000000"/>
         </a:solidFill>
@@ -107,7 +108,7 @@
         <a:sym typeface="Arial"/>
       </a:defRPr>
     </a:lvl3pPr>
-    <a:lvl4pPr lvl="3" marR="0" rtl="0" algn="l">
+    <a:lvl4pPr marR="0" lvl="3" algn="l" rtl="0">
       <a:lnSpc>
         <a:spcPct val="100000"/>
       </a:lnSpc>
@@ -121,7 +122,7 @@
         <a:srgbClr val="000000"/>
       </a:buClr>
       <a:buFont typeface="Arial"/>
-      <a:defRPr b="0" i="0" sz="1400" u="none" cap="none" strike="noStrike">
+      <a:defRPr sz="1400" b="0" i="0" u="none" strike="noStrike" cap="none">
         <a:solidFill>
           <a:srgbClr val="000000"/>
         </a:solidFill>
@@ -131,7 +132,7 @@
         <a:sym typeface="Arial"/>
       </a:defRPr>
     </a:lvl4pPr>
-    <a:lvl5pPr lvl="4" marR="0" rtl="0" algn="l">
+    <a:lvl5pPr marR="0" lvl="4" algn="l" rtl="0">
       <a:lnSpc>
         <a:spcPct val="100000"/>
       </a:lnSpc>
@@ -145,7 +146,7 @@
         <a:srgbClr val="000000"/>
       </a:buClr>
       <a:buFont typeface="Arial"/>
-      <a:defRPr b="0" i="0" sz="1400" u="none" cap="none" strike="noStrike">
+      <a:defRPr sz="1400" b="0" i="0" u="none" strike="noStrike" cap="none">
         <a:solidFill>
           <a:srgbClr val="000000"/>
         </a:solidFill>
@@ -155,7 +156,7 @@
         <a:sym typeface="Arial"/>
       </a:defRPr>
     </a:lvl5pPr>
-    <a:lvl6pPr lvl="5" marR="0" rtl="0" algn="l">
+    <a:lvl6pPr marR="0" lvl="5" algn="l" rtl="0">
       <a:lnSpc>
         <a:spcPct val="100000"/>
       </a:lnSpc>
@@ -169,7 +170,7 @@
         <a:srgbClr val="000000"/>
       </a:buClr>
       <a:buFont typeface="Arial"/>
-      <a:defRPr b="0" i="0" sz="1400" u="none" cap="none" strike="noStrike">
+      <a:defRPr sz="1400" b="0" i="0" u="none" strike="noStrike" cap="none">
         <a:solidFill>
           <a:srgbClr val="000000"/>
         </a:solidFill>
@@ -179,7 +180,7 @@
         <a:sym typeface="Arial"/>
       </a:defRPr>
     </a:lvl6pPr>
-    <a:lvl7pPr lvl="6" marR="0" rtl="0" algn="l">
+    <a:lvl7pPr marR="0" lvl="6" algn="l" rtl="0">
       <a:lnSpc>
         <a:spcPct val="100000"/>
       </a:lnSpc>
@@ -193,7 +194,7 @@
         <a:srgbClr val="000000"/>
       </a:buClr>
       <a:buFont typeface="Arial"/>
-      <a:defRPr b="0" i="0" sz="1400" u="none" cap="none" strike="noStrike">
+      <a:defRPr sz="1400" b="0" i="0" u="none" strike="noStrike" cap="none">
         <a:solidFill>
           <a:srgbClr val="000000"/>
         </a:solidFill>
@@ -203,7 +204,7 @@
         <a:sym typeface="Arial"/>
       </a:defRPr>
     </a:lvl7pPr>
-    <a:lvl8pPr lvl="7" marR="0" rtl="0" algn="l">
+    <a:lvl8pPr marR="0" lvl="7" algn="l" rtl="0">
       <a:lnSpc>
         <a:spcPct val="100000"/>
       </a:lnSpc>
@@ -217,7 +218,7 @@
         <a:srgbClr val="000000"/>
       </a:buClr>
       <a:buFont typeface="Arial"/>
-      <a:defRPr b="0" i="0" sz="1400" u="none" cap="none" strike="noStrike">
+      <a:defRPr sz="1400" b="0" i="0" u="none" strike="noStrike" cap="none">
         <a:solidFill>
           <a:srgbClr val="000000"/>
         </a:solidFill>
@@ -227,7 +228,7 @@
         <a:sym typeface="Arial"/>
       </a:defRPr>
     </a:lvl8pPr>
-    <a:lvl9pPr lvl="8" marR="0" rtl="0" algn="l">
+    <a:lvl9pPr marR="0" lvl="8" algn="l" rtl="0">
       <a:lnSpc>
         <a:spcPct val="100000"/>
       </a:lnSpc>
@@ -241,7 +242,7 @@
         <a:srgbClr val="000000"/>
       </a:buClr>
       <a:buFont typeface="Arial"/>
-      <a:defRPr b="0" i="0" sz="1400" u="none" cap="none" strike="noStrike">
+      <a:defRPr sz="1400" b="0" i="0" u="none" strike="noStrike" cap="none">
         <a:solidFill>
           <a:srgbClr val="000000"/>
         </a:solidFill>
@@ -254,7 +255,7 @@
   </p:defaultTextStyle>
   <p:extLst>
     <p:ext uri="{EFAFB233-063F-42B5-8137-9DF3F51BA10A}">
-      <p15:sldGuideLst>
+      <p15:sldGuideLst xmlns:p15="http://schemas.microsoft.com/office/powerpoint/2012/main">
         <p15:guide id="1" orient="horz" pos="1620">
           <p15:clr>
             <a:srgbClr val="A4A3A4"/>
@@ -272,11 +273,16 @@
 </file>
 
 <file path=ppt/notesMasters/notesMaster1.xml><?xml version="1.0" encoding="utf-8"?>
-<p:notesMaster xmlns:a="http://schemas.openxmlformats.org/drawingml/2006/main" xmlns:r="http://schemas.openxmlformats.org/officeDocument/2006/relationships" xmlns:mc="http://schemas.openxmlformats.org/markup-compatibility/2006" xmlns:mv="urn:schemas-microsoft-com:mac:vml" xmlns:p="http://schemas.openxmlformats.org/presentationml/2006/main" xmlns:c="http://schemas.openxmlformats.org/drawingml/2006/chart" xmlns:dgm="http://schemas.openxmlformats.org/drawingml/2006/diagram" xmlns:o="urn:schemas-microsoft-com:office:office" xmlns:v="urn:schemas-microsoft-com:vml" xmlns:pvml="urn:schemas-microsoft-com:office:powerpoint" xmlns:com="http://schemas.openxmlformats.org/drawingml/2006/compatibility" xmlns:p14="http://schemas.microsoft.com/office/powerpoint/2010/main" xmlns:p15="http://schemas.microsoft.com/office/powerpoint/2012/main" xmlns:ahyp="http://schemas.microsoft.com/office/drawing/2018/hyperlinkcolor">
+<p:notesMaster xmlns:a="http://schemas.openxmlformats.org/drawingml/2006/main" xmlns:r="http://schemas.openxmlformats.org/officeDocument/2006/relationships" xmlns:p="http://schemas.openxmlformats.org/presentationml/2006/main">
   <p:cSld>
+    <p:bg>
+      <p:bgRef idx="1001">
+        <a:schemeClr val="bg1"/>
+      </p:bgRef>
+    </p:bg>
     <p:spTree>
       <p:nvGrpSpPr>
-        <p:cNvPr id="2" name="Shape 2"/>
+        <p:cNvPr id="1" name="Shape 2"/>
         <p:cNvGrpSpPr/>
         <p:nvPr/>
       </p:nvGrpSpPr>
@@ -291,9 +297,11 @@
       <p:sp>
         <p:nvSpPr>
           <p:cNvPr id="3" name="Google Shape;3;n"/>
-          <p:cNvSpPr/>
+          <p:cNvSpPr>
+            <a:spLocks noGrp="1" noRot="1" noChangeAspect="1"/>
+          </p:cNvSpPr>
           <p:nvPr>
-            <p:ph idx="2" type="sldImg"/>
+            <p:ph type="sldImg" idx="2"/>
           </p:nvPr>
         </p:nvSpPr>
         <p:spPr>
@@ -302,9 +310,13 @@
             <a:ext cx="6096075" cy="3429000"/>
           </a:xfrm>
           <a:custGeom>
-            <a:rect b="b" l="l" r="r" t="t"/>
+            <a:avLst/>
+            <a:gdLst/>
+            <a:ahLst/>
+            <a:cxnLst/>
+            <a:rect l="l" t="t" r="r" b="b"/>
             <a:pathLst>
-              <a:path extrusionOk="0" h="120000" w="120000">
+              <a:path w="120000" h="120000" extrusionOk="0">
                 <a:moveTo>
                   <a:pt x="0" y="0"/>
                 </a:moveTo>
@@ -322,23 +334,25 @@
             </a:pathLst>
           </a:custGeom>
           <a:noFill/>
-          <a:ln cap="flat" cmpd="sng" w="9525">
+          <a:ln w="9525" cap="flat" cmpd="sng">
             <a:solidFill>
               <a:srgbClr val="000000"/>
             </a:solidFill>
             <a:prstDash val="solid"/>
             <a:round/>
-            <a:headEnd len="sm" w="sm" type="none"/>
-            <a:tailEnd len="sm" w="sm" type="none"/>
+            <a:headEnd type="none" w="sm" len="sm"/>
+            <a:tailEnd type="none" w="sm" len="sm"/>
           </a:ln>
         </p:spPr>
       </p:sp>
       <p:sp>
         <p:nvSpPr>
           <p:cNvPr id="4" name="Google Shape;4;n"/>
-          <p:cNvSpPr txBox="1"/>
+          <p:cNvSpPr txBox="1">
+            <a:spLocks noGrp="1"/>
+          </p:cNvSpPr>
           <p:nvPr>
-            <p:ph idx="1" type="body"/>
+            <p:ph type="body" idx="1"/>
           </p:nvPr>
         </p:nvSpPr>
         <p:spPr>
@@ -355,11 +369,11 @@
           </a:ln>
         </p:spPr>
         <p:txBody>
-          <a:bodyPr anchorCtr="0" anchor="t" bIns="91425" lIns="91425" spcFirstLastPara="1" rIns="91425" wrap="square" tIns="91425">
+          <a:bodyPr spcFirstLastPara="1" wrap="square" lIns="91425" tIns="91425" rIns="91425" bIns="91425" anchor="t" anchorCtr="0">
             <a:noAutofit/>
           </a:bodyPr>
           <a:lstStyle>
-            <a:lvl1pPr indent="-298450" lvl="0" marL="457200">
+            <a:lvl1pPr marL="457200" lvl="0" indent="-298450">
               <a:spcBef>
                 <a:spcPts val="0"/>
               </a:spcBef>
@@ -370,7 +384,7 @@
               <a:buChar char="●"/>
               <a:defRPr sz="1100"/>
             </a:lvl1pPr>
-            <a:lvl2pPr indent="-298450" lvl="1" marL="914400">
+            <a:lvl2pPr marL="914400" lvl="1" indent="-298450">
               <a:spcBef>
                 <a:spcPts val="0"/>
               </a:spcBef>
@@ -381,7 +395,7 @@
               <a:buChar char="○"/>
               <a:defRPr sz="1100"/>
             </a:lvl2pPr>
-            <a:lvl3pPr indent="-298450" lvl="2" marL="1371600">
+            <a:lvl3pPr marL="1371600" lvl="2" indent="-298450">
               <a:spcBef>
                 <a:spcPts val="0"/>
               </a:spcBef>
@@ -392,7 +406,7 @@
               <a:buChar char="■"/>
               <a:defRPr sz="1100"/>
             </a:lvl3pPr>
-            <a:lvl4pPr indent="-298450" lvl="3" marL="1828800">
+            <a:lvl4pPr marL="1828800" lvl="3" indent="-298450">
               <a:spcBef>
                 <a:spcPts val="0"/>
               </a:spcBef>
@@ -403,7 +417,7 @@
               <a:buChar char="●"/>
               <a:defRPr sz="1100"/>
             </a:lvl4pPr>
-            <a:lvl5pPr indent="-298450" lvl="4" marL="2286000">
+            <a:lvl5pPr marL="2286000" lvl="4" indent="-298450">
               <a:spcBef>
                 <a:spcPts val="0"/>
               </a:spcBef>
@@ -414,7 +428,7 @@
               <a:buChar char="○"/>
               <a:defRPr sz="1100"/>
             </a:lvl5pPr>
-            <a:lvl6pPr indent="-298450" lvl="5" marL="2743200">
+            <a:lvl6pPr marL="2743200" lvl="5" indent="-298450">
               <a:spcBef>
                 <a:spcPts val="0"/>
               </a:spcBef>
@@ -425,7 +439,7 @@
               <a:buChar char="■"/>
               <a:defRPr sz="1100"/>
             </a:lvl6pPr>
-            <a:lvl7pPr indent="-298450" lvl="6" marL="3200400">
+            <a:lvl7pPr marL="3200400" lvl="6" indent="-298450">
               <a:spcBef>
                 <a:spcPts val="0"/>
               </a:spcBef>
@@ -436,7 +450,7 @@
               <a:buChar char="●"/>
               <a:defRPr sz="1100"/>
             </a:lvl7pPr>
-            <a:lvl8pPr indent="-298450" lvl="7" marL="3657600">
+            <a:lvl8pPr marL="3657600" lvl="7" indent="-298450">
               <a:spcBef>
                 <a:spcPts val="0"/>
               </a:spcBef>
@@ -447,7 +461,7 @@
               <a:buChar char="○"/>
               <a:defRPr sz="1100"/>
             </a:lvl8pPr>
-            <a:lvl9pPr indent="-298450" lvl="8" marL="4114800">
+            <a:lvl9pPr marL="4114800" lvl="8" indent="-298450">
               <a:spcBef>
                 <a:spcPts val="0"/>
               </a:spcBef>
@@ -459,14 +473,16 @@
               <a:defRPr sz="1100"/>
             </a:lvl9pPr>
           </a:lstStyle>
-          <a:p/>
+          <a:p>
+            <a:endParaRPr/>
+          </a:p>
         </p:txBody>
       </p:sp>
     </p:spTree>
   </p:cSld>
-  <p:clrMap accent1="accent1" accent2="accent2" accent3="accent3" accent4="accent4" accent5="accent5" accent6="accent6" bg1="lt1" bg2="dk2" tx1="dk1" tx2="lt2" folHlink="folHlink" hlink="hlink"/>
+  <p:clrMap bg1="lt1" tx1="dk1" bg2="dk2" tx2="lt2" accent1="accent1" accent2="accent2" accent3="accent3" accent4="accent4" accent5="accent5" accent6="accent6" hlink="hlink" folHlink="folHlink"/>
   <p:notesStyle>
-    <a:defPPr lvl="0" marR="0" rtl="0" algn="l">
+    <a:defPPr marR="0" lvl="0" algn="l" rtl="0">
       <a:lnSpc>
         <a:spcPct val="100000"/>
       </a:lnSpc>
@@ -477,7 +493,7 @@
         <a:spcPts val="0"/>
       </a:spcAft>
     </a:defPPr>
-    <a:lvl1pPr lvl="0" marR="0" rtl="0" algn="l">
+    <a:lvl1pPr marR="0" lvl="0" algn="l" rtl="0">
       <a:lnSpc>
         <a:spcPct val="100000"/>
       </a:lnSpc>
@@ -491,7 +507,7 @@
         <a:srgbClr val="000000"/>
       </a:buClr>
       <a:buFont typeface="Arial"/>
-      <a:defRPr b="0" i="0" sz="1400" u="none" cap="none" strike="noStrike">
+      <a:defRPr sz="1400" b="0" i="0" u="none" strike="noStrike" cap="none">
         <a:solidFill>
           <a:srgbClr val="000000"/>
         </a:solidFill>
@@ -501,7 +517,7 @@
         <a:sym typeface="Arial"/>
       </a:defRPr>
     </a:lvl1pPr>
-    <a:lvl2pPr lvl="1" marR="0" rtl="0" algn="l">
+    <a:lvl2pPr marR="0" lvl="1" algn="l" rtl="0">
       <a:lnSpc>
         <a:spcPct val="100000"/>
       </a:lnSpc>
@@ -515,7 +531,7 @@
         <a:srgbClr val="000000"/>
       </a:buClr>
       <a:buFont typeface="Arial"/>
-      <a:defRPr b="0" i="0" sz="1400" u="none" cap="none" strike="noStrike">
+      <a:defRPr sz="1400" b="0" i="0" u="none" strike="noStrike" cap="none">
         <a:solidFill>
           <a:srgbClr val="000000"/>
         </a:solidFill>
@@ -525,7 +541,7 @@
         <a:sym typeface="Arial"/>
       </a:defRPr>
     </a:lvl2pPr>
-    <a:lvl3pPr lvl="2" marR="0" rtl="0" algn="l">
+    <a:lvl3pPr marR="0" lvl="2" algn="l" rtl="0">
       <a:lnSpc>
         <a:spcPct val="100000"/>
       </a:lnSpc>
@@ -539,7 +555,7 @@
         <a:srgbClr val="000000"/>
       </a:buClr>
       <a:buFont typeface="Arial"/>
-      <a:defRPr b="0" i="0" sz="1400" u="none" cap="none" strike="noStrike">
+      <a:defRPr sz="1400" b="0" i="0" u="none" strike="noStrike" cap="none">
         <a:solidFill>
           <a:srgbClr val="000000"/>
         </a:solidFill>
@@ -549,7 +565,7 @@
         <a:sym typeface="Arial"/>
       </a:defRPr>
     </a:lvl3pPr>
-    <a:lvl4pPr lvl="3" marR="0" rtl="0" algn="l">
+    <a:lvl4pPr marR="0" lvl="3" algn="l" rtl="0">
       <a:lnSpc>
         <a:spcPct val="100000"/>
       </a:lnSpc>
@@ -563,7 +579,7 @@
         <a:srgbClr val="000000"/>
       </a:buClr>
       <a:buFont typeface="Arial"/>
-      <a:defRPr b="0" i="0" sz="1400" u="none" cap="none" strike="noStrike">
+      <a:defRPr sz="1400" b="0" i="0" u="none" strike="noStrike" cap="none">
         <a:solidFill>
           <a:srgbClr val="000000"/>
         </a:solidFill>
@@ -573,7 +589,7 @@
         <a:sym typeface="Arial"/>
       </a:defRPr>
     </a:lvl4pPr>
-    <a:lvl5pPr lvl="4" marR="0" rtl="0" algn="l">
+    <a:lvl5pPr marR="0" lvl="4" algn="l" rtl="0">
       <a:lnSpc>
         <a:spcPct val="100000"/>
       </a:lnSpc>
@@ -587,7 +603,7 @@
         <a:srgbClr val="000000"/>
       </a:buClr>
       <a:buFont typeface="Arial"/>
-      <a:defRPr b="0" i="0" sz="1400" u="none" cap="none" strike="noStrike">
+      <a:defRPr sz="1400" b="0" i="0" u="none" strike="noStrike" cap="none">
         <a:solidFill>
           <a:srgbClr val="000000"/>
         </a:solidFill>
@@ -597,7 +613,7 @@
         <a:sym typeface="Arial"/>
       </a:defRPr>
     </a:lvl5pPr>
-    <a:lvl6pPr lvl="5" marR="0" rtl="0" algn="l">
+    <a:lvl6pPr marR="0" lvl="5" algn="l" rtl="0">
       <a:lnSpc>
         <a:spcPct val="100000"/>
       </a:lnSpc>
@@ -611,7 +627,7 @@
         <a:srgbClr val="000000"/>
       </a:buClr>
       <a:buFont typeface="Arial"/>
-      <a:defRPr b="0" i="0" sz="1400" u="none" cap="none" strike="noStrike">
+      <a:defRPr sz="1400" b="0" i="0" u="none" strike="noStrike" cap="none">
         <a:solidFill>
           <a:srgbClr val="000000"/>
         </a:solidFill>
@@ -621,7 +637,7 @@
         <a:sym typeface="Arial"/>
       </a:defRPr>
     </a:lvl6pPr>
-    <a:lvl7pPr lvl="6" marR="0" rtl="0" algn="l">
+    <a:lvl7pPr marR="0" lvl="6" algn="l" rtl="0">
       <a:lnSpc>
         <a:spcPct val="100000"/>
       </a:lnSpc>
@@ -635,7 +651,7 @@
         <a:srgbClr val="000000"/>
       </a:buClr>
       <a:buFont typeface="Arial"/>
-      <a:defRPr b="0" i="0" sz="1400" u="none" cap="none" strike="noStrike">
+      <a:defRPr sz="1400" b="0" i="0" u="none" strike="noStrike" cap="none">
         <a:solidFill>
           <a:srgbClr val="000000"/>
         </a:solidFill>
@@ -645,7 +661,7 @@
         <a:sym typeface="Arial"/>
       </a:defRPr>
     </a:lvl7pPr>
-    <a:lvl8pPr lvl="7" marR="0" rtl="0" algn="l">
+    <a:lvl8pPr marR="0" lvl="7" algn="l" rtl="0">
       <a:lnSpc>
         <a:spcPct val="100000"/>
       </a:lnSpc>
@@ -659,7 +675,7 @@
         <a:srgbClr val="000000"/>
       </a:buClr>
       <a:buFont typeface="Arial"/>
-      <a:defRPr b="0" i="0" sz="1400" u="none" cap="none" strike="noStrike">
+      <a:defRPr sz="1400" b="0" i="0" u="none" strike="noStrike" cap="none">
         <a:solidFill>
           <a:srgbClr val="000000"/>
         </a:solidFill>
@@ -669,7 +685,7 @@
         <a:sym typeface="Arial"/>
       </a:defRPr>
     </a:lvl8pPr>
-    <a:lvl9pPr lvl="8" marR="0" rtl="0" algn="l">
+    <a:lvl9pPr marR="0" lvl="8" algn="l" rtl="0">
       <a:lnSpc>
         <a:spcPct val="100000"/>
       </a:lnSpc>
@@ -683,7 +699,7 @@
         <a:srgbClr val="000000"/>
       </a:buClr>
       <a:buFont typeface="Arial"/>
-      <a:defRPr b="0" i="0" sz="1400" u="none" cap="none" strike="noStrike">
+      <a:defRPr sz="1400" b="0" i="0" u="none" strike="noStrike" cap="none">
         <a:solidFill>
           <a:srgbClr val="000000"/>
         </a:solidFill>
@@ -698,11 +714,11 @@
 </file>
 
 <file path=ppt/notesSlides/notesSlide1.xml><?xml version="1.0" encoding="utf-8"?>
-<p:notes xmlns:a="http://schemas.openxmlformats.org/drawingml/2006/main" xmlns:r="http://schemas.openxmlformats.org/officeDocument/2006/relationships" xmlns:mc="http://schemas.openxmlformats.org/markup-compatibility/2006" xmlns:mv="urn:schemas-microsoft-com:mac:vml" xmlns:p="http://schemas.openxmlformats.org/presentationml/2006/main" xmlns:c="http://schemas.openxmlformats.org/drawingml/2006/chart" xmlns:dgm="http://schemas.openxmlformats.org/drawingml/2006/diagram" xmlns:o="urn:schemas-microsoft-com:office:office" xmlns:v="urn:schemas-microsoft-com:vml" xmlns:pvml="urn:schemas-microsoft-com:office:powerpoint" xmlns:com="http://schemas.openxmlformats.org/drawingml/2006/compatibility" xmlns:p14="http://schemas.microsoft.com/office/powerpoint/2010/main" xmlns:p15="http://schemas.microsoft.com/office/powerpoint/2012/main" xmlns:ahyp="http://schemas.microsoft.com/office/drawing/2018/hyperlinkcolor" showMasterPhAnim="0" showMasterSp="0">
+<p:notes xmlns:a="http://schemas.openxmlformats.org/drawingml/2006/main" xmlns:r="http://schemas.openxmlformats.org/officeDocument/2006/relationships" xmlns:p="http://schemas.openxmlformats.org/presentationml/2006/main" showMasterSp="0" showMasterPhAnim="0">
   <p:cSld>
     <p:spTree>
       <p:nvGrpSpPr>
-        <p:cNvPr id="50" name="Shape 50"/>
+        <p:cNvPr id="1" name="Shape 50"/>
         <p:cNvGrpSpPr/>
         <p:nvPr/>
       </p:nvGrpSpPr>
@@ -717,20 +733,26 @@
       <p:sp>
         <p:nvSpPr>
           <p:cNvPr id="51" name="Google Shape;51;g10a1f0bc2cf_0_0:notes"/>
-          <p:cNvSpPr/>
+          <p:cNvSpPr>
+            <a:spLocks noGrp="1" noRot="1" noChangeAspect="1"/>
+          </p:cNvSpPr>
           <p:nvPr>
-            <p:ph idx="2" type="sldImg"/>
+            <p:ph type="sldImg" idx="2"/>
           </p:nvPr>
         </p:nvSpPr>
         <p:spPr>
           <a:xfrm>
-            <a:off x="381300" y="685800"/>
+            <a:off x="381000" y="685800"/>
             <a:ext cx="6096000" cy="3429000"/>
           </a:xfrm>
           <a:custGeom>
-            <a:rect b="b" l="l" r="r" t="t"/>
+            <a:avLst/>
+            <a:gdLst/>
+            <a:ahLst/>
+            <a:cxnLst/>
+            <a:rect l="l" t="t" r="r" b="b"/>
             <a:pathLst>
-              <a:path extrusionOk="0" h="120000" w="120000">
+              <a:path w="120000" h="120000" extrusionOk="0">
                 <a:moveTo>
                   <a:pt x="0" y="0"/>
                 </a:moveTo>
@@ -752,9 +774,11 @@
       <p:sp>
         <p:nvSpPr>
           <p:cNvPr id="52" name="Google Shape;52;g10a1f0bc2cf_0_0:notes"/>
-          <p:cNvSpPr txBox="1"/>
+          <p:cNvSpPr txBox="1">
+            <a:spLocks noGrp="1"/>
+          </p:cNvSpPr>
           <p:nvPr>
-            <p:ph idx="1" type="body"/>
+            <p:ph type="body" idx="1"/>
           </p:nvPr>
         </p:nvSpPr>
         <p:spPr>
@@ -767,23 +791,20 @@
           </a:prstGeom>
         </p:spPr>
         <p:txBody>
-          <a:bodyPr anchorCtr="0" anchor="t" bIns="91425" lIns="91425" spcFirstLastPara="1" rIns="91425" wrap="square" tIns="91425">
+          <a:bodyPr spcFirstLastPara="1" wrap="square" lIns="91425" tIns="91425" rIns="91425" bIns="91425" anchor="t" anchorCtr="0">
             <a:noAutofit/>
           </a:bodyPr>
           <a:lstStyle/>
           <a:p>
-            <a:pPr indent="0" lvl="0" marL="0" rtl="0" algn="l">
-              <a:spcBef>
-                <a:spcPts val="0"/>
-              </a:spcBef>
-              <a:spcAft>
-                <a:spcPts val="0"/>
-              </a:spcAft>
-              <a:buNone/>
-            </a:pPr>
-            <a:r>
-              <a:t/>
-            </a:r>
+            <a:pPr marL="0" lvl="0" indent="0" algn="l" rtl="0">
+              <a:spcBef>
+                <a:spcPts val="0"/>
+              </a:spcBef>
+              <a:spcAft>
+                <a:spcPts val="0"/>
+              </a:spcAft>
+              <a:buNone/>
+            </a:pPr>
             <a:endParaRPr/>
           </a:p>
         </p:txBody>
@@ -797,11 +818,115 @@
 </file>
 
 <file path=ppt/notesSlides/notesSlide10.xml><?xml version="1.0" encoding="utf-8"?>
-<p:notes xmlns:a="http://schemas.openxmlformats.org/drawingml/2006/main" xmlns:r="http://schemas.openxmlformats.org/officeDocument/2006/relationships" xmlns:mc="http://schemas.openxmlformats.org/markup-compatibility/2006" xmlns:mv="urn:schemas-microsoft-com:mac:vml" xmlns:p="http://schemas.openxmlformats.org/presentationml/2006/main" xmlns:c="http://schemas.openxmlformats.org/drawingml/2006/chart" xmlns:dgm="http://schemas.openxmlformats.org/drawingml/2006/diagram" xmlns:o="urn:schemas-microsoft-com:office:office" xmlns:v="urn:schemas-microsoft-com:vml" xmlns:pvml="urn:schemas-microsoft-com:office:powerpoint" xmlns:com="http://schemas.openxmlformats.org/drawingml/2006/compatibility" xmlns:p14="http://schemas.microsoft.com/office/powerpoint/2010/main" xmlns:p15="http://schemas.microsoft.com/office/powerpoint/2012/main" xmlns:ahyp="http://schemas.microsoft.com/office/drawing/2018/hyperlinkcolor" showMasterPhAnim="0" showMasterSp="0">
+<p:notes xmlns:a="http://schemas.openxmlformats.org/drawingml/2006/main" xmlns:r="http://schemas.openxmlformats.org/officeDocument/2006/relationships" xmlns:p="http://schemas.openxmlformats.org/presentationml/2006/main" showMasterSp="0" showMasterPhAnim="0">
   <p:cSld>
     <p:spTree>
       <p:nvGrpSpPr>
-        <p:cNvPr id="105" name="Shape 105"/>
+        <p:cNvPr id="1" name="Shape 99"/>
+        <p:cNvGrpSpPr/>
+        <p:nvPr/>
+      </p:nvGrpSpPr>
+      <p:grpSpPr>
+        <a:xfrm>
+          <a:off x="0" y="0"/>
+          <a:ext cx="0" cy="0"/>
+          <a:chOff x="0" y="0"/>
+          <a:chExt cx="0" cy="0"/>
+        </a:xfrm>
+      </p:grpSpPr>
+      <p:sp>
+        <p:nvSpPr>
+          <p:cNvPr id="100" name="Google Shape;100;g10a2c5dd367_0_4:notes"/>
+          <p:cNvSpPr>
+            <a:spLocks noGrp="1" noRot="1" noChangeAspect="1"/>
+          </p:cNvSpPr>
+          <p:nvPr>
+            <p:ph type="sldImg" idx="2"/>
+          </p:nvPr>
+        </p:nvSpPr>
+        <p:spPr>
+          <a:xfrm>
+            <a:off x="381300" y="685800"/>
+            <a:ext cx="6096000" cy="3429000"/>
+          </a:xfrm>
+          <a:custGeom>
+            <a:avLst/>
+            <a:gdLst/>
+            <a:ahLst/>
+            <a:cxnLst/>
+            <a:rect l="l" t="t" r="r" b="b"/>
+            <a:pathLst>
+              <a:path w="120000" h="120000" extrusionOk="0">
+                <a:moveTo>
+                  <a:pt x="0" y="0"/>
+                </a:moveTo>
+                <a:lnTo>
+                  <a:pt x="120000" y="0"/>
+                </a:lnTo>
+                <a:lnTo>
+                  <a:pt x="120000" y="120000"/>
+                </a:lnTo>
+                <a:lnTo>
+                  <a:pt x="0" y="120000"/>
+                </a:lnTo>
+                <a:close/>
+              </a:path>
+            </a:pathLst>
+          </a:custGeom>
+        </p:spPr>
+      </p:sp>
+      <p:sp>
+        <p:nvSpPr>
+          <p:cNvPr id="101" name="Google Shape;101;g10a2c5dd367_0_4:notes"/>
+          <p:cNvSpPr txBox="1">
+            <a:spLocks noGrp="1"/>
+          </p:cNvSpPr>
+          <p:nvPr>
+            <p:ph type="body" idx="1"/>
+          </p:nvPr>
+        </p:nvSpPr>
+        <p:spPr>
+          <a:xfrm>
+            <a:off x="685800" y="4343400"/>
+            <a:ext cx="5486400" cy="4114800"/>
+          </a:xfrm>
+          <a:prstGeom prst="rect">
+            <a:avLst/>
+          </a:prstGeom>
+        </p:spPr>
+        <p:txBody>
+          <a:bodyPr spcFirstLastPara="1" wrap="square" lIns="91425" tIns="91425" rIns="91425" bIns="91425" anchor="t" anchorCtr="0">
+            <a:noAutofit/>
+          </a:bodyPr>
+          <a:lstStyle/>
+          <a:p>
+            <a:pPr marL="0" lvl="0" indent="0" algn="l" rtl="0">
+              <a:spcBef>
+                <a:spcPts val="0"/>
+              </a:spcBef>
+              <a:spcAft>
+                <a:spcPts val="0"/>
+              </a:spcAft>
+              <a:buNone/>
+            </a:pPr>
+            <a:endParaRPr/>
+          </a:p>
+        </p:txBody>
+      </p:sp>
+    </p:spTree>
+  </p:cSld>
+  <p:clrMapOvr>
+    <a:masterClrMapping/>
+  </p:clrMapOvr>
+</p:notes>
+</file>
+
+<file path=ppt/notesSlides/notesSlide11.xml><?xml version="1.0" encoding="utf-8"?>
+<p:notes xmlns:a="http://schemas.openxmlformats.org/drawingml/2006/main" xmlns:r="http://schemas.openxmlformats.org/officeDocument/2006/relationships" xmlns:p="http://schemas.openxmlformats.org/presentationml/2006/main" showMasterSp="0" showMasterPhAnim="0">
+  <p:cSld>
+    <p:spTree>
+      <p:nvGrpSpPr>
+        <p:cNvPr id="1" name="Shape 105"/>
         <p:cNvGrpSpPr/>
         <p:nvPr/>
       </p:nvGrpSpPr>
@@ -816,9 +941,11 @@
       <p:sp>
         <p:nvSpPr>
           <p:cNvPr id="106" name="Google Shape;106;g10a2c5dd367_0_9:notes"/>
-          <p:cNvSpPr/>
+          <p:cNvSpPr>
+            <a:spLocks noGrp="1" noRot="1" noChangeAspect="1"/>
+          </p:cNvSpPr>
           <p:nvPr>
-            <p:ph idx="2" type="sldImg"/>
+            <p:ph type="sldImg" idx="2"/>
           </p:nvPr>
         </p:nvSpPr>
         <p:spPr>
@@ -827,9 +954,13 @@
             <a:ext cx="6096000" cy="3429000"/>
           </a:xfrm>
           <a:custGeom>
-            <a:rect b="b" l="l" r="r" t="t"/>
+            <a:avLst/>
+            <a:gdLst/>
+            <a:ahLst/>
+            <a:cxnLst/>
+            <a:rect l="l" t="t" r="r" b="b"/>
             <a:pathLst>
-              <a:path extrusionOk="0" h="120000" w="120000">
+              <a:path w="120000" h="120000" extrusionOk="0">
                 <a:moveTo>
                   <a:pt x="0" y="0"/>
                 </a:moveTo>
@@ -851,9 +982,11 @@
       <p:sp>
         <p:nvSpPr>
           <p:cNvPr id="107" name="Google Shape;107;g10a2c5dd367_0_9:notes"/>
-          <p:cNvSpPr txBox="1"/>
+          <p:cNvSpPr txBox="1">
+            <a:spLocks noGrp="1"/>
+          </p:cNvSpPr>
           <p:nvPr>
-            <p:ph idx="1" type="body"/>
+            <p:ph type="body" idx="1"/>
           </p:nvPr>
         </p:nvSpPr>
         <p:spPr>
@@ -866,23 +999,20 @@
           </a:prstGeom>
         </p:spPr>
         <p:txBody>
-          <a:bodyPr anchorCtr="0" anchor="t" bIns="91425" lIns="91425" spcFirstLastPara="1" rIns="91425" wrap="square" tIns="91425">
+          <a:bodyPr spcFirstLastPara="1" wrap="square" lIns="91425" tIns="91425" rIns="91425" bIns="91425" anchor="t" anchorCtr="0">
             <a:noAutofit/>
           </a:bodyPr>
           <a:lstStyle/>
           <a:p>
-            <a:pPr indent="0" lvl="0" marL="0" rtl="0" algn="l">
-              <a:spcBef>
-                <a:spcPts val="0"/>
-              </a:spcBef>
-              <a:spcAft>
-                <a:spcPts val="0"/>
-              </a:spcAft>
-              <a:buNone/>
-            </a:pPr>
-            <a:r>
-              <a:t/>
-            </a:r>
+            <a:pPr marL="0" lvl="0" indent="0" algn="l" rtl="0">
+              <a:spcBef>
+                <a:spcPts val="0"/>
+              </a:spcBef>
+              <a:spcAft>
+                <a:spcPts val="0"/>
+              </a:spcAft>
+              <a:buNone/>
+            </a:pPr>
             <a:endParaRPr/>
           </a:p>
         </p:txBody>
@@ -895,12 +1025,12 @@
 </p:notes>
 </file>
 
-<file path=ppt/notesSlides/notesSlide11.xml><?xml version="1.0" encoding="utf-8"?>
-<p:notes xmlns:a="http://schemas.openxmlformats.org/drawingml/2006/main" xmlns:r="http://schemas.openxmlformats.org/officeDocument/2006/relationships" xmlns:mc="http://schemas.openxmlformats.org/markup-compatibility/2006" xmlns:mv="urn:schemas-microsoft-com:mac:vml" xmlns:p="http://schemas.openxmlformats.org/presentationml/2006/main" xmlns:c="http://schemas.openxmlformats.org/drawingml/2006/chart" xmlns:dgm="http://schemas.openxmlformats.org/drawingml/2006/diagram" xmlns:o="urn:schemas-microsoft-com:office:office" xmlns:v="urn:schemas-microsoft-com:vml" xmlns:pvml="urn:schemas-microsoft-com:office:powerpoint" xmlns:com="http://schemas.openxmlformats.org/drawingml/2006/compatibility" xmlns:p14="http://schemas.microsoft.com/office/powerpoint/2010/main" xmlns:p15="http://schemas.microsoft.com/office/powerpoint/2012/main" xmlns:ahyp="http://schemas.microsoft.com/office/drawing/2018/hyperlinkcolor" showMasterPhAnim="0" showMasterSp="0">
+<file path=ppt/notesSlides/notesSlide12.xml><?xml version="1.0" encoding="utf-8"?>
+<p:notes xmlns:a="http://schemas.openxmlformats.org/drawingml/2006/main" xmlns:r="http://schemas.openxmlformats.org/officeDocument/2006/relationships" xmlns:p="http://schemas.openxmlformats.org/presentationml/2006/main" showMasterSp="0" showMasterPhAnim="0">
   <p:cSld>
     <p:spTree>
       <p:nvGrpSpPr>
-        <p:cNvPr id="111" name="Shape 111"/>
+        <p:cNvPr id="1" name="Shape 111"/>
         <p:cNvGrpSpPr/>
         <p:nvPr/>
       </p:nvGrpSpPr>
@@ -915,9 +1045,11 @@
       <p:sp>
         <p:nvSpPr>
           <p:cNvPr id="112" name="Google Shape;112;g10a2c5dd367_0_14:notes"/>
-          <p:cNvSpPr/>
+          <p:cNvSpPr>
+            <a:spLocks noGrp="1" noRot="1" noChangeAspect="1"/>
+          </p:cNvSpPr>
           <p:nvPr>
-            <p:ph idx="2" type="sldImg"/>
+            <p:ph type="sldImg" idx="2"/>
           </p:nvPr>
         </p:nvSpPr>
         <p:spPr>
@@ -926,9 +1058,13 @@
             <a:ext cx="6096000" cy="3429000"/>
           </a:xfrm>
           <a:custGeom>
-            <a:rect b="b" l="l" r="r" t="t"/>
+            <a:avLst/>
+            <a:gdLst/>
+            <a:ahLst/>
+            <a:cxnLst/>
+            <a:rect l="l" t="t" r="r" b="b"/>
             <a:pathLst>
-              <a:path extrusionOk="0" h="120000" w="120000">
+              <a:path w="120000" h="120000" extrusionOk="0">
                 <a:moveTo>
                   <a:pt x="0" y="0"/>
                 </a:moveTo>
@@ -950,9 +1086,11 @@
       <p:sp>
         <p:nvSpPr>
           <p:cNvPr id="113" name="Google Shape;113;g10a2c5dd367_0_14:notes"/>
-          <p:cNvSpPr txBox="1"/>
+          <p:cNvSpPr txBox="1">
+            <a:spLocks noGrp="1"/>
+          </p:cNvSpPr>
           <p:nvPr>
-            <p:ph idx="1" type="body"/>
+            <p:ph type="body" idx="1"/>
           </p:nvPr>
         </p:nvSpPr>
         <p:spPr>
@@ -965,23 +1103,20 @@
           </a:prstGeom>
         </p:spPr>
         <p:txBody>
-          <a:bodyPr anchorCtr="0" anchor="t" bIns="91425" lIns="91425" spcFirstLastPara="1" rIns="91425" wrap="square" tIns="91425">
+          <a:bodyPr spcFirstLastPara="1" wrap="square" lIns="91425" tIns="91425" rIns="91425" bIns="91425" anchor="t" anchorCtr="0">
             <a:noAutofit/>
           </a:bodyPr>
           <a:lstStyle/>
           <a:p>
-            <a:pPr indent="0" lvl="0" marL="0" rtl="0" algn="l">
-              <a:spcBef>
-                <a:spcPts val="0"/>
-              </a:spcBef>
-              <a:spcAft>
-                <a:spcPts val="0"/>
-              </a:spcAft>
-              <a:buNone/>
-            </a:pPr>
-            <a:r>
-              <a:t/>
-            </a:r>
+            <a:pPr marL="0" lvl="0" indent="0" algn="l" rtl="0">
+              <a:spcBef>
+                <a:spcPts val="0"/>
+              </a:spcBef>
+              <a:spcAft>
+                <a:spcPts val="0"/>
+              </a:spcAft>
+              <a:buNone/>
+            </a:pPr>
             <a:endParaRPr/>
           </a:p>
         </p:txBody>
@@ -994,12 +1129,12 @@
 </p:notes>
 </file>
 
-<file path=ppt/notesSlides/notesSlide12.xml><?xml version="1.0" encoding="utf-8"?>
-<p:notes xmlns:a="http://schemas.openxmlformats.org/drawingml/2006/main" xmlns:r="http://schemas.openxmlformats.org/officeDocument/2006/relationships" xmlns:mc="http://schemas.openxmlformats.org/markup-compatibility/2006" xmlns:mv="urn:schemas-microsoft-com:mac:vml" xmlns:p="http://schemas.openxmlformats.org/presentationml/2006/main" xmlns:c="http://schemas.openxmlformats.org/drawingml/2006/chart" xmlns:dgm="http://schemas.openxmlformats.org/drawingml/2006/diagram" xmlns:o="urn:schemas-microsoft-com:office:office" xmlns:v="urn:schemas-microsoft-com:vml" xmlns:pvml="urn:schemas-microsoft-com:office:powerpoint" xmlns:com="http://schemas.openxmlformats.org/drawingml/2006/compatibility" xmlns:p14="http://schemas.microsoft.com/office/powerpoint/2010/main" xmlns:p15="http://schemas.microsoft.com/office/powerpoint/2012/main" xmlns:ahyp="http://schemas.microsoft.com/office/drawing/2018/hyperlinkcolor" showMasterPhAnim="0" showMasterSp="0">
+<file path=ppt/notesSlides/notesSlide13.xml><?xml version="1.0" encoding="utf-8"?>
+<p:notes xmlns:a="http://schemas.openxmlformats.org/drawingml/2006/main" xmlns:r="http://schemas.openxmlformats.org/officeDocument/2006/relationships" xmlns:p="http://schemas.openxmlformats.org/presentationml/2006/main" showMasterSp="0" showMasterPhAnim="0">
   <p:cSld>
     <p:spTree>
       <p:nvGrpSpPr>
-        <p:cNvPr id="117" name="Shape 117"/>
+        <p:cNvPr id="1" name="Shape 117"/>
         <p:cNvGrpSpPr/>
         <p:nvPr/>
       </p:nvGrpSpPr>
@@ -1014,20 +1149,26 @@
       <p:sp>
         <p:nvSpPr>
           <p:cNvPr id="118" name="Google Shape;118;g10a1f0bc2cf_0_57:notes"/>
-          <p:cNvSpPr/>
+          <p:cNvSpPr>
+            <a:spLocks noGrp="1" noRot="1" noChangeAspect="1"/>
+          </p:cNvSpPr>
           <p:nvPr>
-            <p:ph idx="2" type="sldImg"/>
+            <p:ph type="sldImg" idx="2"/>
           </p:nvPr>
         </p:nvSpPr>
         <p:spPr>
           <a:xfrm>
-            <a:off x="381300" y="685800"/>
+            <a:off x="381000" y="685800"/>
             <a:ext cx="6096000" cy="3429000"/>
           </a:xfrm>
           <a:custGeom>
-            <a:rect b="b" l="l" r="r" t="t"/>
+            <a:avLst/>
+            <a:gdLst/>
+            <a:ahLst/>
+            <a:cxnLst/>
+            <a:rect l="l" t="t" r="r" b="b"/>
             <a:pathLst>
-              <a:path extrusionOk="0" h="120000" w="120000">
+              <a:path w="120000" h="120000" extrusionOk="0">
                 <a:moveTo>
                   <a:pt x="0" y="0"/>
                 </a:moveTo>
@@ -1049,9 +1190,11 @@
       <p:sp>
         <p:nvSpPr>
           <p:cNvPr id="119" name="Google Shape;119;g10a1f0bc2cf_0_57:notes"/>
-          <p:cNvSpPr txBox="1"/>
+          <p:cNvSpPr txBox="1">
+            <a:spLocks noGrp="1"/>
+          </p:cNvSpPr>
           <p:nvPr>
-            <p:ph idx="1" type="body"/>
+            <p:ph type="body" idx="1"/>
           </p:nvPr>
         </p:nvSpPr>
         <p:spPr>
@@ -1064,23 +1207,20 @@
           </a:prstGeom>
         </p:spPr>
         <p:txBody>
-          <a:bodyPr anchorCtr="0" anchor="t" bIns="91425" lIns="91425" spcFirstLastPara="1" rIns="91425" wrap="square" tIns="91425">
+          <a:bodyPr spcFirstLastPara="1" wrap="square" lIns="91425" tIns="91425" rIns="91425" bIns="91425" anchor="t" anchorCtr="0">
             <a:noAutofit/>
           </a:bodyPr>
           <a:lstStyle/>
           <a:p>
-            <a:pPr indent="0" lvl="0" marL="0" rtl="0" algn="l">
-              <a:spcBef>
-                <a:spcPts val="0"/>
-              </a:spcBef>
-              <a:spcAft>
-                <a:spcPts val="0"/>
-              </a:spcAft>
-              <a:buNone/>
-            </a:pPr>
-            <a:r>
-              <a:t/>
-            </a:r>
+            <a:pPr marL="0" lvl="0" indent="0" algn="l" rtl="0">
+              <a:spcBef>
+                <a:spcPts val="0"/>
+              </a:spcBef>
+              <a:spcAft>
+                <a:spcPts val="0"/>
+              </a:spcAft>
+              <a:buNone/>
+            </a:pPr>
             <a:endParaRPr/>
           </a:p>
         </p:txBody>
@@ -1094,11 +1234,11 @@
 </file>
 
 <file path=ppt/notesSlides/notesSlide2.xml><?xml version="1.0" encoding="utf-8"?>
-<p:notes xmlns:a="http://schemas.openxmlformats.org/drawingml/2006/main" xmlns:r="http://schemas.openxmlformats.org/officeDocument/2006/relationships" xmlns:mc="http://schemas.openxmlformats.org/markup-compatibility/2006" xmlns:mv="urn:schemas-microsoft-com:mac:vml" xmlns:p="http://schemas.openxmlformats.org/presentationml/2006/main" xmlns:c="http://schemas.openxmlformats.org/drawingml/2006/chart" xmlns:dgm="http://schemas.openxmlformats.org/drawingml/2006/diagram" xmlns:o="urn:schemas-microsoft-com:office:office" xmlns:v="urn:schemas-microsoft-com:vml" xmlns:pvml="urn:schemas-microsoft-com:office:powerpoint" xmlns:com="http://schemas.openxmlformats.org/drawingml/2006/compatibility" xmlns:p14="http://schemas.microsoft.com/office/powerpoint/2010/main" xmlns:p15="http://schemas.microsoft.com/office/powerpoint/2012/main" xmlns:ahyp="http://schemas.microsoft.com/office/drawing/2018/hyperlinkcolor" showMasterPhAnim="0" showMasterSp="0">
+<p:notes xmlns:a="http://schemas.openxmlformats.org/drawingml/2006/main" xmlns:r="http://schemas.openxmlformats.org/officeDocument/2006/relationships" xmlns:p="http://schemas.openxmlformats.org/presentationml/2006/main" showMasterSp="0" showMasterPhAnim="0">
   <p:cSld>
     <p:spTree>
       <p:nvGrpSpPr>
-        <p:cNvPr id="57" name="Shape 57"/>
+        <p:cNvPr id="1" name="Shape 57"/>
         <p:cNvGrpSpPr/>
         <p:nvPr/>
       </p:nvGrpSpPr>
@@ -1113,20 +1253,26 @@
       <p:sp>
         <p:nvSpPr>
           <p:cNvPr id="58" name="Google Shape;58;g10a1f0bc2cf_0_108:notes"/>
-          <p:cNvSpPr/>
+          <p:cNvSpPr>
+            <a:spLocks noGrp="1" noRot="1" noChangeAspect="1"/>
+          </p:cNvSpPr>
           <p:nvPr>
-            <p:ph idx="2" type="sldImg"/>
+            <p:ph type="sldImg" idx="2"/>
           </p:nvPr>
         </p:nvSpPr>
         <p:spPr>
           <a:xfrm>
-            <a:off x="381300" y="685800"/>
+            <a:off x="381000" y="685800"/>
             <a:ext cx="6096000" cy="3429000"/>
           </a:xfrm>
           <a:custGeom>
-            <a:rect b="b" l="l" r="r" t="t"/>
+            <a:avLst/>
+            <a:gdLst/>
+            <a:ahLst/>
+            <a:cxnLst/>
+            <a:rect l="l" t="t" r="r" b="b"/>
             <a:pathLst>
-              <a:path extrusionOk="0" h="120000" w="120000">
+              <a:path w="120000" h="120000" extrusionOk="0">
                 <a:moveTo>
                   <a:pt x="0" y="0"/>
                 </a:moveTo>
@@ -1148,9 +1294,11 @@
       <p:sp>
         <p:nvSpPr>
           <p:cNvPr id="59" name="Google Shape;59;g10a1f0bc2cf_0_108:notes"/>
-          <p:cNvSpPr txBox="1"/>
+          <p:cNvSpPr txBox="1">
+            <a:spLocks noGrp="1"/>
+          </p:cNvSpPr>
           <p:nvPr>
-            <p:ph idx="1" type="body"/>
+            <p:ph type="body" idx="1"/>
           </p:nvPr>
         </p:nvSpPr>
         <p:spPr>
@@ -1163,23 +1311,20 @@
           </a:prstGeom>
         </p:spPr>
         <p:txBody>
-          <a:bodyPr anchorCtr="0" anchor="t" bIns="91425" lIns="91425" spcFirstLastPara="1" rIns="91425" wrap="square" tIns="91425">
+          <a:bodyPr spcFirstLastPara="1" wrap="square" lIns="91425" tIns="91425" rIns="91425" bIns="91425" anchor="t" anchorCtr="0">
             <a:noAutofit/>
           </a:bodyPr>
           <a:lstStyle/>
           <a:p>
-            <a:pPr indent="0" lvl="0" marL="0" rtl="0" algn="l">
-              <a:spcBef>
-                <a:spcPts val="0"/>
-              </a:spcBef>
-              <a:spcAft>
-                <a:spcPts val="0"/>
-              </a:spcAft>
-              <a:buNone/>
-            </a:pPr>
-            <a:r>
-              <a:t/>
-            </a:r>
+            <a:pPr marL="0" lvl="0" indent="0" algn="l" rtl="0">
+              <a:spcBef>
+                <a:spcPts val="0"/>
+              </a:spcBef>
+              <a:spcAft>
+                <a:spcPts val="0"/>
+              </a:spcAft>
+              <a:buNone/>
+            </a:pPr>
             <a:endParaRPr/>
           </a:p>
         </p:txBody>
@@ -1193,11 +1338,11 @@
 </file>
 
 <file path=ppt/notesSlides/notesSlide3.xml><?xml version="1.0" encoding="utf-8"?>
-<p:notes xmlns:a="http://schemas.openxmlformats.org/drawingml/2006/main" xmlns:r="http://schemas.openxmlformats.org/officeDocument/2006/relationships" xmlns:mc="http://schemas.openxmlformats.org/markup-compatibility/2006" xmlns:mv="urn:schemas-microsoft-com:mac:vml" xmlns:p="http://schemas.openxmlformats.org/presentationml/2006/main" xmlns:c="http://schemas.openxmlformats.org/drawingml/2006/chart" xmlns:dgm="http://schemas.openxmlformats.org/drawingml/2006/diagram" xmlns:o="urn:schemas-microsoft-com:office:office" xmlns:v="urn:schemas-microsoft-com:vml" xmlns:pvml="urn:schemas-microsoft-com:office:powerpoint" xmlns:com="http://schemas.openxmlformats.org/drawingml/2006/compatibility" xmlns:p14="http://schemas.microsoft.com/office/powerpoint/2010/main" xmlns:p15="http://schemas.microsoft.com/office/powerpoint/2012/main" xmlns:ahyp="http://schemas.microsoft.com/office/drawing/2018/hyperlinkcolor" showMasterPhAnim="0" showMasterSp="0">
+<p:notes xmlns:a="http://schemas.openxmlformats.org/drawingml/2006/main" xmlns:r="http://schemas.openxmlformats.org/officeDocument/2006/relationships" xmlns:p="http://schemas.openxmlformats.org/presentationml/2006/main" showMasterSp="0" showMasterPhAnim="0">
   <p:cSld>
     <p:spTree>
       <p:nvGrpSpPr>
-        <p:cNvPr id="62" name="Shape 62"/>
+        <p:cNvPr id="1" name="Shape 62"/>
         <p:cNvGrpSpPr/>
         <p:nvPr/>
       </p:nvGrpSpPr>
@@ -1212,20 +1357,26 @@
       <p:sp>
         <p:nvSpPr>
           <p:cNvPr id="63" name="Google Shape;63;g10a1f0bc2cf_0_112:notes"/>
-          <p:cNvSpPr/>
+          <p:cNvSpPr>
+            <a:spLocks noGrp="1" noRot="1" noChangeAspect="1"/>
+          </p:cNvSpPr>
           <p:nvPr>
-            <p:ph idx="2" type="sldImg"/>
+            <p:ph type="sldImg" idx="2"/>
           </p:nvPr>
         </p:nvSpPr>
         <p:spPr>
           <a:xfrm>
-            <a:off x="381300" y="685800"/>
+            <a:off x="381000" y="685800"/>
             <a:ext cx="6096000" cy="3429000"/>
           </a:xfrm>
           <a:custGeom>
-            <a:rect b="b" l="l" r="r" t="t"/>
+            <a:avLst/>
+            <a:gdLst/>
+            <a:ahLst/>
+            <a:cxnLst/>
+            <a:rect l="l" t="t" r="r" b="b"/>
             <a:pathLst>
-              <a:path extrusionOk="0" h="120000" w="120000">
+              <a:path w="120000" h="120000" extrusionOk="0">
                 <a:moveTo>
                   <a:pt x="0" y="0"/>
                 </a:moveTo>
@@ -1247,9 +1398,11 @@
       <p:sp>
         <p:nvSpPr>
           <p:cNvPr id="64" name="Google Shape;64;g10a1f0bc2cf_0_112:notes"/>
-          <p:cNvSpPr txBox="1"/>
+          <p:cNvSpPr txBox="1">
+            <a:spLocks noGrp="1"/>
+          </p:cNvSpPr>
           <p:nvPr>
-            <p:ph idx="1" type="body"/>
+            <p:ph type="body" idx="1"/>
           </p:nvPr>
         </p:nvSpPr>
         <p:spPr>
@@ -1262,23 +1415,20 @@
           </a:prstGeom>
         </p:spPr>
         <p:txBody>
-          <a:bodyPr anchorCtr="0" anchor="t" bIns="91425" lIns="91425" spcFirstLastPara="1" rIns="91425" wrap="square" tIns="91425">
+          <a:bodyPr spcFirstLastPara="1" wrap="square" lIns="91425" tIns="91425" rIns="91425" bIns="91425" anchor="t" anchorCtr="0">
             <a:noAutofit/>
           </a:bodyPr>
           <a:lstStyle/>
           <a:p>
-            <a:pPr indent="0" lvl="0" marL="0" rtl="0" algn="l">
-              <a:spcBef>
-                <a:spcPts val="0"/>
-              </a:spcBef>
-              <a:spcAft>
-                <a:spcPts val="0"/>
-              </a:spcAft>
-              <a:buNone/>
-            </a:pPr>
-            <a:r>
-              <a:t/>
-            </a:r>
+            <a:pPr marL="0" lvl="0" indent="0" algn="l" rtl="0">
+              <a:spcBef>
+                <a:spcPts val="0"/>
+              </a:spcBef>
+              <a:spcAft>
+                <a:spcPts val="0"/>
+              </a:spcAft>
+              <a:buNone/>
+            </a:pPr>
             <a:endParaRPr/>
           </a:p>
         </p:txBody>
@@ -1292,11 +1442,11 @@
 </file>
 
 <file path=ppt/notesSlides/notesSlide4.xml><?xml version="1.0" encoding="utf-8"?>
-<p:notes xmlns:a="http://schemas.openxmlformats.org/drawingml/2006/main" xmlns:r="http://schemas.openxmlformats.org/officeDocument/2006/relationships" xmlns:mc="http://schemas.openxmlformats.org/markup-compatibility/2006" xmlns:mv="urn:schemas-microsoft-com:mac:vml" xmlns:p="http://schemas.openxmlformats.org/presentationml/2006/main" xmlns:c="http://schemas.openxmlformats.org/drawingml/2006/chart" xmlns:dgm="http://schemas.openxmlformats.org/drawingml/2006/diagram" xmlns:o="urn:schemas-microsoft-com:office:office" xmlns:v="urn:schemas-microsoft-com:vml" xmlns:pvml="urn:schemas-microsoft-com:office:powerpoint" xmlns:com="http://schemas.openxmlformats.org/drawingml/2006/compatibility" xmlns:p14="http://schemas.microsoft.com/office/powerpoint/2010/main" xmlns:p15="http://schemas.microsoft.com/office/powerpoint/2012/main" xmlns:ahyp="http://schemas.microsoft.com/office/drawing/2018/hyperlinkcolor" showMasterPhAnim="0" showMasterSp="0">
+<p:notes xmlns:a="http://schemas.openxmlformats.org/drawingml/2006/main" xmlns:r="http://schemas.openxmlformats.org/officeDocument/2006/relationships" xmlns:p="http://schemas.openxmlformats.org/presentationml/2006/main" showMasterSp="0" showMasterPhAnim="0">
   <p:cSld>
     <p:spTree>
       <p:nvGrpSpPr>
-        <p:cNvPr id="68" name="Shape 68"/>
+        <p:cNvPr id="1" name="Shape 68"/>
         <p:cNvGrpSpPr/>
         <p:nvPr/>
       </p:nvGrpSpPr>
@@ -1311,20 +1461,26 @@
       <p:sp>
         <p:nvSpPr>
           <p:cNvPr id="69" name="Google Shape;69;g10a1f0bc2cf_0_117:notes"/>
-          <p:cNvSpPr/>
+          <p:cNvSpPr>
+            <a:spLocks noGrp="1" noRot="1" noChangeAspect="1"/>
+          </p:cNvSpPr>
           <p:nvPr>
-            <p:ph idx="2" type="sldImg"/>
+            <p:ph type="sldImg" idx="2"/>
           </p:nvPr>
         </p:nvSpPr>
         <p:spPr>
           <a:xfrm>
-            <a:off x="381300" y="685800"/>
+            <a:off x="381000" y="685800"/>
             <a:ext cx="6096000" cy="3429000"/>
           </a:xfrm>
           <a:custGeom>
-            <a:rect b="b" l="l" r="r" t="t"/>
+            <a:avLst/>
+            <a:gdLst/>
+            <a:ahLst/>
+            <a:cxnLst/>
+            <a:rect l="l" t="t" r="r" b="b"/>
             <a:pathLst>
-              <a:path extrusionOk="0" h="120000" w="120000">
+              <a:path w="120000" h="120000" extrusionOk="0">
                 <a:moveTo>
                   <a:pt x="0" y="0"/>
                 </a:moveTo>
@@ -1346,9 +1502,11 @@
       <p:sp>
         <p:nvSpPr>
           <p:cNvPr id="70" name="Google Shape;70;g10a1f0bc2cf_0_117:notes"/>
-          <p:cNvSpPr txBox="1"/>
+          <p:cNvSpPr txBox="1">
+            <a:spLocks noGrp="1"/>
+          </p:cNvSpPr>
           <p:nvPr>
-            <p:ph idx="1" type="body"/>
+            <p:ph type="body" idx="1"/>
           </p:nvPr>
         </p:nvSpPr>
         <p:spPr>
@@ -1361,23 +1519,20 @@
           </a:prstGeom>
         </p:spPr>
         <p:txBody>
-          <a:bodyPr anchorCtr="0" anchor="t" bIns="91425" lIns="91425" spcFirstLastPara="1" rIns="91425" wrap="square" tIns="91425">
+          <a:bodyPr spcFirstLastPara="1" wrap="square" lIns="91425" tIns="91425" rIns="91425" bIns="91425" anchor="t" anchorCtr="0">
             <a:noAutofit/>
           </a:bodyPr>
           <a:lstStyle/>
           <a:p>
-            <a:pPr indent="0" lvl="0" marL="0" rtl="0" algn="l">
-              <a:spcBef>
-                <a:spcPts val="0"/>
-              </a:spcBef>
-              <a:spcAft>
-                <a:spcPts val="0"/>
-              </a:spcAft>
-              <a:buNone/>
-            </a:pPr>
-            <a:r>
-              <a:t/>
-            </a:r>
+            <a:pPr marL="0" lvl="0" indent="0" algn="l" rtl="0">
+              <a:spcBef>
+                <a:spcPts val="0"/>
+              </a:spcBef>
+              <a:spcAft>
+                <a:spcPts val="0"/>
+              </a:spcAft>
+              <a:buNone/>
+            </a:pPr>
             <a:endParaRPr/>
           </a:p>
         </p:txBody>
@@ -1391,11 +1546,11 @@
 </file>
 
 <file path=ppt/notesSlides/notesSlide5.xml><?xml version="1.0" encoding="utf-8"?>
-<p:notes xmlns:a="http://schemas.openxmlformats.org/drawingml/2006/main" xmlns:r="http://schemas.openxmlformats.org/officeDocument/2006/relationships" xmlns:mc="http://schemas.openxmlformats.org/markup-compatibility/2006" xmlns:mv="urn:schemas-microsoft-com:mac:vml" xmlns:p="http://schemas.openxmlformats.org/presentationml/2006/main" xmlns:c="http://schemas.openxmlformats.org/drawingml/2006/chart" xmlns:dgm="http://schemas.openxmlformats.org/drawingml/2006/diagram" xmlns:o="urn:schemas-microsoft-com:office:office" xmlns:v="urn:schemas-microsoft-com:vml" xmlns:pvml="urn:schemas-microsoft-com:office:powerpoint" xmlns:com="http://schemas.openxmlformats.org/drawingml/2006/compatibility" xmlns:p14="http://schemas.microsoft.com/office/powerpoint/2010/main" xmlns:p15="http://schemas.microsoft.com/office/powerpoint/2012/main" xmlns:ahyp="http://schemas.microsoft.com/office/drawing/2018/hyperlinkcolor" showMasterPhAnim="0" showMasterSp="0">
+<p:notes xmlns:a="http://schemas.openxmlformats.org/drawingml/2006/main" xmlns:r="http://schemas.openxmlformats.org/officeDocument/2006/relationships" xmlns:p="http://schemas.openxmlformats.org/presentationml/2006/main" showMasterSp="0" showMasterPhAnim="0">
   <p:cSld>
     <p:spTree>
       <p:nvGrpSpPr>
-        <p:cNvPr id="74" name="Shape 74"/>
+        <p:cNvPr id="1" name="Shape 74"/>
         <p:cNvGrpSpPr/>
         <p:nvPr/>
       </p:nvGrpSpPr>
@@ -1410,20 +1565,26 @@
       <p:sp>
         <p:nvSpPr>
           <p:cNvPr id="75" name="Google Shape;75;g10a1f0bc2cf_0_122:notes"/>
-          <p:cNvSpPr/>
+          <p:cNvSpPr>
+            <a:spLocks noGrp="1" noRot="1" noChangeAspect="1"/>
+          </p:cNvSpPr>
           <p:nvPr>
-            <p:ph idx="2" type="sldImg"/>
+            <p:ph type="sldImg" idx="2"/>
           </p:nvPr>
         </p:nvSpPr>
         <p:spPr>
           <a:xfrm>
-            <a:off x="381300" y="685800"/>
+            <a:off x="381000" y="685800"/>
             <a:ext cx="6096000" cy="3429000"/>
           </a:xfrm>
           <a:custGeom>
-            <a:rect b="b" l="l" r="r" t="t"/>
+            <a:avLst/>
+            <a:gdLst/>
+            <a:ahLst/>
+            <a:cxnLst/>
+            <a:rect l="l" t="t" r="r" b="b"/>
             <a:pathLst>
-              <a:path extrusionOk="0" h="120000" w="120000">
+              <a:path w="120000" h="120000" extrusionOk="0">
                 <a:moveTo>
                   <a:pt x="0" y="0"/>
                 </a:moveTo>
@@ -1445,9 +1606,11 @@
       <p:sp>
         <p:nvSpPr>
           <p:cNvPr id="76" name="Google Shape;76;g10a1f0bc2cf_0_122:notes"/>
-          <p:cNvSpPr txBox="1"/>
+          <p:cNvSpPr txBox="1">
+            <a:spLocks noGrp="1"/>
+          </p:cNvSpPr>
           <p:nvPr>
-            <p:ph idx="1" type="body"/>
+            <p:ph type="body" idx="1"/>
           </p:nvPr>
         </p:nvSpPr>
         <p:spPr>
@@ -1460,23 +1623,20 @@
           </a:prstGeom>
         </p:spPr>
         <p:txBody>
-          <a:bodyPr anchorCtr="0" anchor="t" bIns="91425" lIns="91425" spcFirstLastPara="1" rIns="91425" wrap="square" tIns="91425">
+          <a:bodyPr spcFirstLastPara="1" wrap="square" lIns="91425" tIns="91425" rIns="91425" bIns="91425" anchor="t" anchorCtr="0">
             <a:noAutofit/>
           </a:bodyPr>
           <a:lstStyle/>
           <a:p>
-            <a:pPr indent="0" lvl="0" marL="0" rtl="0" algn="l">
-              <a:spcBef>
-                <a:spcPts val="0"/>
-              </a:spcBef>
-              <a:spcAft>
-                <a:spcPts val="0"/>
-              </a:spcAft>
-              <a:buNone/>
-            </a:pPr>
-            <a:r>
-              <a:t/>
-            </a:r>
+            <a:pPr marL="0" lvl="0" indent="0" algn="l" rtl="0">
+              <a:spcBef>
+                <a:spcPts val="0"/>
+              </a:spcBef>
+              <a:spcAft>
+                <a:spcPts val="0"/>
+              </a:spcAft>
+              <a:buNone/>
+            </a:pPr>
             <a:endParaRPr/>
           </a:p>
         </p:txBody>
@@ -1490,11 +1650,11 @@
 </file>
 
 <file path=ppt/notesSlides/notesSlide6.xml><?xml version="1.0" encoding="utf-8"?>
-<p:notes xmlns:a="http://schemas.openxmlformats.org/drawingml/2006/main" xmlns:r="http://schemas.openxmlformats.org/officeDocument/2006/relationships" xmlns:mc="http://schemas.openxmlformats.org/markup-compatibility/2006" xmlns:mv="urn:schemas-microsoft-com:mac:vml" xmlns:p="http://schemas.openxmlformats.org/presentationml/2006/main" xmlns:c="http://schemas.openxmlformats.org/drawingml/2006/chart" xmlns:dgm="http://schemas.openxmlformats.org/drawingml/2006/diagram" xmlns:o="urn:schemas-microsoft-com:office:office" xmlns:v="urn:schemas-microsoft-com:vml" xmlns:pvml="urn:schemas-microsoft-com:office:powerpoint" xmlns:com="http://schemas.openxmlformats.org/drawingml/2006/compatibility" xmlns:p14="http://schemas.microsoft.com/office/powerpoint/2010/main" xmlns:p15="http://schemas.microsoft.com/office/powerpoint/2012/main" xmlns:ahyp="http://schemas.microsoft.com/office/drawing/2018/hyperlinkcolor" showMasterPhAnim="0" showMasterSp="0">
+<p:notes xmlns:a="http://schemas.openxmlformats.org/drawingml/2006/main" xmlns:r="http://schemas.openxmlformats.org/officeDocument/2006/relationships" xmlns:p="http://schemas.openxmlformats.org/presentationml/2006/main" showMasterSp="0" showMasterPhAnim="0">
   <p:cSld>
     <p:spTree>
       <p:nvGrpSpPr>
-        <p:cNvPr id="80" name="Shape 80"/>
+        <p:cNvPr id="1" name="Shape 80"/>
         <p:cNvGrpSpPr/>
         <p:nvPr/>
       </p:nvGrpSpPr>
@@ -1509,20 +1669,26 @@
       <p:sp>
         <p:nvSpPr>
           <p:cNvPr id="81" name="Google Shape;81;g10a1f0bc2cf_0_127:notes"/>
-          <p:cNvSpPr/>
+          <p:cNvSpPr>
+            <a:spLocks noGrp="1" noRot="1" noChangeAspect="1"/>
+          </p:cNvSpPr>
           <p:nvPr>
-            <p:ph idx="2" type="sldImg"/>
+            <p:ph type="sldImg" idx="2"/>
           </p:nvPr>
         </p:nvSpPr>
         <p:spPr>
           <a:xfrm>
-            <a:off x="381300" y="685800"/>
+            <a:off x="381000" y="685800"/>
             <a:ext cx="6096000" cy="3429000"/>
           </a:xfrm>
           <a:custGeom>
-            <a:rect b="b" l="l" r="r" t="t"/>
+            <a:avLst/>
+            <a:gdLst/>
+            <a:ahLst/>
+            <a:cxnLst/>
+            <a:rect l="l" t="t" r="r" b="b"/>
             <a:pathLst>
-              <a:path extrusionOk="0" h="120000" w="120000">
+              <a:path w="120000" h="120000" extrusionOk="0">
                 <a:moveTo>
                   <a:pt x="0" y="0"/>
                 </a:moveTo>
@@ -1544,9 +1710,11 @@
       <p:sp>
         <p:nvSpPr>
           <p:cNvPr id="82" name="Google Shape;82;g10a1f0bc2cf_0_127:notes"/>
-          <p:cNvSpPr txBox="1"/>
+          <p:cNvSpPr txBox="1">
+            <a:spLocks noGrp="1"/>
+          </p:cNvSpPr>
           <p:nvPr>
-            <p:ph idx="1" type="body"/>
+            <p:ph type="body" idx="1"/>
           </p:nvPr>
         </p:nvSpPr>
         <p:spPr>
@@ -1559,12 +1727,12 @@
           </a:prstGeom>
         </p:spPr>
         <p:txBody>
-          <a:bodyPr anchorCtr="0" anchor="t" bIns="91425" lIns="91425" spcFirstLastPara="1" rIns="91425" wrap="square" tIns="91425">
+          <a:bodyPr spcFirstLastPara="1" wrap="square" lIns="91425" tIns="91425" rIns="91425" bIns="91425" anchor="t" anchorCtr="0">
             <a:noAutofit/>
           </a:bodyPr>
           <a:lstStyle/>
           <a:p>
-            <a:pPr indent="0" lvl="0" marL="0" rtl="0" algn="l">
+            <a:pPr marL="0" lvl="0" indent="0" algn="l" rtl="0">
               <a:spcBef>
                 <a:spcPts val="0"/>
               </a:spcBef>
@@ -1575,11 +1743,7 @@
             </a:pPr>
             <a:r>
               <a:rPr lang="en"/>
-              <a:t>NOTE: For the example on the left, the two calls to runif() will produce the same two outputs every time as long as set.seed(10) is run before the first call. This is an example of .Random.seed changing </a:t>
-            </a:r>
-            <a:r>
-              <a:rPr lang="en"/>
-              <a:t>deterministically, and is a good representation of the behaviour of set.seed() if it is called at the beginning of an R Script or R Markdown file.</a:t>
+              <a:t>NOTE: For the example on the left, the two calls to runif() will produce the same two outputs every time as long as set.seed(10) is run before the first call. This is an example of .Random.seed changing deterministically, and is a good representation of the behaviour of set.seed() if it is called at the beginning of an R Script or R Markdown file.</a:t>
             </a:r>
             <a:endParaRPr/>
           </a:p>
@@ -1594,11 +1758,124 @@
 </file>
 
 <file path=ppt/notesSlides/notesSlide7.xml><?xml version="1.0" encoding="utf-8"?>
-<p:notes xmlns:a="http://schemas.openxmlformats.org/drawingml/2006/main" xmlns:r="http://schemas.openxmlformats.org/officeDocument/2006/relationships" xmlns:mc="http://schemas.openxmlformats.org/markup-compatibility/2006" xmlns:mv="urn:schemas-microsoft-com:mac:vml" xmlns:p="http://schemas.openxmlformats.org/presentationml/2006/main" xmlns:c="http://schemas.openxmlformats.org/drawingml/2006/chart" xmlns:dgm="http://schemas.openxmlformats.org/drawingml/2006/diagram" xmlns:o="urn:schemas-microsoft-com:office:office" xmlns:v="urn:schemas-microsoft-com:vml" xmlns:pvml="urn:schemas-microsoft-com:office:powerpoint" xmlns:com="http://schemas.openxmlformats.org/drawingml/2006/compatibility" xmlns:p14="http://schemas.microsoft.com/office/powerpoint/2010/main" xmlns:p15="http://schemas.microsoft.com/office/powerpoint/2012/main" xmlns:ahyp="http://schemas.microsoft.com/office/drawing/2018/hyperlinkcolor" showMasterPhAnim="0" showMasterSp="0">
+<p:notes xmlns:a="http://schemas.openxmlformats.org/drawingml/2006/main" xmlns:r="http://schemas.openxmlformats.org/officeDocument/2006/relationships" xmlns:p="http://schemas.openxmlformats.org/presentationml/2006/main" showMasterSp="0" showMasterPhAnim="0">
   <p:cSld>
     <p:spTree>
       <p:nvGrpSpPr>
-        <p:cNvPr id="89" name="Shape 89"/>
+        <p:cNvPr id="1" name="Shape 80"/>
+        <p:cNvGrpSpPr/>
+        <p:nvPr/>
+      </p:nvGrpSpPr>
+      <p:grpSpPr>
+        <a:xfrm>
+          <a:off x="0" y="0"/>
+          <a:ext cx="0" cy="0"/>
+          <a:chOff x="0" y="0"/>
+          <a:chExt cx="0" cy="0"/>
+        </a:xfrm>
+      </p:grpSpPr>
+      <p:sp>
+        <p:nvSpPr>
+          <p:cNvPr id="81" name="Google Shape;81;g10a1f0bc2cf_0_127:notes"/>
+          <p:cNvSpPr>
+            <a:spLocks noGrp="1" noRot="1" noChangeAspect="1"/>
+          </p:cNvSpPr>
+          <p:nvPr>
+            <p:ph type="sldImg" idx="2"/>
+          </p:nvPr>
+        </p:nvSpPr>
+        <p:spPr>
+          <a:xfrm>
+            <a:off x="381000" y="685800"/>
+            <a:ext cx="6096000" cy="3429000"/>
+          </a:xfrm>
+          <a:custGeom>
+            <a:avLst/>
+            <a:gdLst/>
+            <a:ahLst/>
+            <a:cxnLst/>
+            <a:rect l="l" t="t" r="r" b="b"/>
+            <a:pathLst>
+              <a:path w="120000" h="120000" extrusionOk="0">
+                <a:moveTo>
+                  <a:pt x="0" y="0"/>
+                </a:moveTo>
+                <a:lnTo>
+                  <a:pt x="120000" y="0"/>
+                </a:lnTo>
+                <a:lnTo>
+                  <a:pt x="120000" y="120000"/>
+                </a:lnTo>
+                <a:lnTo>
+                  <a:pt x="0" y="120000"/>
+                </a:lnTo>
+                <a:close/>
+              </a:path>
+            </a:pathLst>
+          </a:custGeom>
+        </p:spPr>
+      </p:sp>
+      <p:sp>
+        <p:nvSpPr>
+          <p:cNvPr id="82" name="Google Shape;82;g10a1f0bc2cf_0_127:notes"/>
+          <p:cNvSpPr txBox="1">
+            <a:spLocks noGrp="1"/>
+          </p:cNvSpPr>
+          <p:nvPr>
+            <p:ph type="body" idx="1"/>
+          </p:nvPr>
+        </p:nvSpPr>
+        <p:spPr>
+          <a:xfrm>
+            <a:off x="685800" y="4343400"/>
+            <a:ext cx="5486400" cy="4114800"/>
+          </a:xfrm>
+          <a:prstGeom prst="rect">
+            <a:avLst/>
+          </a:prstGeom>
+        </p:spPr>
+        <p:txBody>
+          <a:bodyPr spcFirstLastPara="1" wrap="square" lIns="91425" tIns="91425" rIns="91425" bIns="91425" anchor="t" anchorCtr="0">
+            <a:noAutofit/>
+          </a:bodyPr>
+          <a:lstStyle/>
+          <a:p>
+            <a:pPr marL="0" lvl="0" indent="0" algn="l" rtl="0">
+              <a:spcBef>
+                <a:spcPts val="0"/>
+              </a:spcBef>
+              <a:spcAft>
+                <a:spcPts val="0"/>
+              </a:spcAft>
+              <a:buNone/>
+            </a:pPr>
+            <a:r>
+              <a:rPr lang="en"/>
+              <a:t>NOTE: For the example on the left, the two calls to runif() will produce the same two outputs every time as long as set.seed(10) is run before the first call. This is an example of .Random.seed changing deterministically, and is a good representation of the behaviour of set.seed() if it is called at the beginning of an R Script or R Markdown file.</a:t>
+            </a:r>
+            <a:endParaRPr/>
+          </a:p>
+        </p:txBody>
+      </p:sp>
+    </p:spTree>
+    <p:extLst>
+      <p:ext uri="{BB962C8B-B14F-4D97-AF65-F5344CB8AC3E}">
+        <p14:creationId xmlns:p14="http://schemas.microsoft.com/office/powerpoint/2010/main" val="2476869487"/>
+      </p:ext>
+    </p:extLst>
+  </p:cSld>
+  <p:clrMapOvr>
+    <a:masterClrMapping/>
+  </p:clrMapOvr>
+</p:notes>
+</file>
+
+<file path=ppt/notesSlides/notesSlide8.xml><?xml version="1.0" encoding="utf-8"?>
+<p:notes xmlns:a="http://schemas.openxmlformats.org/drawingml/2006/main" xmlns:r="http://schemas.openxmlformats.org/officeDocument/2006/relationships" xmlns:p="http://schemas.openxmlformats.org/presentationml/2006/main" showMasterSp="0" showMasterPhAnim="0">
+  <p:cSld>
+    <p:spTree>
+      <p:nvGrpSpPr>
+        <p:cNvPr id="1" name="Shape 89"/>
         <p:cNvGrpSpPr/>
         <p:nvPr/>
       </p:nvGrpSpPr>
@@ -1613,20 +1890,26 @@
       <p:sp>
         <p:nvSpPr>
           <p:cNvPr id="90" name="Google Shape;90;g10a1f0bc2cf_0_132:notes"/>
-          <p:cNvSpPr/>
+          <p:cNvSpPr>
+            <a:spLocks noGrp="1" noRot="1" noChangeAspect="1"/>
+          </p:cNvSpPr>
           <p:nvPr>
-            <p:ph idx="2" type="sldImg"/>
+            <p:ph type="sldImg" idx="2"/>
           </p:nvPr>
         </p:nvSpPr>
         <p:spPr>
           <a:xfrm>
-            <a:off x="381300" y="685800"/>
+            <a:off x="381000" y="685800"/>
             <a:ext cx="6096000" cy="3429000"/>
           </a:xfrm>
           <a:custGeom>
-            <a:rect b="b" l="l" r="r" t="t"/>
+            <a:avLst/>
+            <a:gdLst/>
+            <a:ahLst/>
+            <a:cxnLst/>
+            <a:rect l="l" t="t" r="r" b="b"/>
             <a:pathLst>
-              <a:path extrusionOk="0" h="120000" w="120000">
+              <a:path w="120000" h="120000" extrusionOk="0">
                 <a:moveTo>
                   <a:pt x="0" y="0"/>
                 </a:moveTo>
@@ -1648,9 +1931,11 @@
       <p:sp>
         <p:nvSpPr>
           <p:cNvPr id="91" name="Google Shape;91;g10a1f0bc2cf_0_132:notes"/>
-          <p:cNvSpPr txBox="1"/>
+          <p:cNvSpPr txBox="1">
+            <a:spLocks noGrp="1"/>
+          </p:cNvSpPr>
           <p:nvPr>
-            <p:ph idx="1" type="body"/>
+            <p:ph type="body" idx="1"/>
           </p:nvPr>
         </p:nvSpPr>
         <p:spPr>
@@ -1663,12 +1948,12 @@
           </a:prstGeom>
         </p:spPr>
         <p:txBody>
-          <a:bodyPr anchorCtr="0" anchor="t" bIns="91425" lIns="91425" spcFirstLastPara="1" rIns="91425" wrap="square" tIns="91425">
+          <a:bodyPr spcFirstLastPara="1" wrap="square" lIns="91425" tIns="91425" rIns="91425" bIns="91425" anchor="t" anchorCtr="0">
             <a:noAutofit/>
           </a:bodyPr>
           <a:lstStyle/>
           <a:p>
-            <a:pPr indent="0" lvl="0" marL="0" rtl="0" algn="l">
+            <a:pPr marL="0" lvl="0" indent="0" algn="l" rtl="0">
               <a:spcBef>
                 <a:spcPts val="0"/>
               </a:spcBef>
@@ -1693,12 +1978,12 @@
 </p:notes>
 </file>
 
-<file path=ppt/notesSlides/notesSlide8.xml><?xml version="1.0" encoding="utf-8"?>
-<p:notes xmlns:a="http://schemas.openxmlformats.org/drawingml/2006/main" xmlns:r="http://schemas.openxmlformats.org/officeDocument/2006/relationships" xmlns:mc="http://schemas.openxmlformats.org/markup-compatibility/2006" xmlns:mv="urn:schemas-microsoft-com:mac:vml" xmlns:p="http://schemas.openxmlformats.org/presentationml/2006/main" xmlns:c="http://schemas.openxmlformats.org/drawingml/2006/chart" xmlns:dgm="http://schemas.openxmlformats.org/drawingml/2006/diagram" xmlns:o="urn:schemas-microsoft-com:office:office" xmlns:v="urn:schemas-microsoft-com:vml" xmlns:pvml="urn:schemas-microsoft-com:office:powerpoint" xmlns:com="http://schemas.openxmlformats.org/drawingml/2006/compatibility" xmlns:p14="http://schemas.microsoft.com/office/powerpoint/2010/main" xmlns:p15="http://schemas.microsoft.com/office/powerpoint/2012/main" xmlns:ahyp="http://schemas.microsoft.com/office/drawing/2018/hyperlinkcolor" showMasterPhAnim="0" showMasterSp="0">
+<file path=ppt/notesSlides/notesSlide9.xml><?xml version="1.0" encoding="utf-8"?>
+<p:notes xmlns:a="http://schemas.openxmlformats.org/drawingml/2006/main" xmlns:r="http://schemas.openxmlformats.org/officeDocument/2006/relationships" xmlns:p="http://schemas.openxmlformats.org/presentationml/2006/main" showMasterSp="0" showMasterPhAnim="0">
   <p:cSld>
     <p:spTree>
       <p:nvGrpSpPr>
-        <p:cNvPr id="94" name="Shape 94"/>
+        <p:cNvPr id="1" name="Shape 94"/>
         <p:cNvGrpSpPr/>
         <p:nvPr/>
       </p:nvGrpSpPr>
@@ -1713,9 +1998,11 @@
       <p:sp>
         <p:nvSpPr>
           <p:cNvPr id="95" name="Google Shape;95;g10a2c5dd367_0_0:notes"/>
-          <p:cNvSpPr/>
+          <p:cNvSpPr>
+            <a:spLocks noGrp="1" noRot="1" noChangeAspect="1"/>
+          </p:cNvSpPr>
           <p:nvPr>
-            <p:ph idx="2" type="sldImg"/>
+            <p:ph type="sldImg" idx="2"/>
           </p:nvPr>
         </p:nvSpPr>
         <p:spPr>
@@ -1724,9 +2011,13 @@
             <a:ext cx="6096000" cy="3429000"/>
           </a:xfrm>
           <a:custGeom>
-            <a:rect b="b" l="l" r="r" t="t"/>
+            <a:avLst/>
+            <a:gdLst/>
+            <a:ahLst/>
+            <a:cxnLst/>
+            <a:rect l="l" t="t" r="r" b="b"/>
             <a:pathLst>
-              <a:path extrusionOk="0" h="120000" w="120000">
+              <a:path w="120000" h="120000" extrusionOk="0">
                 <a:moveTo>
                   <a:pt x="0" y="0"/>
                 </a:moveTo>
@@ -1748,9 +2039,11 @@
       <p:sp>
         <p:nvSpPr>
           <p:cNvPr id="96" name="Google Shape;96;g10a2c5dd367_0_0:notes"/>
-          <p:cNvSpPr txBox="1"/>
+          <p:cNvSpPr txBox="1">
+            <a:spLocks noGrp="1"/>
+          </p:cNvSpPr>
           <p:nvPr>
-            <p:ph idx="1" type="body"/>
+            <p:ph type="body" idx="1"/>
           </p:nvPr>
         </p:nvSpPr>
         <p:spPr>
@@ -1763,122 +2056,20 @@
           </a:prstGeom>
         </p:spPr>
         <p:txBody>
-          <a:bodyPr anchorCtr="0" anchor="t" bIns="91425" lIns="91425" spcFirstLastPara="1" rIns="91425" wrap="square" tIns="91425">
+          <a:bodyPr spcFirstLastPara="1" wrap="square" lIns="91425" tIns="91425" rIns="91425" bIns="91425" anchor="t" anchorCtr="0">
             <a:noAutofit/>
           </a:bodyPr>
           <a:lstStyle/>
           <a:p>
-            <a:pPr indent="0" lvl="0" marL="0" rtl="0" algn="l">
-              <a:spcBef>
-                <a:spcPts val="0"/>
-              </a:spcBef>
-              <a:spcAft>
-                <a:spcPts val="0"/>
-              </a:spcAft>
-              <a:buNone/>
-            </a:pPr>
-            <a:r>
-              <a:t/>
-            </a:r>
-            <a:endParaRPr/>
-          </a:p>
-        </p:txBody>
-      </p:sp>
-    </p:spTree>
-  </p:cSld>
-  <p:clrMapOvr>
-    <a:masterClrMapping/>
-  </p:clrMapOvr>
-</p:notes>
-</file>
-
-<file path=ppt/notesSlides/notesSlide9.xml><?xml version="1.0" encoding="utf-8"?>
-<p:notes xmlns:a="http://schemas.openxmlformats.org/drawingml/2006/main" xmlns:r="http://schemas.openxmlformats.org/officeDocument/2006/relationships" xmlns:mc="http://schemas.openxmlformats.org/markup-compatibility/2006" xmlns:mv="urn:schemas-microsoft-com:mac:vml" xmlns:p="http://schemas.openxmlformats.org/presentationml/2006/main" xmlns:c="http://schemas.openxmlformats.org/drawingml/2006/chart" xmlns:dgm="http://schemas.openxmlformats.org/drawingml/2006/diagram" xmlns:o="urn:schemas-microsoft-com:office:office" xmlns:v="urn:schemas-microsoft-com:vml" xmlns:pvml="urn:schemas-microsoft-com:office:powerpoint" xmlns:com="http://schemas.openxmlformats.org/drawingml/2006/compatibility" xmlns:p14="http://schemas.microsoft.com/office/powerpoint/2010/main" xmlns:p15="http://schemas.microsoft.com/office/powerpoint/2012/main" xmlns:ahyp="http://schemas.microsoft.com/office/drawing/2018/hyperlinkcolor" showMasterPhAnim="0" showMasterSp="0">
-  <p:cSld>
-    <p:spTree>
-      <p:nvGrpSpPr>
-        <p:cNvPr id="99" name="Shape 99"/>
-        <p:cNvGrpSpPr/>
-        <p:nvPr/>
-      </p:nvGrpSpPr>
-      <p:grpSpPr>
-        <a:xfrm>
-          <a:off x="0" y="0"/>
-          <a:ext cx="0" cy="0"/>
-          <a:chOff x="0" y="0"/>
-          <a:chExt cx="0" cy="0"/>
-        </a:xfrm>
-      </p:grpSpPr>
-      <p:sp>
-        <p:nvSpPr>
-          <p:cNvPr id="100" name="Google Shape;100;g10a2c5dd367_0_4:notes"/>
-          <p:cNvSpPr/>
-          <p:nvPr>
-            <p:ph idx="2" type="sldImg"/>
-          </p:nvPr>
-        </p:nvSpPr>
-        <p:spPr>
-          <a:xfrm>
-            <a:off x="381300" y="685800"/>
-            <a:ext cx="6096000" cy="3429000"/>
-          </a:xfrm>
-          <a:custGeom>
-            <a:rect b="b" l="l" r="r" t="t"/>
-            <a:pathLst>
-              <a:path extrusionOk="0" h="120000" w="120000">
-                <a:moveTo>
-                  <a:pt x="0" y="0"/>
-                </a:moveTo>
-                <a:lnTo>
-                  <a:pt x="120000" y="0"/>
-                </a:lnTo>
-                <a:lnTo>
-                  <a:pt x="120000" y="120000"/>
-                </a:lnTo>
-                <a:lnTo>
-                  <a:pt x="0" y="120000"/>
-                </a:lnTo>
-                <a:close/>
-              </a:path>
-            </a:pathLst>
-          </a:custGeom>
-        </p:spPr>
-      </p:sp>
-      <p:sp>
-        <p:nvSpPr>
-          <p:cNvPr id="101" name="Google Shape;101;g10a2c5dd367_0_4:notes"/>
-          <p:cNvSpPr txBox="1"/>
-          <p:nvPr>
-            <p:ph idx="1" type="body"/>
-          </p:nvPr>
-        </p:nvSpPr>
-        <p:spPr>
-          <a:xfrm>
-            <a:off x="685800" y="4343400"/>
-            <a:ext cx="5486400" cy="4114800"/>
-          </a:xfrm>
-          <a:prstGeom prst="rect">
-            <a:avLst/>
-          </a:prstGeom>
-        </p:spPr>
-        <p:txBody>
-          <a:bodyPr anchorCtr="0" anchor="t" bIns="91425" lIns="91425" spcFirstLastPara="1" rIns="91425" wrap="square" tIns="91425">
-            <a:noAutofit/>
-          </a:bodyPr>
-          <a:lstStyle/>
-          <a:p>
-            <a:pPr indent="0" lvl="0" marL="0" rtl="0" algn="l">
-              <a:spcBef>
-                <a:spcPts val="0"/>
-              </a:spcBef>
-              <a:spcAft>
-                <a:spcPts val="0"/>
-              </a:spcAft>
-              <a:buNone/>
-            </a:pPr>
-            <a:r>
-              <a:t/>
-            </a:r>
+            <a:pPr marL="0" lvl="0" indent="0" algn="l" rtl="0">
+              <a:spcBef>
+                <a:spcPts val="0"/>
+              </a:spcBef>
+              <a:spcAft>
+                <a:spcPts val="0"/>
+              </a:spcAft>
+              <a:buNone/>
+            </a:pPr>
             <a:endParaRPr/>
           </a:p>
         </p:txBody>
@@ -1892,11 +2083,11 @@
 </file>
 
 <file path=ppt/slideLayouts/slideLayout1.xml><?xml version="1.0" encoding="utf-8"?>
-<p:sldLayout xmlns:a="http://schemas.openxmlformats.org/drawingml/2006/main" xmlns:r="http://schemas.openxmlformats.org/officeDocument/2006/relationships" xmlns:mc="http://schemas.openxmlformats.org/markup-compatibility/2006" xmlns:mv="urn:schemas-microsoft-com:mac:vml" xmlns:p="http://schemas.openxmlformats.org/presentationml/2006/main" xmlns:c="http://schemas.openxmlformats.org/drawingml/2006/chart" xmlns:dgm="http://schemas.openxmlformats.org/drawingml/2006/diagram" xmlns:o="urn:schemas-microsoft-com:office:office" xmlns:v="urn:schemas-microsoft-com:vml" xmlns:pvml="urn:schemas-microsoft-com:office:powerpoint" xmlns:com="http://schemas.openxmlformats.org/drawingml/2006/compatibility" xmlns:p14="http://schemas.microsoft.com/office/powerpoint/2010/main" xmlns:p15="http://schemas.microsoft.com/office/powerpoint/2012/main" xmlns:ahyp="http://schemas.microsoft.com/office/drawing/2018/hyperlinkcolor" matchingName="Title slide" type="title">
+<p:sldLayout xmlns:a="http://schemas.openxmlformats.org/drawingml/2006/main" xmlns:r="http://schemas.openxmlformats.org/officeDocument/2006/relationships" xmlns:p="http://schemas.openxmlformats.org/presentationml/2006/main" matchingName="Title slide" type="title">
   <p:cSld name="TITLE">
     <p:spTree>
       <p:nvGrpSpPr>
-        <p:cNvPr id="9" name="Shape 9"/>
+        <p:cNvPr id="1" name="Shape 9"/>
         <p:cNvGrpSpPr/>
         <p:nvPr/>
       </p:nvGrpSpPr>
@@ -1911,7 +2102,9 @@
       <p:sp>
         <p:nvSpPr>
           <p:cNvPr id="10" name="Google Shape;10;p2"/>
-          <p:cNvSpPr txBox="1"/>
+          <p:cNvSpPr txBox="1">
+            <a:spLocks noGrp="1"/>
+          </p:cNvSpPr>
           <p:nvPr>
             <p:ph type="ctrTitle"/>
           </p:nvPr>
@@ -1926,7 +2119,7 @@
           </a:prstGeom>
         </p:spPr>
         <p:txBody>
-          <a:bodyPr anchorCtr="0" anchor="b" bIns="91425" lIns="91425" spcFirstLastPara="1" rIns="91425" wrap="square" tIns="91425">
+          <a:bodyPr spcFirstLastPara="1" wrap="square" lIns="91425" tIns="91425" rIns="91425" bIns="91425" anchor="b" anchorCtr="0">
             <a:normAutofit/>
           </a:bodyPr>
           <a:lstStyle>
@@ -2030,15 +2223,19 @@
               <a:defRPr sz="5200"/>
             </a:lvl9pPr>
           </a:lstStyle>
-          <a:p/>
+          <a:p>
+            <a:endParaRPr/>
+          </a:p>
         </p:txBody>
       </p:sp>
       <p:sp>
         <p:nvSpPr>
           <p:cNvPr id="11" name="Google Shape;11;p2"/>
-          <p:cNvSpPr txBox="1"/>
+          <p:cNvSpPr txBox="1">
+            <a:spLocks noGrp="1"/>
+          </p:cNvSpPr>
           <p:nvPr>
-            <p:ph idx="1" type="subTitle"/>
+            <p:ph type="subTitle" idx="1"/>
           </p:nvPr>
         </p:nvSpPr>
         <p:spPr>
@@ -2051,7 +2248,7 @@
           </a:prstGeom>
         </p:spPr>
         <p:txBody>
-          <a:bodyPr anchorCtr="0" anchor="t" bIns="91425" lIns="91425" spcFirstLastPara="1" rIns="91425" wrap="square" tIns="91425">
+          <a:bodyPr spcFirstLastPara="1" wrap="square" lIns="91425" tIns="91425" rIns="91425" bIns="91425" anchor="t" anchorCtr="0">
             <a:normAutofit/>
           </a:bodyPr>
           <a:lstStyle>
@@ -2182,15 +2379,19 @@
               <a:defRPr sz="2800"/>
             </a:lvl9pPr>
           </a:lstStyle>
-          <a:p/>
+          <a:p>
+            <a:endParaRPr/>
+          </a:p>
         </p:txBody>
       </p:sp>
       <p:sp>
         <p:nvSpPr>
           <p:cNvPr id="12" name="Google Shape;12;p2"/>
-          <p:cNvSpPr txBox="1"/>
+          <p:cNvSpPr txBox="1">
+            <a:spLocks noGrp="1"/>
+          </p:cNvSpPr>
           <p:nvPr>
-            <p:ph idx="12" type="sldNum"/>
+            <p:ph type="sldNum" idx="12"/>
           </p:nvPr>
         </p:nvSpPr>
         <p:spPr>
@@ -2203,7 +2404,7 @@
           </a:prstGeom>
         </p:spPr>
         <p:txBody>
-          <a:bodyPr anchorCtr="0" anchor="ctr" bIns="91425" lIns="91425" spcFirstLastPara="1" rIns="91425" wrap="square" tIns="91425">
+          <a:bodyPr spcFirstLastPara="1" wrap="square" lIns="91425" tIns="91425" rIns="91425" bIns="91425" anchor="ctr" anchorCtr="0">
             <a:normAutofit/>
           </a:bodyPr>
           <a:lstStyle>
@@ -2245,7 +2446,7 @@
             </a:lvl9pPr>
           </a:lstStyle>
           <a:p>
-            <a:pPr indent="0" lvl="0" marL="0" rtl="0" algn="r">
+            <a:pPr marL="0" lvl="0" indent="0" algn="r" rtl="0">
               <a:spcBef>
                 <a:spcPts val="0"/>
               </a:spcBef>
@@ -2271,11 +2472,11 @@
 </file>
 
 <file path=ppt/slideLayouts/slideLayout10.xml><?xml version="1.0" encoding="utf-8"?>
-<p:sldLayout xmlns:a="http://schemas.openxmlformats.org/drawingml/2006/main" xmlns:r="http://schemas.openxmlformats.org/officeDocument/2006/relationships" xmlns:mc="http://schemas.openxmlformats.org/markup-compatibility/2006" xmlns:mv="urn:schemas-microsoft-com:mac:vml" xmlns:p="http://schemas.openxmlformats.org/presentationml/2006/main" xmlns:c="http://schemas.openxmlformats.org/drawingml/2006/chart" xmlns:dgm="http://schemas.openxmlformats.org/drawingml/2006/diagram" xmlns:o="urn:schemas-microsoft-com:office:office" xmlns:v="urn:schemas-microsoft-com:vml" xmlns:pvml="urn:schemas-microsoft-com:office:powerpoint" xmlns:com="http://schemas.openxmlformats.org/drawingml/2006/compatibility" xmlns:p14="http://schemas.microsoft.com/office/powerpoint/2010/main" xmlns:p15="http://schemas.microsoft.com/office/powerpoint/2012/main" xmlns:ahyp="http://schemas.microsoft.com/office/drawing/2018/hyperlinkcolor" matchingName="Big number">
+<p:sldLayout xmlns:a="http://schemas.openxmlformats.org/drawingml/2006/main" xmlns:r="http://schemas.openxmlformats.org/officeDocument/2006/relationships" xmlns:p="http://schemas.openxmlformats.org/presentationml/2006/main" matchingName="Big number">
   <p:cSld name="BIG_NUMBER">
     <p:spTree>
       <p:nvGrpSpPr>
-        <p:cNvPr id="44" name="Shape 44"/>
+        <p:cNvPr id="1" name="Shape 44"/>
         <p:cNvGrpSpPr/>
         <p:nvPr/>
       </p:nvGrpSpPr>
@@ -2290,9 +2491,11 @@
       <p:sp>
         <p:nvSpPr>
           <p:cNvPr id="45" name="Google Shape;45;p11"/>
-          <p:cNvSpPr txBox="1"/>
+          <p:cNvSpPr txBox="1">
+            <a:spLocks noGrp="1"/>
+          </p:cNvSpPr>
           <p:nvPr>
-            <p:ph hasCustomPrompt="1" type="title"/>
+            <p:ph type="title" hasCustomPrompt="1"/>
           </p:nvPr>
         </p:nvSpPr>
         <p:spPr>
@@ -2305,7 +2508,7 @@
           </a:prstGeom>
         </p:spPr>
         <p:txBody>
-          <a:bodyPr anchorCtr="0" anchor="b" bIns="91425" lIns="91425" spcFirstLastPara="1" rIns="91425" wrap="square" tIns="91425">
+          <a:bodyPr spcFirstLastPara="1" wrap="square" lIns="91425" tIns="91425" rIns="91425" bIns="91425" anchor="b" anchorCtr="0">
             <a:normAutofit/>
           </a:bodyPr>
           <a:lstStyle>
@@ -2419,9 +2622,11 @@
       <p:sp>
         <p:nvSpPr>
           <p:cNvPr id="46" name="Google Shape;46;p11"/>
-          <p:cNvSpPr txBox="1"/>
+          <p:cNvSpPr txBox="1">
+            <a:spLocks noGrp="1"/>
+          </p:cNvSpPr>
           <p:nvPr>
-            <p:ph idx="1" type="body"/>
+            <p:ph type="body" idx="1"/>
           </p:nvPr>
         </p:nvSpPr>
         <p:spPr>
@@ -2434,11 +2639,11 @@
           </a:prstGeom>
         </p:spPr>
         <p:txBody>
-          <a:bodyPr anchorCtr="0" anchor="t" bIns="91425" lIns="91425" spcFirstLastPara="1" rIns="91425" wrap="square" tIns="91425">
+          <a:bodyPr spcFirstLastPara="1" wrap="square" lIns="91425" tIns="91425" rIns="91425" bIns="91425" anchor="t" anchorCtr="0">
             <a:normAutofit/>
           </a:bodyPr>
           <a:lstStyle>
-            <a:lvl1pPr indent="-342900" lvl="0" marL="457200" algn="ctr">
+            <a:lvl1pPr marL="457200" lvl="0" indent="-342900" algn="ctr">
               <a:spcBef>
                 <a:spcPts val="0"/>
               </a:spcBef>
@@ -2449,7 +2654,7 @@
               <a:buChar char="●"/>
               <a:defRPr/>
             </a:lvl1pPr>
-            <a:lvl2pPr indent="-317500" lvl="1" marL="914400" algn="ctr">
+            <a:lvl2pPr marL="914400" lvl="1" indent="-317500" algn="ctr">
               <a:spcBef>
                 <a:spcPts val="0"/>
               </a:spcBef>
@@ -2460,7 +2665,7 @@
               <a:buChar char="○"/>
               <a:defRPr/>
             </a:lvl2pPr>
-            <a:lvl3pPr indent="-317500" lvl="2" marL="1371600" algn="ctr">
+            <a:lvl3pPr marL="1371600" lvl="2" indent="-317500" algn="ctr">
               <a:spcBef>
                 <a:spcPts val="0"/>
               </a:spcBef>
@@ -2471,7 +2676,7 @@
               <a:buChar char="■"/>
               <a:defRPr/>
             </a:lvl3pPr>
-            <a:lvl4pPr indent="-317500" lvl="3" marL="1828800" algn="ctr">
+            <a:lvl4pPr marL="1828800" lvl="3" indent="-317500" algn="ctr">
               <a:spcBef>
                 <a:spcPts val="0"/>
               </a:spcBef>
@@ -2482,7 +2687,7 @@
               <a:buChar char="●"/>
               <a:defRPr/>
             </a:lvl4pPr>
-            <a:lvl5pPr indent="-317500" lvl="4" marL="2286000" algn="ctr">
+            <a:lvl5pPr marL="2286000" lvl="4" indent="-317500" algn="ctr">
               <a:spcBef>
                 <a:spcPts val="0"/>
               </a:spcBef>
@@ -2493,7 +2698,7 @@
               <a:buChar char="○"/>
               <a:defRPr/>
             </a:lvl5pPr>
-            <a:lvl6pPr indent="-317500" lvl="5" marL="2743200" algn="ctr">
+            <a:lvl6pPr marL="2743200" lvl="5" indent="-317500" algn="ctr">
               <a:spcBef>
                 <a:spcPts val="0"/>
               </a:spcBef>
@@ -2504,7 +2709,7 @@
               <a:buChar char="■"/>
               <a:defRPr/>
             </a:lvl6pPr>
-            <a:lvl7pPr indent="-317500" lvl="6" marL="3200400" algn="ctr">
+            <a:lvl7pPr marL="3200400" lvl="6" indent="-317500" algn="ctr">
               <a:spcBef>
                 <a:spcPts val="0"/>
               </a:spcBef>
@@ -2515,7 +2720,7 @@
               <a:buChar char="●"/>
               <a:defRPr/>
             </a:lvl7pPr>
-            <a:lvl8pPr indent="-317500" lvl="7" marL="3657600" algn="ctr">
+            <a:lvl8pPr marL="3657600" lvl="7" indent="-317500" algn="ctr">
               <a:spcBef>
                 <a:spcPts val="0"/>
               </a:spcBef>
@@ -2526,7 +2731,7 @@
               <a:buChar char="○"/>
               <a:defRPr/>
             </a:lvl8pPr>
-            <a:lvl9pPr indent="-317500" lvl="8" marL="4114800" algn="ctr">
+            <a:lvl9pPr marL="4114800" lvl="8" indent="-317500" algn="ctr">
               <a:spcBef>
                 <a:spcPts val="0"/>
               </a:spcBef>
@@ -2538,15 +2743,19 @@
               <a:defRPr/>
             </a:lvl9pPr>
           </a:lstStyle>
-          <a:p/>
+          <a:p>
+            <a:endParaRPr/>
+          </a:p>
         </p:txBody>
       </p:sp>
       <p:sp>
         <p:nvSpPr>
           <p:cNvPr id="47" name="Google Shape;47;p11"/>
-          <p:cNvSpPr txBox="1"/>
+          <p:cNvSpPr txBox="1">
+            <a:spLocks noGrp="1"/>
+          </p:cNvSpPr>
           <p:nvPr>
-            <p:ph idx="12" type="sldNum"/>
+            <p:ph type="sldNum" idx="12"/>
           </p:nvPr>
         </p:nvSpPr>
         <p:spPr>
@@ -2559,7 +2768,7 @@
           </a:prstGeom>
         </p:spPr>
         <p:txBody>
-          <a:bodyPr anchorCtr="0" anchor="ctr" bIns="91425" lIns="91425" spcFirstLastPara="1" rIns="91425" wrap="square" tIns="91425">
+          <a:bodyPr spcFirstLastPara="1" wrap="square" lIns="91425" tIns="91425" rIns="91425" bIns="91425" anchor="ctr" anchorCtr="0">
             <a:normAutofit/>
           </a:bodyPr>
           <a:lstStyle>
@@ -2601,7 +2810,7 @@
             </a:lvl9pPr>
           </a:lstStyle>
           <a:p>
-            <a:pPr indent="0" lvl="0" marL="0" rtl="0" algn="r">
+            <a:pPr marL="0" lvl="0" indent="0" algn="r" rtl="0">
               <a:spcBef>
                 <a:spcPts val="0"/>
               </a:spcBef>
@@ -2627,11 +2836,11 @@
 </file>
 
 <file path=ppt/slideLayouts/slideLayout11.xml><?xml version="1.0" encoding="utf-8"?>
-<p:sldLayout xmlns:a="http://schemas.openxmlformats.org/drawingml/2006/main" xmlns:r="http://schemas.openxmlformats.org/officeDocument/2006/relationships" xmlns:mc="http://schemas.openxmlformats.org/markup-compatibility/2006" xmlns:mv="urn:schemas-microsoft-com:mac:vml" xmlns:p="http://schemas.openxmlformats.org/presentationml/2006/main" xmlns:c="http://schemas.openxmlformats.org/drawingml/2006/chart" xmlns:dgm="http://schemas.openxmlformats.org/drawingml/2006/diagram" xmlns:o="urn:schemas-microsoft-com:office:office" xmlns:v="urn:schemas-microsoft-com:vml" xmlns:pvml="urn:schemas-microsoft-com:office:powerpoint" xmlns:com="http://schemas.openxmlformats.org/drawingml/2006/compatibility" xmlns:p14="http://schemas.microsoft.com/office/powerpoint/2010/main" xmlns:p15="http://schemas.microsoft.com/office/powerpoint/2012/main" xmlns:ahyp="http://schemas.microsoft.com/office/drawing/2018/hyperlinkcolor" matchingName="Blank" type="blank">
+<p:sldLayout xmlns:a="http://schemas.openxmlformats.org/drawingml/2006/main" xmlns:r="http://schemas.openxmlformats.org/officeDocument/2006/relationships" xmlns:p="http://schemas.openxmlformats.org/presentationml/2006/main" matchingName="Blank" type="blank">
   <p:cSld name="BLANK">
     <p:spTree>
       <p:nvGrpSpPr>
-        <p:cNvPr id="48" name="Shape 48"/>
+        <p:cNvPr id="1" name="Shape 48"/>
         <p:cNvGrpSpPr/>
         <p:nvPr/>
       </p:nvGrpSpPr>
@@ -2646,9 +2855,11 @@
       <p:sp>
         <p:nvSpPr>
           <p:cNvPr id="49" name="Google Shape;49;p12"/>
-          <p:cNvSpPr txBox="1"/>
+          <p:cNvSpPr txBox="1">
+            <a:spLocks noGrp="1"/>
+          </p:cNvSpPr>
           <p:nvPr>
-            <p:ph idx="12" type="sldNum"/>
+            <p:ph type="sldNum" idx="12"/>
           </p:nvPr>
         </p:nvSpPr>
         <p:spPr>
@@ -2661,7 +2872,7 @@
           </a:prstGeom>
         </p:spPr>
         <p:txBody>
-          <a:bodyPr anchorCtr="0" anchor="ctr" bIns="91425" lIns="91425" spcFirstLastPara="1" rIns="91425" wrap="square" tIns="91425">
+          <a:bodyPr spcFirstLastPara="1" wrap="square" lIns="91425" tIns="91425" rIns="91425" bIns="91425" anchor="ctr" anchorCtr="0">
             <a:normAutofit/>
           </a:bodyPr>
           <a:lstStyle>
@@ -2703,7 +2914,7 @@
             </a:lvl9pPr>
           </a:lstStyle>
           <a:p>
-            <a:pPr indent="0" lvl="0" marL="0" rtl="0" algn="r">
+            <a:pPr marL="0" lvl="0" indent="0" algn="r" rtl="0">
               <a:spcBef>
                 <a:spcPts val="0"/>
               </a:spcBef>
@@ -2729,11 +2940,11 @@
 </file>
 
 <file path=ppt/slideLayouts/slideLayout2.xml><?xml version="1.0" encoding="utf-8"?>
-<p:sldLayout xmlns:a="http://schemas.openxmlformats.org/drawingml/2006/main" xmlns:r="http://schemas.openxmlformats.org/officeDocument/2006/relationships" xmlns:mc="http://schemas.openxmlformats.org/markup-compatibility/2006" xmlns:mv="urn:schemas-microsoft-com:mac:vml" xmlns:p="http://schemas.openxmlformats.org/presentationml/2006/main" xmlns:c="http://schemas.openxmlformats.org/drawingml/2006/chart" xmlns:dgm="http://schemas.openxmlformats.org/drawingml/2006/diagram" xmlns:o="urn:schemas-microsoft-com:office:office" xmlns:v="urn:schemas-microsoft-com:vml" xmlns:pvml="urn:schemas-microsoft-com:office:powerpoint" xmlns:com="http://schemas.openxmlformats.org/drawingml/2006/compatibility" xmlns:p14="http://schemas.microsoft.com/office/powerpoint/2010/main" xmlns:p15="http://schemas.microsoft.com/office/powerpoint/2012/main" xmlns:ahyp="http://schemas.microsoft.com/office/drawing/2018/hyperlinkcolor" matchingName="Section header" type="secHead">
+<p:sldLayout xmlns:a="http://schemas.openxmlformats.org/drawingml/2006/main" xmlns:r="http://schemas.openxmlformats.org/officeDocument/2006/relationships" xmlns:p="http://schemas.openxmlformats.org/presentationml/2006/main" matchingName="Section header" type="secHead">
   <p:cSld name="SECTION_HEADER">
     <p:spTree>
       <p:nvGrpSpPr>
-        <p:cNvPr id="13" name="Shape 13"/>
+        <p:cNvPr id="1" name="Shape 13"/>
         <p:cNvGrpSpPr/>
         <p:nvPr/>
       </p:nvGrpSpPr>
@@ -2748,7 +2959,9 @@
       <p:sp>
         <p:nvSpPr>
           <p:cNvPr id="14" name="Google Shape;14;p3"/>
-          <p:cNvSpPr txBox="1"/>
+          <p:cNvSpPr txBox="1">
+            <a:spLocks noGrp="1"/>
+          </p:cNvSpPr>
           <p:nvPr>
             <p:ph type="title"/>
           </p:nvPr>
@@ -2763,7 +2976,7 @@
           </a:prstGeom>
         </p:spPr>
         <p:txBody>
-          <a:bodyPr anchorCtr="0" anchor="ctr" bIns="91425" lIns="91425" spcFirstLastPara="1" rIns="91425" wrap="square" tIns="91425">
+          <a:bodyPr spcFirstLastPara="1" wrap="square" lIns="91425" tIns="91425" rIns="91425" bIns="91425" anchor="ctr" anchorCtr="0">
             <a:normAutofit/>
           </a:bodyPr>
           <a:lstStyle>
@@ -2867,15 +3080,19 @@
               <a:defRPr sz="3600"/>
             </a:lvl9pPr>
           </a:lstStyle>
-          <a:p/>
+          <a:p>
+            <a:endParaRPr/>
+          </a:p>
         </p:txBody>
       </p:sp>
       <p:sp>
         <p:nvSpPr>
           <p:cNvPr id="15" name="Google Shape;15;p3"/>
-          <p:cNvSpPr txBox="1"/>
+          <p:cNvSpPr txBox="1">
+            <a:spLocks noGrp="1"/>
+          </p:cNvSpPr>
           <p:nvPr>
-            <p:ph idx="12" type="sldNum"/>
+            <p:ph type="sldNum" idx="12"/>
           </p:nvPr>
         </p:nvSpPr>
         <p:spPr>
@@ -2888,7 +3105,7 @@
           </a:prstGeom>
         </p:spPr>
         <p:txBody>
-          <a:bodyPr anchorCtr="0" anchor="ctr" bIns="91425" lIns="91425" spcFirstLastPara="1" rIns="91425" wrap="square" tIns="91425">
+          <a:bodyPr spcFirstLastPara="1" wrap="square" lIns="91425" tIns="91425" rIns="91425" bIns="91425" anchor="ctr" anchorCtr="0">
             <a:normAutofit/>
           </a:bodyPr>
           <a:lstStyle>
@@ -2930,7 +3147,7 @@
             </a:lvl9pPr>
           </a:lstStyle>
           <a:p>
-            <a:pPr indent="0" lvl="0" marL="0" rtl="0" algn="r">
+            <a:pPr marL="0" lvl="0" indent="0" algn="r" rtl="0">
               <a:spcBef>
                 <a:spcPts val="0"/>
               </a:spcBef>
@@ -2956,11 +3173,11 @@
 </file>
 
 <file path=ppt/slideLayouts/slideLayout3.xml><?xml version="1.0" encoding="utf-8"?>
-<p:sldLayout xmlns:a="http://schemas.openxmlformats.org/drawingml/2006/main" xmlns:r="http://schemas.openxmlformats.org/officeDocument/2006/relationships" xmlns:mc="http://schemas.openxmlformats.org/markup-compatibility/2006" xmlns:mv="urn:schemas-microsoft-com:mac:vml" xmlns:p="http://schemas.openxmlformats.org/presentationml/2006/main" xmlns:c="http://schemas.openxmlformats.org/drawingml/2006/chart" xmlns:dgm="http://schemas.openxmlformats.org/drawingml/2006/diagram" xmlns:o="urn:schemas-microsoft-com:office:office" xmlns:v="urn:schemas-microsoft-com:vml" xmlns:pvml="urn:schemas-microsoft-com:office:powerpoint" xmlns:com="http://schemas.openxmlformats.org/drawingml/2006/compatibility" xmlns:p14="http://schemas.microsoft.com/office/powerpoint/2010/main" xmlns:p15="http://schemas.microsoft.com/office/powerpoint/2012/main" xmlns:ahyp="http://schemas.microsoft.com/office/drawing/2018/hyperlinkcolor" matchingName="Title and body" type="tx">
+<p:sldLayout xmlns:a="http://schemas.openxmlformats.org/drawingml/2006/main" xmlns:r="http://schemas.openxmlformats.org/officeDocument/2006/relationships" xmlns:p="http://schemas.openxmlformats.org/presentationml/2006/main" matchingName="Title and body" type="tx">
   <p:cSld name="TITLE_AND_BODY">
     <p:spTree>
       <p:nvGrpSpPr>
-        <p:cNvPr id="16" name="Shape 16"/>
+        <p:cNvPr id="1" name="Shape 16"/>
         <p:cNvGrpSpPr/>
         <p:nvPr/>
       </p:nvGrpSpPr>
@@ -2975,7 +3192,9 @@
       <p:sp>
         <p:nvSpPr>
           <p:cNvPr id="17" name="Google Shape;17;p4"/>
-          <p:cNvSpPr txBox="1"/>
+          <p:cNvSpPr txBox="1">
+            <a:spLocks noGrp="1"/>
+          </p:cNvSpPr>
           <p:nvPr>
             <p:ph type="title"/>
           </p:nvPr>
@@ -2990,7 +3209,7 @@
           </a:prstGeom>
         </p:spPr>
         <p:txBody>
-          <a:bodyPr anchorCtr="0" anchor="t" bIns="91425" lIns="91425" spcFirstLastPara="1" rIns="91425" wrap="square" tIns="91425">
+          <a:bodyPr spcFirstLastPara="1" wrap="square" lIns="91425" tIns="91425" rIns="91425" bIns="91425" anchor="t" anchorCtr="0">
             <a:normAutofit/>
           </a:bodyPr>
           <a:lstStyle>
@@ -3094,15 +3313,19 @@
               <a:defRPr/>
             </a:lvl9pPr>
           </a:lstStyle>
-          <a:p/>
+          <a:p>
+            <a:endParaRPr/>
+          </a:p>
         </p:txBody>
       </p:sp>
       <p:sp>
         <p:nvSpPr>
           <p:cNvPr id="18" name="Google Shape;18;p4"/>
-          <p:cNvSpPr txBox="1"/>
+          <p:cNvSpPr txBox="1">
+            <a:spLocks noGrp="1"/>
+          </p:cNvSpPr>
           <p:nvPr>
-            <p:ph idx="1" type="body"/>
+            <p:ph type="body" idx="1"/>
           </p:nvPr>
         </p:nvSpPr>
         <p:spPr>
@@ -3115,11 +3338,11 @@
           </a:prstGeom>
         </p:spPr>
         <p:txBody>
-          <a:bodyPr anchorCtr="0" anchor="t" bIns="91425" lIns="91425" spcFirstLastPara="1" rIns="91425" wrap="square" tIns="91425">
+          <a:bodyPr spcFirstLastPara="1" wrap="square" lIns="91425" tIns="91425" rIns="91425" bIns="91425" anchor="t" anchorCtr="0">
             <a:normAutofit/>
           </a:bodyPr>
           <a:lstStyle>
-            <a:lvl1pPr indent="-342900" lvl="0" marL="457200">
+            <a:lvl1pPr marL="457200" lvl="0" indent="-342900">
               <a:spcBef>
                 <a:spcPts val="0"/>
               </a:spcBef>
@@ -3130,7 +3353,7 @@
               <a:buChar char="●"/>
               <a:defRPr/>
             </a:lvl1pPr>
-            <a:lvl2pPr indent="-317500" lvl="1" marL="914400">
+            <a:lvl2pPr marL="914400" lvl="1" indent="-317500">
               <a:spcBef>
                 <a:spcPts val="0"/>
               </a:spcBef>
@@ -3141,7 +3364,7 @@
               <a:buChar char="○"/>
               <a:defRPr/>
             </a:lvl2pPr>
-            <a:lvl3pPr indent="-317500" lvl="2" marL="1371600">
+            <a:lvl3pPr marL="1371600" lvl="2" indent="-317500">
               <a:spcBef>
                 <a:spcPts val="0"/>
               </a:spcBef>
@@ -3152,7 +3375,7 @@
               <a:buChar char="■"/>
               <a:defRPr/>
             </a:lvl3pPr>
-            <a:lvl4pPr indent="-317500" lvl="3" marL="1828800">
+            <a:lvl4pPr marL="1828800" lvl="3" indent="-317500">
               <a:spcBef>
                 <a:spcPts val="0"/>
               </a:spcBef>
@@ -3163,7 +3386,7 @@
               <a:buChar char="●"/>
               <a:defRPr/>
             </a:lvl4pPr>
-            <a:lvl5pPr indent="-317500" lvl="4" marL="2286000">
+            <a:lvl5pPr marL="2286000" lvl="4" indent="-317500">
               <a:spcBef>
                 <a:spcPts val="0"/>
               </a:spcBef>
@@ -3174,7 +3397,7 @@
               <a:buChar char="○"/>
               <a:defRPr/>
             </a:lvl5pPr>
-            <a:lvl6pPr indent="-317500" lvl="5" marL="2743200">
+            <a:lvl6pPr marL="2743200" lvl="5" indent="-317500">
               <a:spcBef>
                 <a:spcPts val="0"/>
               </a:spcBef>
@@ -3185,7 +3408,7 @@
               <a:buChar char="■"/>
               <a:defRPr/>
             </a:lvl6pPr>
-            <a:lvl7pPr indent="-317500" lvl="6" marL="3200400">
+            <a:lvl7pPr marL="3200400" lvl="6" indent="-317500">
               <a:spcBef>
                 <a:spcPts val="0"/>
               </a:spcBef>
@@ -3196,7 +3419,7 @@
               <a:buChar char="●"/>
               <a:defRPr/>
             </a:lvl7pPr>
-            <a:lvl8pPr indent="-317500" lvl="7" marL="3657600">
+            <a:lvl8pPr marL="3657600" lvl="7" indent="-317500">
               <a:spcBef>
                 <a:spcPts val="0"/>
               </a:spcBef>
@@ -3207,7 +3430,7 @@
               <a:buChar char="○"/>
               <a:defRPr/>
             </a:lvl8pPr>
-            <a:lvl9pPr indent="-317500" lvl="8" marL="4114800">
+            <a:lvl9pPr marL="4114800" lvl="8" indent="-317500">
               <a:spcBef>
                 <a:spcPts val="0"/>
               </a:spcBef>
@@ -3219,15 +3442,19 @@
               <a:defRPr/>
             </a:lvl9pPr>
           </a:lstStyle>
-          <a:p/>
+          <a:p>
+            <a:endParaRPr/>
+          </a:p>
         </p:txBody>
       </p:sp>
       <p:sp>
         <p:nvSpPr>
           <p:cNvPr id="19" name="Google Shape;19;p4"/>
-          <p:cNvSpPr txBox="1"/>
+          <p:cNvSpPr txBox="1">
+            <a:spLocks noGrp="1"/>
+          </p:cNvSpPr>
           <p:nvPr>
-            <p:ph idx="12" type="sldNum"/>
+            <p:ph type="sldNum" idx="12"/>
           </p:nvPr>
         </p:nvSpPr>
         <p:spPr>
@@ -3240,7 +3467,7 @@
           </a:prstGeom>
         </p:spPr>
         <p:txBody>
-          <a:bodyPr anchorCtr="0" anchor="ctr" bIns="91425" lIns="91425" spcFirstLastPara="1" rIns="91425" wrap="square" tIns="91425">
+          <a:bodyPr spcFirstLastPara="1" wrap="square" lIns="91425" tIns="91425" rIns="91425" bIns="91425" anchor="ctr" anchorCtr="0">
             <a:normAutofit/>
           </a:bodyPr>
           <a:lstStyle>
@@ -3282,7 +3509,7 @@
             </a:lvl9pPr>
           </a:lstStyle>
           <a:p>
-            <a:pPr indent="0" lvl="0" marL="0" rtl="0" algn="r">
+            <a:pPr marL="0" lvl="0" indent="0" algn="r" rtl="0">
               <a:spcBef>
                 <a:spcPts val="0"/>
               </a:spcBef>
@@ -3308,11 +3535,11 @@
 </file>
 
 <file path=ppt/slideLayouts/slideLayout4.xml><?xml version="1.0" encoding="utf-8"?>
-<p:sldLayout xmlns:a="http://schemas.openxmlformats.org/drawingml/2006/main" xmlns:r="http://schemas.openxmlformats.org/officeDocument/2006/relationships" xmlns:mc="http://schemas.openxmlformats.org/markup-compatibility/2006" xmlns:mv="urn:schemas-microsoft-com:mac:vml" xmlns:p="http://schemas.openxmlformats.org/presentationml/2006/main" xmlns:c="http://schemas.openxmlformats.org/drawingml/2006/chart" xmlns:dgm="http://schemas.openxmlformats.org/drawingml/2006/diagram" xmlns:o="urn:schemas-microsoft-com:office:office" xmlns:v="urn:schemas-microsoft-com:vml" xmlns:pvml="urn:schemas-microsoft-com:office:powerpoint" xmlns:com="http://schemas.openxmlformats.org/drawingml/2006/compatibility" xmlns:p14="http://schemas.microsoft.com/office/powerpoint/2010/main" xmlns:p15="http://schemas.microsoft.com/office/powerpoint/2012/main" xmlns:ahyp="http://schemas.microsoft.com/office/drawing/2018/hyperlinkcolor" matchingName="Title and two columns" type="twoColTx">
+<p:sldLayout xmlns:a="http://schemas.openxmlformats.org/drawingml/2006/main" xmlns:r="http://schemas.openxmlformats.org/officeDocument/2006/relationships" xmlns:p="http://schemas.openxmlformats.org/presentationml/2006/main" matchingName="Title and two columns" type="twoColTx">
   <p:cSld name="TITLE_AND_TWO_COLUMNS">
     <p:spTree>
       <p:nvGrpSpPr>
-        <p:cNvPr id="20" name="Shape 20"/>
+        <p:cNvPr id="1" name="Shape 20"/>
         <p:cNvGrpSpPr/>
         <p:nvPr/>
       </p:nvGrpSpPr>
@@ -3327,7 +3554,9 @@
       <p:sp>
         <p:nvSpPr>
           <p:cNvPr id="21" name="Google Shape;21;p5"/>
-          <p:cNvSpPr txBox="1"/>
+          <p:cNvSpPr txBox="1">
+            <a:spLocks noGrp="1"/>
+          </p:cNvSpPr>
           <p:nvPr>
             <p:ph type="title"/>
           </p:nvPr>
@@ -3342,7 +3571,7 @@
           </a:prstGeom>
         </p:spPr>
         <p:txBody>
-          <a:bodyPr anchorCtr="0" anchor="t" bIns="91425" lIns="91425" spcFirstLastPara="1" rIns="91425" wrap="square" tIns="91425">
+          <a:bodyPr spcFirstLastPara="1" wrap="square" lIns="91425" tIns="91425" rIns="91425" bIns="91425" anchor="t" anchorCtr="0">
             <a:normAutofit/>
           </a:bodyPr>
           <a:lstStyle>
@@ -3446,15 +3675,19 @@
               <a:defRPr/>
             </a:lvl9pPr>
           </a:lstStyle>
-          <a:p/>
+          <a:p>
+            <a:endParaRPr/>
+          </a:p>
         </p:txBody>
       </p:sp>
       <p:sp>
         <p:nvSpPr>
           <p:cNvPr id="22" name="Google Shape;22;p5"/>
-          <p:cNvSpPr txBox="1"/>
+          <p:cNvSpPr txBox="1">
+            <a:spLocks noGrp="1"/>
+          </p:cNvSpPr>
           <p:nvPr>
-            <p:ph idx="1" type="body"/>
+            <p:ph type="body" idx="1"/>
           </p:nvPr>
         </p:nvSpPr>
         <p:spPr>
@@ -3467,11 +3700,11 @@
           </a:prstGeom>
         </p:spPr>
         <p:txBody>
-          <a:bodyPr anchorCtr="0" anchor="t" bIns="91425" lIns="91425" spcFirstLastPara="1" rIns="91425" wrap="square" tIns="91425">
+          <a:bodyPr spcFirstLastPara="1" wrap="square" lIns="91425" tIns="91425" rIns="91425" bIns="91425" anchor="t" anchorCtr="0">
             <a:normAutofit/>
           </a:bodyPr>
           <a:lstStyle>
-            <a:lvl1pPr indent="-317500" lvl="0" marL="457200">
+            <a:lvl1pPr marL="457200" lvl="0" indent="-317500">
               <a:spcBef>
                 <a:spcPts val="0"/>
               </a:spcBef>
@@ -3482,7 +3715,7 @@
               <a:buChar char="●"/>
               <a:defRPr sz="1400"/>
             </a:lvl1pPr>
-            <a:lvl2pPr indent="-304800" lvl="1" marL="914400">
+            <a:lvl2pPr marL="914400" lvl="1" indent="-304800">
               <a:spcBef>
                 <a:spcPts val="0"/>
               </a:spcBef>
@@ -3493,7 +3726,7 @@
               <a:buChar char="○"/>
               <a:defRPr sz="1200"/>
             </a:lvl2pPr>
-            <a:lvl3pPr indent="-304800" lvl="2" marL="1371600">
+            <a:lvl3pPr marL="1371600" lvl="2" indent="-304800">
               <a:spcBef>
                 <a:spcPts val="0"/>
               </a:spcBef>
@@ -3504,7 +3737,7 @@
               <a:buChar char="■"/>
               <a:defRPr sz="1200"/>
             </a:lvl3pPr>
-            <a:lvl4pPr indent="-304800" lvl="3" marL="1828800">
+            <a:lvl4pPr marL="1828800" lvl="3" indent="-304800">
               <a:spcBef>
                 <a:spcPts val="0"/>
               </a:spcBef>
@@ -3515,7 +3748,7 @@
               <a:buChar char="●"/>
               <a:defRPr sz="1200"/>
             </a:lvl4pPr>
-            <a:lvl5pPr indent="-304800" lvl="4" marL="2286000">
+            <a:lvl5pPr marL="2286000" lvl="4" indent="-304800">
               <a:spcBef>
                 <a:spcPts val="0"/>
               </a:spcBef>
@@ -3526,7 +3759,7 @@
               <a:buChar char="○"/>
               <a:defRPr sz="1200"/>
             </a:lvl5pPr>
-            <a:lvl6pPr indent="-304800" lvl="5" marL="2743200">
+            <a:lvl6pPr marL="2743200" lvl="5" indent="-304800">
               <a:spcBef>
                 <a:spcPts val="0"/>
               </a:spcBef>
@@ -3537,7 +3770,7 @@
               <a:buChar char="■"/>
               <a:defRPr sz="1200"/>
             </a:lvl6pPr>
-            <a:lvl7pPr indent="-304800" lvl="6" marL="3200400">
+            <a:lvl7pPr marL="3200400" lvl="6" indent="-304800">
               <a:spcBef>
                 <a:spcPts val="0"/>
               </a:spcBef>
@@ -3548,7 +3781,7 @@
               <a:buChar char="●"/>
               <a:defRPr sz="1200"/>
             </a:lvl7pPr>
-            <a:lvl8pPr indent="-304800" lvl="7" marL="3657600">
+            <a:lvl8pPr marL="3657600" lvl="7" indent="-304800">
               <a:spcBef>
                 <a:spcPts val="0"/>
               </a:spcBef>
@@ -3559,7 +3792,7 @@
               <a:buChar char="○"/>
               <a:defRPr sz="1200"/>
             </a:lvl8pPr>
-            <a:lvl9pPr indent="-304800" lvl="8" marL="4114800">
+            <a:lvl9pPr marL="4114800" lvl="8" indent="-304800">
               <a:spcBef>
                 <a:spcPts val="0"/>
               </a:spcBef>
@@ -3571,15 +3804,19 @@
               <a:defRPr sz="1200"/>
             </a:lvl9pPr>
           </a:lstStyle>
-          <a:p/>
+          <a:p>
+            <a:endParaRPr/>
+          </a:p>
         </p:txBody>
       </p:sp>
       <p:sp>
         <p:nvSpPr>
           <p:cNvPr id="23" name="Google Shape;23;p5"/>
-          <p:cNvSpPr txBox="1"/>
+          <p:cNvSpPr txBox="1">
+            <a:spLocks noGrp="1"/>
+          </p:cNvSpPr>
           <p:nvPr>
-            <p:ph idx="2" type="body"/>
+            <p:ph type="body" idx="2"/>
           </p:nvPr>
         </p:nvSpPr>
         <p:spPr>
@@ -3592,11 +3829,11 @@
           </a:prstGeom>
         </p:spPr>
         <p:txBody>
-          <a:bodyPr anchorCtr="0" anchor="t" bIns="91425" lIns="91425" spcFirstLastPara="1" rIns="91425" wrap="square" tIns="91425">
+          <a:bodyPr spcFirstLastPara="1" wrap="square" lIns="91425" tIns="91425" rIns="91425" bIns="91425" anchor="t" anchorCtr="0">
             <a:normAutofit/>
           </a:bodyPr>
           <a:lstStyle>
-            <a:lvl1pPr indent="-317500" lvl="0" marL="457200">
+            <a:lvl1pPr marL="457200" lvl="0" indent="-317500">
               <a:spcBef>
                 <a:spcPts val="0"/>
               </a:spcBef>
@@ -3607,7 +3844,7 @@
               <a:buChar char="●"/>
               <a:defRPr sz="1400"/>
             </a:lvl1pPr>
-            <a:lvl2pPr indent="-304800" lvl="1" marL="914400">
+            <a:lvl2pPr marL="914400" lvl="1" indent="-304800">
               <a:spcBef>
                 <a:spcPts val="0"/>
               </a:spcBef>
@@ -3618,7 +3855,7 @@
               <a:buChar char="○"/>
               <a:defRPr sz="1200"/>
             </a:lvl2pPr>
-            <a:lvl3pPr indent="-304800" lvl="2" marL="1371600">
+            <a:lvl3pPr marL="1371600" lvl="2" indent="-304800">
               <a:spcBef>
                 <a:spcPts val="0"/>
               </a:spcBef>
@@ -3629,7 +3866,7 @@
               <a:buChar char="■"/>
               <a:defRPr sz="1200"/>
             </a:lvl3pPr>
-            <a:lvl4pPr indent="-304800" lvl="3" marL="1828800">
+            <a:lvl4pPr marL="1828800" lvl="3" indent="-304800">
               <a:spcBef>
                 <a:spcPts val="0"/>
               </a:spcBef>
@@ -3640,7 +3877,7 @@
               <a:buChar char="●"/>
               <a:defRPr sz="1200"/>
             </a:lvl4pPr>
-            <a:lvl5pPr indent="-304800" lvl="4" marL="2286000">
+            <a:lvl5pPr marL="2286000" lvl="4" indent="-304800">
               <a:spcBef>
                 <a:spcPts val="0"/>
               </a:spcBef>
@@ -3651,7 +3888,7 @@
               <a:buChar char="○"/>
               <a:defRPr sz="1200"/>
             </a:lvl5pPr>
-            <a:lvl6pPr indent="-304800" lvl="5" marL="2743200">
+            <a:lvl6pPr marL="2743200" lvl="5" indent="-304800">
               <a:spcBef>
                 <a:spcPts val="0"/>
               </a:spcBef>
@@ -3662,7 +3899,7 @@
               <a:buChar char="■"/>
               <a:defRPr sz="1200"/>
             </a:lvl6pPr>
-            <a:lvl7pPr indent="-304800" lvl="6" marL="3200400">
+            <a:lvl7pPr marL="3200400" lvl="6" indent="-304800">
               <a:spcBef>
                 <a:spcPts val="0"/>
               </a:spcBef>
@@ -3673,7 +3910,7 @@
               <a:buChar char="●"/>
               <a:defRPr sz="1200"/>
             </a:lvl7pPr>
-            <a:lvl8pPr indent="-304800" lvl="7" marL="3657600">
+            <a:lvl8pPr marL="3657600" lvl="7" indent="-304800">
               <a:spcBef>
                 <a:spcPts val="0"/>
               </a:spcBef>
@@ -3684,7 +3921,7 @@
               <a:buChar char="○"/>
               <a:defRPr sz="1200"/>
             </a:lvl8pPr>
-            <a:lvl9pPr indent="-304800" lvl="8" marL="4114800">
+            <a:lvl9pPr marL="4114800" lvl="8" indent="-304800">
               <a:spcBef>
                 <a:spcPts val="0"/>
               </a:spcBef>
@@ -3696,15 +3933,19 @@
               <a:defRPr sz="1200"/>
             </a:lvl9pPr>
           </a:lstStyle>
-          <a:p/>
+          <a:p>
+            <a:endParaRPr/>
+          </a:p>
         </p:txBody>
       </p:sp>
       <p:sp>
         <p:nvSpPr>
           <p:cNvPr id="24" name="Google Shape;24;p5"/>
-          <p:cNvSpPr txBox="1"/>
+          <p:cNvSpPr txBox="1">
+            <a:spLocks noGrp="1"/>
+          </p:cNvSpPr>
           <p:nvPr>
-            <p:ph idx="12" type="sldNum"/>
+            <p:ph type="sldNum" idx="12"/>
           </p:nvPr>
         </p:nvSpPr>
         <p:spPr>
@@ -3717,7 +3958,7 @@
           </a:prstGeom>
         </p:spPr>
         <p:txBody>
-          <a:bodyPr anchorCtr="0" anchor="ctr" bIns="91425" lIns="91425" spcFirstLastPara="1" rIns="91425" wrap="square" tIns="91425">
+          <a:bodyPr spcFirstLastPara="1" wrap="square" lIns="91425" tIns="91425" rIns="91425" bIns="91425" anchor="ctr" anchorCtr="0">
             <a:normAutofit/>
           </a:bodyPr>
           <a:lstStyle>
@@ -3759,7 +4000,7 @@
             </a:lvl9pPr>
           </a:lstStyle>
           <a:p>
-            <a:pPr indent="0" lvl="0" marL="0" rtl="0" algn="r">
+            <a:pPr marL="0" lvl="0" indent="0" algn="r" rtl="0">
               <a:spcBef>
                 <a:spcPts val="0"/>
               </a:spcBef>
@@ -3785,11 +4026,11 @@
 </file>
 
 <file path=ppt/slideLayouts/slideLayout5.xml><?xml version="1.0" encoding="utf-8"?>
-<p:sldLayout xmlns:a="http://schemas.openxmlformats.org/drawingml/2006/main" xmlns:r="http://schemas.openxmlformats.org/officeDocument/2006/relationships" xmlns:mc="http://schemas.openxmlformats.org/markup-compatibility/2006" xmlns:mv="urn:schemas-microsoft-com:mac:vml" xmlns:p="http://schemas.openxmlformats.org/presentationml/2006/main" xmlns:c="http://schemas.openxmlformats.org/drawingml/2006/chart" xmlns:dgm="http://schemas.openxmlformats.org/drawingml/2006/diagram" xmlns:o="urn:schemas-microsoft-com:office:office" xmlns:v="urn:schemas-microsoft-com:vml" xmlns:pvml="urn:schemas-microsoft-com:office:powerpoint" xmlns:com="http://schemas.openxmlformats.org/drawingml/2006/compatibility" xmlns:p14="http://schemas.microsoft.com/office/powerpoint/2010/main" xmlns:p15="http://schemas.microsoft.com/office/powerpoint/2012/main" xmlns:ahyp="http://schemas.microsoft.com/office/drawing/2018/hyperlinkcolor" matchingName="Title only" type="titleOnly">
+<p:sldLayout xmlns:a="http://schemas.openxmlformats.org/drawingml/2006/main" xmlns:r="http://schemas.openxmlformats.org/officeDocument/2006/relationships" xmlns:p="http://schemas.openxmlformats.org/presentationml/2006/main" matchingName="Title only" type="titleOnly">
   <p:cSld name="TITLE_ONLY">
     <p:spTree>
       <p:nvGrpSpPr>
-        <p:cNvPr id="25" name="Shape 25"/>
+        <p:cNvPr id="1" name="Shape 25"/>
         <p:cNvGrpSpPr/>
         <p:nvPr/>
       </p:nvGrpSpPr>
@@ -3804,7 +4045,9 @@
       <p:sp>
         <p:nvSpPr>
           <p:cNvPr id="26" name="Google Shape;26;p6"/>
-          <p:cNvSpPr txBox="1"/>
+          <p:cNvSpPr txBox="1">
+            <a:spLocks noGrp="1"/>
+          </p:cNvSpPr>
           <p:nvPr>
             <p:ph type="title"/>
           </p:nvPr>
@@ -3819,7 +4062,7 @@
           </a:prstGeom>
         </p:spPr>
         <p:txBody>
-          <a:bodyPr anchorCtr="0" anchor="t" bIns="91425" lIns="91425" spcFirstLastPara="1" rIns="91425" wrap="square" tIns="91425">
+          <a:bodyPr spcFirstLastPara="1" wrap="square" lIns="91425" tIns="91425" rIns="91425" bIns="91425" anchor="t" anchorCtr="0">
             <a:normAutofit/>
           </a:bodyPr>
           <a:lstStyle>
@@ -3923,15 +4166,19 @@
               <a:defRPr/>
             </a:lvl9pPr>
           </a:lstStyle>
-          <a:p/>
+          <a:p>
+            <a:endParaRPr/>
+          </a:p>
         </p:txBody>
       </p:sp>
       <p:sp>
         <p:nvSpPr>
           <p:cNvPr id="27" name="Google Shape;27;p6"/>
-          <p:cNvSpPr txBox="1"/>
+          <p:cNvSpPr txBox="1">
+            <a:spLocks noGrp="1"/>
+          </p:cNvSpPr>
           <p:nvPr>
-            <p:ph idx="12" type="sldNum"/>
+            <p:ph type="sldNum" idx="12"/>
           </p:nvPr>
         </p:nvSpPr>
         <p:spPr>
@@ -3944,7 +4191,7 @@
           </a:prstGeom>
         </p:spPr>
         <p:txBody>
-          <a:bodyPr anchorCtr="0" anchor="ctr" bIns="91425" lIns="91425" spcFirstLastPara="1" rIns="91425" wrap="square" tIns="91425">
+          <a:bodyPr spcFirstLastPara="1" wrap="square" lIns="91425" tIns="91425" rIns="91425" bIns="91425" anchor="ctr" anchorCtr="0">
             <a:normAutofit/>
           </a:bodyPr>
           <a:lstStyle>
@@ -3986,7 +4233,7 @@
             </a:lvl9pPr>
           </a:lstStyle>
           <a:p>
-            <a:pPr indent="0" lvl="0" marL="0" rtl="0" algn="r">
+            <a:pPr marL="0" lvl="0" indent="0" algn="r" rtl="0">
               <a:spcBef>
                 <a:spcPts val="0"/>
               </a:spcBef>
@@ -4012,11 +4259,11 @@
 </file>
 
 <file path=ppt/slideLayouts/slideLayout6.xml><?xml version="1.0" encoding="utf-8"?>
-<p:sldLayout xmlns:a="http://schemas.openxmlformats.org/drawingml/2006/main" xmlns:r="http://schemas.openxmlformats.org/officeDocument/2006/relationships" xmlns:mc="http://schemas.openxmlformats.org/markup-compatibility/2006" xmlns:mv="urn:schemas-microsoft-com:mac:vml" xmlns:p="http://schemas.openxmlformats.org/presentationml/2006/main" xmlns:c="http://schemas.openxmlformats.org/drawingml/2006/chart" xmlns:dgm="http://schemas.openxmlformats.org/drawingml/2006/diagram" xmlns:o="urn:schemas-microsoft-com:office:office" xmlns:v="urn:schemas-microsoft-com:vml" xmlns:pvml="urn:schemas-microsoft-com:office:powerpoint" xmlns:com="http://schemas.openxmlformats.org/drawingml/2006/compatibility" xmlns:p14="http://schemas.microsoft.com/office/powerpoint/2010/main" xmlns:p15="http://schemas.microsoft.com/office/powerpoint/2012/main" xmlns:ahyp="http://schemas.microsoft.com/office/drawing/2018/hyperlinkcolor" matchingName="One column text">
+<p:sldLayout xmlns:a="http://schemas.openxmlformats.org/drawingml/2006/main" xmlns:r="http://schemas.openxmlformats.org/officeDocument/2006/relationships" xmlns:p="http://schemas.openxmlformats.org/presentationml/2006/main" matchingName="One column text">
   <p:cSld name="ONE_COLUMN_TEXT">
     <p:spTree>
       <p:nvGrpSpPr>
-        <p:cNvPr id="28" name="Shape 28"/>
+        <p:cNvPr id="1" name="Shape 28"/>
         <p:cNvGrpSpPr/>
         <p:nvPr/>
       </p:nvGrpSpPr>
@@ -4031,7 +4278,9 @@
       <p:sp>
         <p:nvSpPr>
           <p:cNvPr id="29" name="Google Shape;29;p7"/>
-          <p:cNvSpPr txBox="1"/>
+          <p:cNvSpPr txBox="1">
+            <a:spLocks noGrp="1"/>
+          </p:cNvSpPr>
           <p:nvPr>
             <p:ph type="title"/>
           </p:nvPr>
@@ -4046,7 +4295,7 @@
           </a:prstGeom>
         </p:spPr>
         <p:txBody>
-          <a:bodyPr anchorCtr="0" anchor="b" bIns="91425" lIns="91425" spcFirstLastPara="1" rIns="91425" wrap="square" tIns="91425">
+          <a:bodyPr spcFirstLastPara="1" wrap="square" lIns="91425" tIns="91425" rIns="91425" bIns="91425" anchor="b" anchorCtr="0">
             <a:normAutofit/>
           </a:bodyPr>
           <a:lstStyle>
@@ -4150,15 +4399,19 @@
               <a:defRPr sz="2400"/>
             </a:lvl9pPr>
           </a:lstStyle>
-          <a:p/>
+          <a:p>
+            <a:endParaRPr/>
+          </a:p>
         </p:txBody>
       </p:sp>
       <p:sp>
         <p:nvSpPr>
           <p:cNvPr id="30" name="Google Shape;30;p7"/>
-          <p:cNvSpPr txBox="1"/>
+          <p:cNvSpPr txBox="1">
+            <a:spLocks noGrp="1"/>
+          </p:cNvSpPr>
           <p:nvPr>
-            <p:ph idx="1" type="body"/>
+            <p:ph type="body" idx="1"/>
           </p:nvPr>
         </p:nvSpPr>
         <p:spPr>
@@ -4171,11 +4424,11 @@
           </a:prstGeom>
         </p:spPr>
         <p:txBody>
-          <a:bodyPr anchorCtr="0" anchor="t" bIns="91425" lIns="91425" spcFirstLastPara="1" rIns="91425" wrap="square" tIns="91425">
+          <a:bodyPr spcFirstLastPara="1" wrap="square" lIns="91425" tIns="91425" rIns="91425" bIns="91425" anchor="t" anchorCtr="0">
             <a:normAutofit/>
           </a:bodyPr>
           <a:lstStyle>
-            <a:lvl1pPr indent="-304800" lvl="0" marL="457200">
+            <a:lvl1pPr marL="457200" lvl="0" indent="-304800">
               <a:spcBef>
                 <a:spcPts val="0"/>
               </a:spcBef>
@@ -4186,7 +4439,7 @@
               <a:buChar char="●"/>
               <a:defRPr sz="1200"/>
             </a:lvl1pPr>
-            <a:lvl2pPr indent="-304800" lvl="1" marL="914400">
+            <a:lvl2pPr marL="914400" lvl="1" indent="-304800">
               <a:spcBef>
                 <a:spcPts val="0"/>
               </a:spcBef>
@@ -4197,7 +4450,7 @@
               <a:buChar char="○"/>
               <a:defRPr sz="1200"/>
             </a:lvl2pPr>
-            <a:lvl3pPr indent="-304800" lvl="2" marL="1371600">
+            <a:lvl3pPr marL="1371600" lvl="2" indent="-304800">
               <a:spcBef>
                 <a:spcPts val="0"/>
               </a:spcBef>
@@ -4208,7 +4461,7 @@
               <a:buChar char="■"/>
               <a:defRPr sz="1200"/>
             </a:lvl3pPr>
-            <a:lvl4pPr indent="-304800" lvl="3" marL="1828800">
+            <a:lvl4pPr marL="1828800" lvl="3" indent="-304800">
               <a:spcBef>
                 <a:spcPts val="0"/>
               </a:spcBef>
@@ -4219,7 +4472,7 @@
               <a:buChar char="●"/>
               <a:defRPr sz="1200"/>
             </a:lvl4pPr>
-            <a:lvl5pPr indent="-304800" lvl="4" marL="2286000">
+            <a:lvl5pPr marL="2286000" lvl="4" indent="-304800">
               <a:spcBef>
                 <a:spcPts val="0"/>
               </a:spcBef>
@@ -4230,7 +4483,7 @@
               <a:buChar char="○"/>
               <a:defRPr sz="1200"/>
             </a:lvl5pPr>
-            <a:lvl6pPr indent="-304800" lvl="5" marL="2743200">
+            <a:lvl6pPr marL="2743200" lvl="5" indent="-304800">
               <a:spcBef>
                 <a:spcPts val="0"/>
               </a:spcBef>
@@ -4241,7 +4494,7 @@
               <a:buChar char="■"/>
               <a:defRPr sz="1200"/>
             </a:lvl6pPr>
-            <a:lvl7pPr indent="-304800" lvl="6" marL="3200400">
+            <a:lvl7pPr marL="3200400" lvl="6" indent="-304800">
               <a:spcBef>
                 <a:spcPts val="0"/>
               </a:spcBef>
@@ -4252,7 +4505,7 @@
               <a:buChar char="●"/>
               <a:defRPr sz="1200"/>
             </a:lvl7pPr>
-            <a:lvl8pPr indent="-304800" lvl="7" marL="3657600">
+            <a:lvl8pPr marL="3657600" lvl="7" indent="-304800">
               <a:spcBef>
                 <a:spcPts val="0"/>
               </a:spcBef>
@@ -4263,7 +4516,7 @@
               <a:buChar char="○"/>
               <a:defRPr sz="1200"/>
             </a:lvl8pPr>
-            <a:lvl9pPr indent="-304800" lvl="8" marL="4114800">
+            <a:lvl9pPr marL="4114800" lvl="8" indent="-304800">
               <a:spcBef>
                 <a:spcPts val="0"/>
               </a:spcBef>
@@ -4275,15 +4528,19 @@
               <a:defRPr sz="1200"/>
             </a:lvl9pPr>
           </a:lstStyle>
-          <a:p/>
+          <a:p>
+            <a:endParaRPr/>
+          </a:p>
         </p:txBody>
       </p:sp>
       <p:sp>
         <p:nvSpPr>
           <p:cNvPr id="31" name="Google Shape;31;p7"/>
-          <p:cNvSpPr txBox="1"/>
+          <p:cNvSpPr txBox="1">
+            <a:spLocks noGrp="1"/>
+          </p:cNvSpPr>
           <p:nvPr>
-            <p:ph idx="12" type="sldNum"/>
+            <p:ph type="sldNum" idx="12"/>
           </p:nvPr>
         </p:nvSpPr>
         <p:spPr>
@@ -4296,7 +4553,7 @@
           </a:prstGeom>
         </p:spPr>
         <p:txBody>
-          <a:bodyPr anchorCtr="0" anchor="ctr" bIns="91425" lIns="91425" spcFirstLastPara="1" rIns="91425" wrap="square" tIns="91425">
+          <a:bodyPr spcFirstLastPara="1" wrap="square" lIns="91425" tIns="91425" rIns="91425" bIns="91425" anchor="ctr" anchorCtr="0">
             <a:normAutofit/>
           </a:bodyPr>
           <a:lstStyle>
@@ -4338,7 +4595,7 @@
             </a:lvl9pPr>
           </a:lstStyle>
           <a:p>
-            <a:pPr indent="0" lvl="0" marL="0" rtl="0" algn="r">
+            <a:pPr marL="0" lvl="0" indent="0" algn="r" rtl="0">
               <a:spcBef>
                 <a:spcPts val="0"/>
               </a:spcBef>
@@ -4364,11 +4621,11 @@
 </file>
 
 <file path=ppt/slideLayouts/slideLayout7.xml><?xml version="1.0" encoding="utf-8"?>
-<p:sldLayout xmlns:a="http://schemas.openxmlformats.org/drawingml/2006/main" xmlns:r="http://schemas.openxmlformats.org/officeDocument/2006/relationships" xmlns:mc="http://schemas.openxmlformats.org/markup-compatibility/2006" xmlns:mv="urn:schemas-microsoft-com:mac:vml" xmlns:p="http://schemas.openxmlformats.org/presentationml/2006/main" xmlns:c="http://schemas.openxmlformats.org/drawingml/2006/chart" xmlns:dgm="http://schemas.openxmlformats.org/drawingml/2006/diagram" xmlns:o="urn:schemas-microsoft-com:office:office" xmlns:v="urn:schemas-microsoft-com:vml" xmlns:pvml="urn:schemas-microsoft-com:office:powerpoint" xmlns:com="http://schemas.openxmlformats.org/drawingml/2006/compatibility" xmlns:p14="http://schemas.microsoft.com/office/powerpoint/2010/main" xmlns:p15="http://schemas.microsoft.com/office/powerpoint/2012/main" xmlns:ahyp="http://schemas.microsoft.com/office/drawing/2018/hyperlinkcolor" matchingName="Main point">
+<p:sldLayout xmlns:a="http://schemas.openxmlformats.org/drawingml/2006/main" xmlns:r="http://schemas.openxmlformats.org/officeDocument/2006/relationships" xmlns:p="http://schemas.openxmlformats.org/presentationml/2006/main" matchingName="Main point">
   <p:cSld name="MAIN_POINT">
     <p:spTree>
       <p:nvGrpSpPr>
-        <p:cNvPr id="32" name="Shape 32"/>
+        <p:cNvPr id="1" name="Shape 32"/>
         <p:cNvGrpSpPr/>
         <p:nvPr/>
       </p:nvGrpSpPr>
@@ -4383,7 +4640,9 @@
       <p:sp>
         <p:nvSpPr>
           <p:cNvPr id="33" name="Google Shape;33;p8"/>
-          <p:cNvSpPr txBox="1"/>
+          <p:cNvSpPr txBox="1">
+            <a:spLocks noGrp="1"/>
+          </p:cNvSpPr>
           <p:nvPr>
             <p:ph type="title"/>
           </p:nvPr>
@@ -4398,7 +4657,7 @@
           </a:prstGeom>
         </p:spPr>
         <p:txBody>
-          <a:bodyPr anchorCtr="0" anchor="ctr" bIns="91425" lIns="91425" spcFirstLastPara="1" rIns="91425" wrap="square" tIns="91425">
+          <a:bodyPr spcFirstLastPara="1" wrap="square" lIns="91425" tIns="91425" rIns="91425" bIns="91425" anchor="ctr" anchorCtr="0">
             <a:normAutofit/>
           </a:bodyPr>
           <a:lstStyle>
@@ -4502,15 +4761,19 @@
               <a:defRPr sz="4800"/>
             </a:lvl9pPr>
           </a:lstStyle>
-          <a:p/>
+          <a:p>
+            <a:endParaRPr/>
+          </a:p>
         </p:txBody>
       </p:sp>
       <p:sp>
         <p:nvSpPr>
           <p:cNvPr id="34" name="Google Shape;34;p8"/>
-          <p:cNvSpPr txBox="1"/>
+          <p:cNvSpPr txBox="1">
+            <a:spLocks noGrp="1"/>
+          </p:cNvSpPr>
           <p:nvPr>
-            <p:ph idx="12" type="sldNum"/>
+            <p:ph type="sldNum" idx="12"/>
           </p:nvPr>
         </p:nvSpPr>
         <p:spPr>
@@ -4523,7 +4786,7 @@
           </a:prstGeom>
         </p:spPr>
         <p:txBody>
-          <a:bodyPr anchorCtr="0" anchor="ctr" bIns="91425" lIns="91425" spcFirstLastPara="1" rIns="91425" wrap="square" tIns="91425">
+          <a:bodyPr spcFirstLastPara="1" wrap="square" lIns="91425" tIns="91425" rIns="91425" bIns="91425" anchor="ctr" anchorCtr="0">
             <a:normAutofit/>
           </a:bodyPr>
           <a:lstStyle>
@@ -4565,7 +4828,7 @@
             </a:lvl9pPr>
           </a:lstStyle>
           <a:p>
-            <a:pPr indent="0" lvl="0" marL="0" rtl="0" algn="r">
+            <a:pPr marL="0" lvl="0" indent="0" algn="r" rtl="0">
               <a:spcBef>
                 <a:spcPts val="0"/>
               </a:spcBef>
@@ -4591,11 +4854,11 @@
 </file>
 
 <file path=ppt/slideLayouts/slideLayout8.xml><?xml version="1.0" encoding="utf-8"?>
-<p:sldLayout xmlns:a="http://schemas.openxmlformats.org/drawingml/2006/main" xmlns:r="http://schemas.openxmlformats.org/officeDocument/2006/relationships" xmlns:mc="http://schemas.openxmlformats.org/markup-compatibility/2006" xmlns:mv="urn:schemas-microsoft-com:mac:vml" xmlns:p="http://schemas.openxmlformats.org/presentationml/2006/main" xmlns:c="http://schemas.openxmlformats.org/drawingml/2006/chart" xmlns:dgm="http://schemas.openxmlformats.org/drawingml/2006/diagram" xmlns:o="urn:schemas-microsoft-com:office:office" xmlns:v="urn:schemas-microsoft-com:vml" xmlns:pvml="urn:schemas-microsoft-com:office:powerpoint" xmlns:com="http://schemas.openxmlformats.org/drawingml/2006/compatibility" xmlns:p14="http://schemas.microsoft.com/office/powerpoint/2010/main" xmlns:p15="http://schemas.microsoft.com/office/powerpoint/2012/main" xmlns:ahyp="http://schemas.microsoft.com/office/drawing/2018/hyperlinkcolor" matchingName="Section title and description">
+<p:sldLayout xmlns:a="http://schemas.openxmlformats.org/drawingml/2006/main" xmlns:r="http://schemas.openxmlformats.org/officeDocument/2006/relationships" xmlns:p="http://schemas.openxmlformats.org/presentationml/2006/main" matchingName="Section title and description">
   <p:cSld name="SECTION_TITLE_AND_DESCRIPTION">
     <p:spTree>
       <p:nvGrpSpPr>
-        <p:cNvPr id="35" name="Shape 35"/>
+        <p:cNvPr id="1" name="Shape 35"/>
         <p:cNvGrpSpPr/>
         <p:nvPr/>
       </p:nvGrpSpPr>
@@ -4629,23 +4892,20 @@
           </a:ln>
         </p:spPr>
         <p:txBody>
-          <a:bodyPr anchorCtr="0" anchor="ctr" bIns="91425" lIns="91425" spcFirstLastPara="1" rIns="91425" wrap="square" tIns="91425">
+          <a:bodyPr spcFirstLastPara="1" wrap="square" lIns="91425" tIns="91425" rIns="91425" bIns="91425" anchor="ctr" anchorCtr="0">
             <a:noAutofit/>
           </a:bodyPr>
           <a:lstStyle/>
           <a:p>
-            <a:pPr indent="0" lvl="0" marL="0" rtl="0" algn="l">
-              <a:spcBef>
-                <a:spcPts val="0"/>
-              </a:spcBef>
-              <a:spcAft>
-                <a:spcPts val="0"/>
-              </a:spcAft>
-              <a:buNone/>
-            </a:pPr>
-            <a:r>
-              <a:t/>
-            </a:r>
+            <a:pPr marL="0" lvl="0" indent="0" algn="l" rtl="0">
+              <a:spcBef>
+                <a:spcPts val="0"/>
+              </a:spcBef>
+              <a:spcAft>
+                <a:spcPts val="0"/>
+              </a:spcAft>
+              <a:buNone/>
+            </a:pPr>
             <a:endParaRPr/>
           </a:p>
         </p:txBody>
@@ -4653,7 +4913,9 @@
       <p:sp>
         <p:nvSpPr>
           <p:cNvPr id="37" name="Google Shape;37;p9"/>
-          <p:cNvSpPr txBox="1"/>
+          <p:cNvSpPr txBox="1">
+            <a:spLocks noGrp="1"/>
+          </p:cNvSpPr>
           <p:nvPr>
             <p:ph type="title"/>
           </p:nvPr>
@@ -4668,7 +4930,7 @@
           </a:prstGeom>
         </p:spPr>
         <p:txBody>
-          <a:bodyPr anchorCtr="0" anchor="b" bIns="91425" lIns="91425" spcFirstLastPara="1" rIns="91425" wrap="square" tIns="91425">
+          <a:bodyPr spcFirstLastPara="1" wrap="square" lIns="91425" tIns="91425" rIns="91425" bIns="91425" anchor="b" anchorCtr="0">
             <a:normAutofit/>
           </a:bodyPr>
           <a:lstStyle>
@@ -4772,15 +5034,19 @@
               <a:defRPr sz="4200"/>
             </a:lvl9pPr>
           </a:lstStyle>
-          <a:p/>
+          <a:p>
+            <a:endParaRPr/>
+          </a:p>
         </p:txBody>
       </p:sp>
       <p:sp>
         <p:nvSpPr>
           <p:cNvPr id="38" name="Google Shape;38;p9"/>
-          <p:cNvSpPr txBox="1"/>
+          <p:cNvSpPr txBox="1">
+            <a:spLocks noGrp="1"/>
+          </p:cNvSpPr>
           <p:nvPr>
-            <p:ph idx="1" type="subTitle"/>
+            <p:ph type="subTitle" idx="1"/>
           </p:nvPr>
         </p:nvSpPr>
         <p:spPr>
@@ -4793,7 +5059,7 @@
           </a:prstGeom>
         </p:spPr>
         <p:txBody>
-          <a:bodyPr anchorCtr="0" anchor="t" bIns="91425" lIns="91425" spcFirstLastPara="1" rIns="91425" wrap="square" tIns="91425">
+          <a:bodyPr spcFirstLastPara="1" wrap="square" lIns="91425" tIns="91425" rIns="91425" bIns="91425" anchor="t" anchorCtr="0">
             <a:normAutofit/>
           </a:bodyPr>
           <a:lstStyle>
@@ -4924,15 +5190,19 @@
               <a:defRPr sz="2100"/>
             </a:lvl9pPr>
           </a:lstStyle>
-          <a:p/>
+          <a:p>
+            <a:endParaRPr/>
+          </a:p>
         </p:txBody>
       </p:sp>
       <p:sp>
         <p:nvSpPr>
           <p:cNvPr id="39" name="Google Shape;39;p9"/>
-          <p:cNvSpPr txBox="1"/>
+          <p:cNvSpPr txBox="1">
+            <a:spLocks noGrp="1"/>
+          </p:cNvSpPr>
           <p:nvPr>
-            <p:ph idx="2" type="body"/>
+            <p:ph type="body" idx="2"/>
           </p:nvPr>
         </p:nvSpPr>
         <p:spPr>
@@ -4945,11 +5215,11 @@
           </a:prstGeom>
         </p:spPr>
         <p:txBody>
-          <a:bodyPr anchorCtr="0" anchor="ctr" bIns="91425" lIns="91425" spcFirstLastPara="1" rIns="91425" wrap="square" tIns="91425">
+          <a:bodyPr spcFirstLastPara="1" wrap="square" lIns="91425" tIns="91425" rIns="91425" bIns="91425" anchor="ctr" anchorCtr="0">
             <a:normAutofit/>
           </a:bodyPr>
           <a:lstStyle>
-            <a:lvl1pPr indent="-342900" lvl="0" marL="457200">
+            <a:lvl1pPr marL="457200" lvl="0" indent="-342900">
               <a:spcBef>
                 <a:spcPts val="0"/>
               </a:spcBef>
@@ -4960,7 +5230,7 @@
               <a:buChar char="●"/>
               <a:defRPr/>
             </a:lvl1pPr>
-            <a:lvl2pPr indent="-317500" lvl="1" marL="914400">
+            <a:lvl2pPr marL="914400" lvl="1" indent="-317500">
               <a:spcBef>
                 <a:spcPts val="0"/>
               </a:spcBef>
@@ -4971,7 +5241,7 @@
               <a:buChar char="○"/>
               <a:defRPr/>
             </a:lvl2pPr>
-            <a:lvl3pPr indent="-317500" lvl="2" marL="1371600">
+            <a:lvl3pPr marL="1371600" lvl="2" indent="-317500">
               <a:spcBef>
                 <a:spcPts val="0"/>
               </a:spcBef>
@@ -4982,7 +5252,7 @@
               <a:buChar char="■"/>
               <a:defRPr/>
             </a:lvl3pPr>
-            <a:lvl4pPr indent="-317500" lvl="3" marL="1828800">
+            <a:lvl4pPr marL="1828800" lvl="3" indent="-317500">
               <a:spcBef>
                 <a:spcPts val="0"/>
               </a:spcBef>
@@ -4993,7 +5263,7 @@
               <a:buChar char="●"/>
               <a:defRPr/>
             </a:lvl4pPr>
-            <a:lvl5pPr indent="-317500" lvl="4" marL="2286000">
+            <a:lvl5pPr marL="2286000" lvl="4" indent="-317500">
               <a:spcBef>
                 <a:spcPts val="0"/>
               </a:spcBef>
@@ -5004,7 +5274,7 @@
               <a:buChar char="○"/>
               <a:defRPr/>
             </a:lvl5pPr>
-            <a:lvl6pPr indent="-317500" lvl="5" marL="2743200">
+            <a:lvl6pPr marL="2743200" lvl="5" indent="-317500">
               <a:spcBef>
                 <a:spcPts val="0"/>
               </a:spcBef>
@@ -5015,7 +5285,7 @@
               <a:buChar char="■"/>
               <a:defRPr/>
             </a:lvl6pPr>
-            <a:lvl7pPr indent="-317500" lvl="6" marL="3200400">
+            <a:lvl7pPr marL="3200400" lvl="6" indent="-317500">
               <a:spcBef>
                 <a:spcPts val="0"/>
               </a:spcBef>
@@ -5026,7 +5296,7 @@
               <a:buChar char="●"/>
               <a:defRPr/>
             </a:lvl7pPr>
-            <a:lvl8pPr indent="-317500" lvl="7" marL="3657600">
+            <a:lvl8pPr marL="3657600" lvl="7" indent="-317500">
               <a:spcBef>
                 <a:spcPts val="0"/>
               </a:spcBef>
@@ -5037,7 +5307,7 @@
               <a:buChar char="○"/>
               <a:defRPr/>
             </a:lvl8pPr>
-            <a:lvl9pPr indent="-317500" lvl="8" marL="4114800">
+            <a:lvl9pPr marL="4114800" lvl="8" indent="-317500">
               <a:spcBef>
                 <a:spcPts val="0"/>
               </a:spcBef>
@@ -5049,15 +5319,19 @@
               <a:defRPr/>
             </a:lvl9pPr>
           </a:lstStyle>
-          <a:p/>
+          <a:p>
+            <a:endParaRPr/>
+          </a:p>
         </p:txBody>
       </p:sp>
       <p:sp>
         <p:nvSpPr>
           <p:cNvPr id="40" name="Google Shape;40;p9"/>
-          <p:cNvSpPr txBox="1"/>
+          <p:cNvSpPr txBox="1">
+            <a:spLocks noGrp="1"/>
+          </p:cNvSpPr>
           <p:nvPr>
-            <p:ph idx="12" type="sldNum"/>
+            <p:ph type="sldNum" idx="12"/>
           </p:nvPr>
         </p:nvSpPr>
         <p:spPr>
@@ -5070,7 +5344,7 @@
           </a:prstGeom>
         </p:spPr>
         <p:txBody>
-          <a:bodyPr anchorCtr="0" anchor="ctr" bIns="91425" lIns="91425" spcFirstLastPara="1" rIns="91425" wrap="square" tIns="91425">
+          <a:bodyPr spcFirstLastPara="1" wrap="square" lIns="91425" tIns="91425" rIns="91425" bIns="91425" anchor="ctr" anchorCtr="0">
             <a:normAutofit/>
           </a:bodyPr>
           <a:lstStyle>
@@ -5112,7 +5386,7 @@
             </a:lvl9pPr>
           </a:lstStyle>
           <a:p>
-            <a:pPr indent="0" lvl="0" marL="0" rtl="0" algn="r">
+            <a:pPr marL="0" lvl="0" indent="0" algn="r" rtl="0">
               <a:spcBef>
                 <a:spcPts val="0"/>
               </a:spcBef>
@@ -5138,11 +5412,11 @@
 </file>
 
 <file path=ppt/slideLayouts/slideLayout9.xml><?xml version="1.0" encoding="utf-8"?>
-<p:sldLayout xmlns:a="http://schemas.openxmlformats.org/drawingml/2006/main" xmlns:r="http://schemas.openxmlformats.org/officeDocument/2006/relationships" xmlns:mc="http://schemas.openxmlformats.org/markup-compatibility/2006" xmlns:mv="urn:schemas-microsoft-com:mac:vml" xmlns:p="http://schemas.openxmlformats.org/presentationml/2006/main" xmlns:c="http://schemas.openxmlformats.org/drawingml/2006/chart" xmlns:dgm="http://schemas.openxmlformats.org/drawingml/2006/diagram" xmlns:o="urn:schemas-microsoft-com:office:office" xmlns:v="urn:schemas-microsoft-com:vml" xmlns:pvml="urn:schemas-microsoft-com:office:powerpoint" xmlns:com="http://schemas.openxmlformats.org/drawingml/2006/compatibility" xmlns:p14="http://schemas.microsoft.com/office/powerpoint/2010/main" xmlns:p15="http://schemas.microsoft.com/office/powerpoint/2012/main" xmlns:ahyp="http://schemas.microsoft.com/office/drawing/2018/hyperlinkcolor" matchingName="Caption">
+<p:sldLayout xmlns:a="http://schemas.openxmlformats.org/drawingml/2006/main" xmlns:r="http://schemas.openxmlformats.org/officeDocument/2006/relationships" xmlns:p="http://schemas.openxmlformats.org/presentationml/2006/main" matchingName="Caption">
   <p:cSld name="CAPTION_ONLY">
     <p:spTree>
       <p:nvGrpSpPr>
-        <p:cNvPr id="41" name="Shape 41"/>
+        <p:cNvPr id="1" name="Shape 41"/>
         <p:cNvGrpSpPr/>
         <p:nvPr/>
       </p:nvGrpSpPr>
@@ -5157,9 +5431,11 @@
       <p:sp>
         <p:nvSpPr>
           <p:cNvPr id="42" name="Google Shape;42;p10"/>
-          <p:cNvSpPr txBox="1"/>
+          <p:cNvSpPr txBox="1">
+            <a:spLocks noGrp="1"/>
+          </p:cNvSpPr>
           <p:nvPr>
-            <p:ph idx="1" type="body"/>
+            <p:ph type="body" idx="1"/>
           </p:nvPr>
         </p:nvSpPr>
         <p:spPr>
@@ -5172,11 +5448,11 @@
           </a:prstGeom>
         </p:spPr>
         <p:txBody>
-          <a:bodyPr anchorCtr="0" anchor="ctr" bIns="91425" lIns="91425" spcFirstLastPara="1" rIns="91425" wrap="square" tIns="91425">
+          <a:bodyPr spcFirstLastPara="1" wrap="square" lIns="91425" tIns="91425" rIns="91425" bIns="91425" anchor="ctr" anchorCtr="0">
             <a:normAutofit/>
           </a:bodyPr>
           <a:lstStyle>
-            <a:lvl1pPr indent="-228600" lvl="0" marL="457200">
+            <a:lvl1pPr marL="457200" lvl="0" indent="-228600">
               <a:lnSpc>
                 <a:spcPct val="100000"/>
               </a:lnSpc>
@@ -5191,15 +5467,19 @@
               <a:defRPr/>
             </a:lvl1pPr>
           </a:lstStyle>
-          <a:p/>
+          <a:p>
+            <a:endParaRPr/>
+          </a:p>
         </p:txBody>
       </p:sp>
       <p:sp>
         <p:nvSpPr>
           <p:cNvPr id="43" name="Google Shape;43;p10"/>
-          <p:cNvSpPr txBox="1"/>
+          <p:cNvSpPr txBox="1">
+            <a:spLocks noGrp="1"/>
+          </p:cNvSpPr>
           <p:nvPr>
-            <p:ph idx="12" type="sldNum"/>
+            <p:ph type="sldNum" idx="12"/>
           </p:nvPr>
         </p:nvSpPr>
         <p:spPr>
@@ -5212,7 +5492,7 @@
           </a:prstGeom>
         </p:spPr>
         <p:txBody>
-          <a:bodyPr anchorCtr="0" anchor="ctr" bIns="91425" lIns="91425" spcFirstLastPara="1" rIns="91425" wrap="square" tIns="91425">
+          <a:bodyPr spcFirstLastPara="1" wrap="square" lIns="91425" tIns="91425" rIns="91425" bIns="91425" anchor="ctr" anchorCtr="0">
             <a:normAutofit/>
           </a:bodyPr>
           <a:lstStyle>
@@ -5254,7 +5534,7 @@
             </a:lvl9pPr>
           </a:lstStyle>
           <a:p>
-            <a:pPr indent="0" lvl="0" marL="0" rtl="0" algn="r">
+            <a:pPr marL="0" lvl="0" indent="0" algn="r" rtl="0">
               <a:spcBef>
                 <a:spcPts val="0"/>
               </a:spcBef>
@@ -5280,18 +5560,19 @@
 </file>
 
 <file path=ppt/slideMasters/slideMaster1.xml><?xml version="1.0" encoding="utf-8"?>
-<p:sldMaster xmlns:a="http://schemas.openxmlformats.org/drawingml/2006/main" xmlns:r="http://schemas.openxmlformats.org/officeDocument/2006/relationships" xmlns:mc="http://schemas.openxmlformats.org/markup-compatibility/2006" xmlns:mv="urn:schemas-microsoft-com:mac:vml" xmlns:p="http://schemas.openxmlformats.org/presentationml/2006/main" xmlns:c="http://schemas.openxmlformats.org/drawingml/2006/chart" xmlns:dgm="http://schemas.openxmlformats.org/drawingml/2006/diagram" xmlns:o="urn:schemas-microsoft-com:office:office" xmlns:v="urn:schemas-microsoft-com:vml" xmlns:pvml="urn:schemas-microsoft-com:office:powerpoint" xmlns:com="http://schemas.openxmlformats.org/drawingml/2006/compatibility" xmlns:p14="http://schemas.microsoft.com/office/powerpoint/2010/main" xmlns:p15="http://schemas.microsoft.com/office/powerpoint/2012/main" xmlns:ahyp="http://schemas.microsoft.com/office/drawing/2018/hyperlinkcolor">
+<p:sldMaster xmlns:a="http://schemas.openxmlformats.org/drawingml/2006/main" xmlns:r="http://schemas.openxmlformats.org/officeDocument/2006/relationships" xmlns:p="http://schemas.openxmlformats.org/presentationml/2006/main">
   <p:cSld name="simple-light-2">
     <p:bg>
       <p:bgPr>
         <a:solidFill>
           <a:schemeClr val="lt1"/>
         </a:solidFill>
+        <a:effectLst/>
       </p:bgPr>
     </p:bg>
     <p:spTree>
       <p:nvGrpSpPr>
-        <p:cNvPr id="5" name="Shape 5"/>
+        <p:cNvPr id="1" name="Shape 5"/>
         <p:cNvGrpSpPr/>
         <p:nvPr/>
       </p:nvGrpSpPr>
@@ -5306,7 +5587,9 @@
       <p:sp>
         <p:nvSpPr>
           <p:cNvPr id="6" name="Google Shape;6;p1"/>
-          <p:cNvSpPr txBox="1"/>
+          <p:cNvSpPr txBox="1">
+            <a:spLocks noGrp="1"/>
+          </p:cNvSpPr>
           <p:nvPr>
             <p:ph type="title"/>
           </p:nvPr>
@@ -5325,7 +5608,7 @@
           </a:ln>
         </p:spPr>
         <p:txBody>
-          <a:bodyPr anchorCtr="0" anchor="t" bIns="91425" lIns="91425" spcFirstLastPara="1" rIns="91425" wrap="square" tIns="91425">
+          <a:bodyPr spcFirstLastPara="1" wrap="square" lIns="91425" tIns="91425" rIns="91425" bIns="91425" anchor="t" anchorCtr="0">
             <a:normAutofit/>
           </a:bodyPr>
           <a:lstStyle>
@@ -5492,15 +5775,19 @@
               </a:defRPr>
             </a:lvl9pPr>
           </a:lstStyle>
-          <a:p/>
+          <a:p>
+            <a:endParaRPr/>
+          </a:p>
         </p:txBody>
       </p:sp>
       <p:sp>
         <p:nvSpPr>
           <p:cNvPr id="7" name="Google Shape;7;p1"/>
-          <p:cNvSpPr txBox="1"/>
+          <p:cNvSpPr txBox="1">
+            <a:spLocks noGrp="1"/>
+          </p:cNvSpPr>
           <p:nvPr>
-            <p:ph idx="1" type="body"/>
+            <p:ph type="body" idx="1"/>
           </p:nvPr>
         </p:nvSpPr>
         <p:spPr>
@@ -5517,11 +5804,11 @@
           </a:ln>
         </p:spPr>
         <p:txBody>
-          <a:bodyPr anchorCtr="0" anchor="t" bIns="91425" lIns="91425" spcFirstLastPara="1" rIns="91425" wrap="square" tIns="91425">
+          <a:bodyPr spcFirstLastPara="1" wrap="square" lIns="91425" tIns="91425" rIns="91425" bIns="91425" anchor="t" anchorCtr="0">
             <a:normAutofit/>
           </a:bodyPr>
           <a:lstStyle>
-            <a:lvl1pPr indent="-342900" lvl="0" marL="457200">
+            <a:lvl1pPr marL="457200" lvl="0" indent="-342900">
               <a:lnSpc>
                 <a:spcPct val="115000"/>
               </a:lnSpc>
@@ -5542,7 +5829,7 @@
                 </a:solidFill>
               </a:defRPr>
             </a:lvl1pPr>
-            <a:lvl2pPr indent="-317500" lvl="1" marL="914400">
+            <a:lvl2pPr marL="914400" lvl="1" indent="-317500">
               <a:lnSpc>
                 <a:spcPct val="115000"/>
               </a:lnSpc>
@@ -5563,7 +5850,7 @@
                 </a:solidFill>
               </a:defRPr>
             </a:lvl2pPr>
-            <a:lvl3pPr indent="-317500" lvl="2" marL="1371600">
+            <a:lvl3pPr marL="1371600" lvl="2" indent="-317500">
               <a:lnSpc>
                 <a:spcPct val="115000"/>
               </a:lnSpc>
@@ -5584,7 +5871,7 @@
                 </a:solidFill>
               </a:defRPr>
             </a:lvl3pPr>
-            <a:lvl4pPr indent="-317500" lvl="3" marL="1828800">
+            <a:lvl4pPr marL="1828800" lvl="3" indent="-317500">
               <a:lnSpc>
                 <a:spcPct val="115000"/>
               </a:lnSpc>
@@ -5605,7 +5892,7 @@
                 </a:solidFill>
               </a:defRPr>
             </a:lvl4pPr>
-            <a:lvl5pPr indent="-317500" lvl="4" marL="2286000">
+            <a:lvl5pPr marL="2286000" lvl="4" indent="-317500">
               <a:lnSpc>
                 <a:spcPct val="115000"/>
               </a:lnSpc>
@@ -5626,7 +5913,7 @@
                 </a:solidFill>
               </a:defRPr>
             </a:lvl5pPr>
-            <a:lvl6pPr indent="-317500" lvl="5" marL="2743200">
+            <a:lvl6pPr marL="2743200" lvl="5" indent="-317500">
               <a:lnSpc>
                 <a:spcPct val="115000"/>
               </a:lnSpc>
@@ -5647,7 +5934,7 @@
                 </a:solidFill>
               </a:defRPr>
             </a:lvl6pPr>
-            <a:lvl7pPr indent="-317500" lvl="6" marL="3200400">
+            <a:lvl7pPr marL="3200400" lvl="6" indent="-317500">
               <a:lnSpc>
                 <a:spcPct val="115000"/>
               </a:lnSpc>
@@ -5668,7 +5955,7 @@
                 </a:solidFill>
               </a:defRPr>
             </a:lvl7pPr>
-            <a:lvl8pPr indent="-317500" lvl="7" marL="3657600">
+            <a:lvl8pPr marL="3657600" lvl="7" indent="-317500">
               <a:lnSpc>
                 <a:spcPct val="115000"/>
               </a:lnSpc>
@@ -5689,7 +5976,7 @@
                 </a:solidFill>
               </a:defRPr>
             </a:lvl8pPr>
-            <a:lvl9pPr indent="-317500" lvl="8" marL="4114800">
+            <a:lvl9pPr marL="4114800" lvl="8" indent="-317500">
               <a:lnSpc>
                 <a:spcPct val="115000"/>
               </a:lnSpc>
@@ -5711,15 +5998,19 @@
               </a:defRPr>
             </a:lvl9pPr>
           </a:lstStyle>
-          <a:p/>
+          <a:p>
+            <a:endParaRPr/>
+          </a:p>
         </p:txBody>
       </p:sp>
       <p:sp>
         <p:nvSpPr>
           <p:cNvPr id="8" name="Google Shape;8;p1"/>
-          <p:cNvSpPr txBox="1"/>
+          <p:cNvSpPr txBox="1">
+            <a:spLocks noGrp="1"/>
+          </p:cNvSpPr>
           <p:nvPr>
-            <p:ph idx="12" type="sldNum"/>
+            <p:ph type="sldNum" idx="12"/>
           </p:nvPr>
         </p:nvSpPr>
         <p:spPr>
@@ -5736,7 +6027,7 @@
           </a:ln>
         </p:spPr>
         <p:txBody>
-          <a:bodyPr anchorCtr="0" anchor="ctr" bIns="91425" lIns="91425" spcFirstLastPara="1" rIns="91425" wrap="square" tIns="91425">
+          <a:bodyPr spcFirstLastPara="1" wrap="square" lIns="91425" tIns="91425" rIns="91425" bIns="91425" anchor="ctr" anchorCtr="0">
             <a:normAutofit/>
           </a:bodyPr>
           <a:lstStyle>
@@ -5814,7 +6105,7 @@
             </a:lvl9pPr>
           </a:lstStyle>
           <a:p>
-            <a:pPr indent="0" lvl="0" marL="0" rtl="0" algn="r">
+            <a:pPr marL="0" lvl="0" indent="0" algn="r" rtl="0">
               <a:spcBef>
                 <a:spcPts val="0"/>
               </a:spcBef>
@@ -5833,7 +6124,7 @@
       </p:sp>
     </p:spTree>
   </p:cSld>
-  <p:clrMap accent1="accent1" accent2="accent2" accent3="accent3" accent4="accent4" accent5="accent5" accent6="accent6" bg1="lt1" bg2="dk2" tx1="dk1" tx2="lt2" folHlink="folHlink" hlink="hlink"/>
+  <p:clrMap bg1="lt1" tx1="dk1" bg2="dk2" tx2="lt2" accent1="accent1" accent2="accent2" accent3="accent3" accent4="accent4" accent5="accent5" accent6="accent6" hlink="hlink" folHlink="folHlink"/>
   <p:sldLayoutIdLst>
     <p:sldLayoutId id="2147483648" r:id="rId1"/>
     <p:sldLayoutId id="2147483649" r:id="rId2"/>
@@ -5847,10 +6138,10 @@
     <p:sldLayoutId id="2147483657" r:id="rId10"/>
     <p:sldLayoutId id="2147483658" r:id="rId11"/>
   </p:sldLayoutIdLst>
-  <p:hf dt="0" ftr="0" hdr="0" sldNum="0"/>
+  <p:hf sldNum="0" hdr="0" ftr="0" dt="0"/>
   <p:txStyles>
     <p:titleStyle>
-      <a:defPPr lvl="0" marR="0" rtl="0" algn="l">
+      <a:defPPr marR="0" lvl="0" algn="l" rtl="0">
         <a:lnSpc>
           <a:spcPct val="100000"/>
         </a:lnSpc>
@@ -5861,7 +6152,7 @@
           <a:spcPts val="0"/>
         </a:spcAft>
       </a:defPPr>
-      <a:lvl1pPr lvl="0" marR="0" rtl="0" algn="l">
+      <a:lvl1pPr marR="0" lvl="0" algn="l" rtl="0">
         <a:lnSpc>
           <a:spcPct val="100000"/>
         </a:lnSpc>
@@ -5875,7 +6166,7 @@
           <a:srgbClr val="000000"/>
         </a:buClr>
         <a:buFont typeface="Arial"/>
-        <a:defRPr b="0" i="0" sz="1400" u="none" cap="none" strike="noStrike">
+        <a:defRPr sz="1400" b="0" i="0" u="none" strike="noStrike" cap="none">
           <a:solidFill>
             <a:srgbClr val="000000"/>
           </a:solidFill>
@@ -5885,7 +6176,7 @@
           <a:sym typeface="Arial"/>
         </a:defRPr>
       </a:lvl1pPr>
-      <a:lvl2pPr lvl="1" marR="0" rtl="0" algn="l">
+      <a:lvl2pPr marR="0" lvl="1" algn="l" rtl="0">
         <a:lnSpc>
           <a:spcPct val="100000"/>
         </a:lnSpc>
@@ -5899,7 +6190,7 @@
           <a:srgbClr val="000000"/>
         </a:buClr>
         <a:buFont typeface="Arial"/>
-        <a:defRPr b="0" i="0" sz="1400" u="none" cap="none" strike="noStrike">
+        <a:defRPr sz="1400" b="0" i="0" u="none" strike="noStrike" cap="none">
           <a:solidFill>
             <a:srgbClr val="000000"/>
           </a:solidFill>
@@ -5909,7 +6200,7 @@
           <a:sym typeface="Arial"/>
         </a:defRPr>
       </a:lvl2pPr>
-      <a:lvl3pPr lvl="2" marR="0" rtl="0" algn="l">
+      <a:lvl3pPr marR="0" lvl="2" algn="l" rtl="0">
         <a:lnSpc>
           <a:spcPct val="100000"/>
         </a:lnSpc>
@@ -5923,7 +6214,7 @@
           <a:srgbClr val="000000"/>
         </a:buClr>
         <a:buFont typeface="Arial"/>
-        <a:defRPr b="0" i="0" sz="1400" u="none" cap="none" strike="noStrike">
+        <a:defRPr sz="1400" b="0" i="0" u="none" strike="noStrike" cap="none">
           <a:solidFill>
             <a:srgbClr val="000000"/>
           </a:solidFill>
@@ -5933,7 +6224,7 @@
           <a:sym typeface="Arial"/>
         </a:defRPr>
       </a:lvl3pPr>
-      <a:lvl4pPr lvl="3" marR="0" rtl="0" algn="l">
+      <a:lvl4pPr marR="0" lvl="3" algn="l" rtl="0">
         <a:lnSpc>
           <a:spcPct val="100000"/>
         </a:lnSpc>
@@ -5947,7 +6238,7 @@
           <a:srgbClr val="000000"/>
         </a:buClr>
         <a:buFont typeface="Arial"/>
-        <a:defRPr b="0" i="0" sz="1400" u="none" cap="none" strike="noStrike">
+        <a:defRPr sz="1400" b="0" i="0" u="none" strike="noStrike" cap="none">
           <a:solidFill>
             <a:srgbClr val="000000"/>
           </a:solidFill>
@@ -5957,7 +6248,7 @@
           <a:sym typeface="Arial"/>
         </a:defRPr>
       </a:lvl4pPr>
-      <a:lvl5pPr lvl="4" marR="0" rtl="0" algn="l">
+      <a:lvl5pPr marR="0" lvl="4" algn="l" rtl="0">
         <a:lnSpc>
           <a:spcPct val="100000"/>
         </a:lnSpc>
@@ -5971,7 +6262,7 @@
           <a:srgbClr val="000000"/>
         </a:buClr>
         <a:buFont typeface="Arial"/>
-        <a:defRPr b="0" i="0" sz="1400" u="none" cap="none" strike="noStrike">
+        <a:defRPr sz="1400" b="0" i="0" u="none" strike="noStrike" cap="none">
           <a:solidFill>
             <a:srgbClr val="000000"/>
           </a:solidFill>
@@ -5981,7 +6272,7 @@
           <a:sym typeface="Arial"/>
         </a:defRPr>
       </a:lvl5pPr>
-      <a:lvl6pPr lvl="5" marR="0" rtl="0" algn="l">
+      <a:lvl6pPr marR="0" lvl="5" algn="l" rtl="0">
         <a:lnSpc>
           <a:spcPct val="100000"/>
         </a:lnSpc>
@@ -5995,7 +6286,7 @@
           <a:srgbClr val="000000"/>
         </a:buClr>
         <a:buFont typeface="Arial"/>
-        <a:defRPr b="0" i="0" sz="1400" u="none" cap="none" strike="noStrike">
+        <a:defRPr sz="1400" b="0" i="0" u="none" strike="noStrike" cap="none">
           <a:solidFill>
             <a:srgbClr val="000000"/>
           </a:solidFill>
@@ -6005,7 +6296,7 @@
           <a:sym typeface="Arial"/>
         </a:defRPr>
       </a:lvl6pPr>
-      <a:lvl7pPr lvl="6" marR="0" rtl="0" algn="l">
+      <a:lvl7pPr marR="0" lvl="6" algn="l" rtl="0">
         <a:lnSpc>
           <a:spcPct val="100000"/>
         </a:lnSpc>
@@ -6019,7 +6310,7 @@
           <a:srgbClr val="000000"/>
         </a:buClr>
         <a:buFont typeface="Arial"/>
-        <a:defRPr b="0" i="0" sz="1400" u="none" cap="none" strike="noStrike">
+        <a:defRPr sz="1400" b="0" i="0" u="none" strike="noStrike" cap="none">
           <a:solidFill>
             <a:srgbClr val="000000"/>
           </a:solidFill>
@@ -6029,7 +6320,7 @@
           <a:sym typeface="Arial"/>
         </a:defRPr>
       </a:lvl7pPr>
-      <a:lvl8pPr lvl="7" marR="0" rtl="0" algn="l">
+      <a:lvl8pPr marR="0" lvl="7" algn="l" rtl="0">
         <a:lnSpc>
           <a:spcPct val="100000"/>
         </a:lnSpc>
@@ -6043,7 +6334,7 @@
           <a:srgbClr val="000000"/>
         </a:buClr>
         <a:buFont typeface="Arial"/>
-        <a:defRPr b="0" i="0" sz="1400" u="none" cap="none" strike="noStrike">
+        <a:defRPr sz="1400" b="0" i="0" u="none" strike="noStrike" cap="none">
           <a:solidFill>
             <a:srgbClr val="000000"/>
           </a:solidFill>
@@ -6053,7 +6344,7 @@
           <a:sym typeface="Arial"/>
         </a:defRPr>
       </a:lvl8pPr>
-      <a:lvl9pPr lvl="8" marR="0" rtl="0" algn="l">
+      <a:lvl9pPr marR="0" lvl="8" algn="l" rtl="0">
         <a:lnSpc>
           <a:spcPct val="100000"/>
         </a:lnSpc>
@@ -6067,7 +6358,7 @@
           <a:srgbClr val="000000"/>
         </a:buClr>
         <a:buFont typeface="Arial"/>
-        <a:defRPr b="0" i="0" sz="1400" u="none" cap="none" strike="noStrike">
+        <a:defRPr sz="1400" b="0" i="0" u="none" strike="noStrike" cap="none">
           <a:solidFill>
             <a:srgbClr val="000000"/>
           </a:solidFill>
@@ -6079,7 +6370,7 @@
       </a:lvl9pPr>
     </p:titleStyle>
     <p:bodyStyle>
-      <a:defPPr lvl="0" marR="0" rtl="0" algn="l">
+      <a:defPPr marR="0" lvl="0" algn="l" rtl="0">
         <a:lnSpc>
           <a:spcPct val="100000"/>
         </a:lnSpc>
@@ -6090,7 +6381,7 @@
           <a:spcPts val="0"/>
         </a:spcAft>
       </a:defPPr>
-      <a:lvl1pPr lvl="0" marR="0" rtl="0" algn="l">
+      <a:lvl1pPr marR="0" lvl="0" algn="l" rtl="0">
         <a:lnSpc>
           <a:spcPct val="100000"/>
         </a:lnSpc>
@@ -6104,7 +6395,7 @@
           <a:srgbClr val="000000"/>
         </a:buClr>
         <a:buFont typeface="Arial"/>
-        <a:defRPr b="0" i="0" sz="1400" u="none" cap="none" strike="noStrike">
+        <a:defRPr sz="1400" b="0" i="0" u="none" strike="noStrike" cap="none">
           <a:solidFill>
             <a:srgbClr val="000000"/>
           </a:solidFill>
@@ -6114,7 +6405,7 @@
           <a:sym typeface="Arial"/>
         </a:defRPr>
       </a:lvl1pPr>
-      <a:lvl2pPr lvl="1" marR="0" rtl="0" algn="l">
+      <a:lvl2pPr marR="0" lvl="1" algn="l" rtl="0">
         <a:lnSpc>
           <a:spcPct val="100000"/>
         </a:lnSpc>
@@ -6128,7 +6419,7 @@
           <a:srgbClr val="000000"/>
         </a:buClr>
         <a:buFont typeface="Arial"/>
-        <a:defRPr b="0" i="0" sz="1400" u="none" cap="none" strike="noStrike">
+        <a:defRPr sz="1400" b="0" i="0" u="none" strike="noStrike" cap="none">
           <a:solidFill>
             <a:srgbClr val="000000"/>
           </a:solidFill>
@@ -6138,7 +6429,7 @@
           <a:sym typeface="Arial"/>
         </a:defRPr>
       </a:lvl2pPr>
-      <a:lvl3pPr lvl="2" marR="0" rtl="0" algn="l">
+      <a:lvl3pPr marR="0" lvl="2" algn="l" rtl="0">
         <a:lnSpc>
           <a:spcPct val="100000"/>
         </a:lnSpc>
@@ -6152,7 +6443,7 @@
           <a:srgbClr val="000000"/>
         </a:buClr>
         <a:buFont typeface="Arial"/>
-        <a:defRPr b="0" i="0" sz="1400" u="none" cap="none" strike="noStrike">
+        <a:defRPr sz="1400" b="0" i="0" u="none" strike="noStrike" cap="none">
           <a:solidFill>
             <a:srgbClr val="000000"/>
           </a:solidFill>
@@ -6162,7 +6453,7 @@
           <a:sym typeface="Arial"/>
         </a:defRPr>
       </a:lvl3pPr>
-      <a:lvl4pPr lvl="3" marR="0" rtl="0" algn="l">
+      <a:lvl4pPr marR="0" lvl="3" algn="l" rtl="0">
         <a:lnSpc>
           <a:spcPct val="100000"/>
         </a:lnSpc>
@@ -6176,7 +6467,7 @@
           <a:srgbClr val="000000"/>
         </a:buClr>
         <a:buFont typeface="Arial"/>
-        <a:defRPr b="0" i="0" sz="1400" u="none" cap="none" strike="noStrike">
+        <a:defRPr sz="1400" b="0" i="0" u="none" strike="noStrike" cap="none">
           <a:solidFill>
             <a:srgbClr val="000000"/>
           </a:solidFill>
@@ -6186,7 +6477,7 @@
           <a:sym typeface="Arial"/>
         </a:defRPr>
       </a:lvl4pPr>
-      <a:lvl5pPr lvl="4" marR="0" rtl="0" algn="l">
+      <a:lvl5pPr marR="0" lvl="4" algn="l" rtl="0">
         <a:lnSpc>
           <a:spcPct val="100000"/>
         </a:lnSpc>
@@ -6200,7 +6491,7 @@
           <a:srgbClr val="000000"/>
         </a:buClr>
         <a:buFont typeface="Arial"/>
-        <a:defRPr b="0" i="0" sz="1400" u="none" cap="none" strike="noStrike">
+        <a:defRPr sz="1400" b="0" i="0" u="none" strike="noStrike" cap="none">
           <a:solidFill>
             <a:srgbClr val="000000"/>
           </a:solidFill>
@@ -6210,7 +6501,7 @@
           <a:sym typeface="Arial"/>
         </a:defRPr>
       </a:lvl5pPr>
-      <a:lvl6pPr lvl="5" marR="0" rtl="0" algn="l">
+      <a:lvl6pPr marR="0" lvl="5" algn="l" rtl="0">
         <a:lnSpc>
           <a:spcPct val="100000"/>
         </a:lnSpc>
@@ -6224,7 +6515,7 @@
           <a:srgbClr val="000000"/>
         </a:buClr>
         <a:buFont typeface="Arial"/>
-        <a:defRPr b="0" i="0" sz="1400" u="none" cap="none" strike="noStrike">
+        <a:defRPr sz="1400" b="0" i="0" u="none" strike="noStrike" cap="none">
           <a:solidFill>
             <a:srgbClr val="000000"/>
           </a:solidFill>
@@ -6234,7 +6525,7 @@
           <a:sym typeface="Arial"/>
         </a:defRPr>
       </a:lvl6pPr>
-      <a:lvl7pPr lvl="6" marR="0" rtl="0" algn="l">
+      <a:lvl7pPr marR="0" lvl="6" algn="l" rtl="0">
         <a:lnSpc>
           <a:spcPct val="100000"/>
         </a:lnSpc>
@@ -6248,7 +6539,7 @@
           <a:srgbClr val="000000"/>
         </a:buClr>
         <a:buFont typeface="Arial"/>
-        <a:defRPr b="0" i="0" sz="1400" u="none" cap="none" strike="noStrike">
+        <a:defRPr sz="1400" b="0" i="0" u="none" strike="noStrike" cap="none">
           <a:solidFill>
             <a:srgbClr val="000000"/>
           </a:solidFill>
@@ -6258,7 +6549,7 @@
           <a:sym typeface="Arial"/>
         </a:defRPr>
       </a:lvl7pPr>
-      <a:lvl8pPr lvl="7" marR="0" rtl="0" algn="l">
+      <a:lvl8pPr marR="0" lvl="7" algn="l" rtl="0">
         <a:lnSpc>
           <a:spcPct val="100000"/>
         </a:lnSpc>
@@ -6272,7 +6563,7 @@
           <a:srgbClr val="000000"/>
         </a:buClr>
         <a:buFont typeface="Arial"/>
-        <a:defRPr b="0" i="0" sz="1400" u="none" cap="none" strike="noStrike">
+        <a:defRPr sz="1400" b="0" i="0" u="none" strike="noStrike" cap="none">
           <a:solidFill>
             <a:srgbClr val="000000"/>
           </a:solidFill>
@@ -6282,7 +6573,7 @@
           <a:sym typeface="Arial"/>
         </a:defRPr>
       </a:lvl8pPr>
-      <a:lvl9pPr lvl="8" marR="0" rtl="0" algn="l">
+      <a:lvl9pPr marR="0" lvl="8" algn="l" rtl="0">
         <a:lnSpc>
           <a:spcPct val="100000"/>
         </a:lnSpc>
@@ -6296,7 +6587,7 @@
           <a:srgbClr val="000000"/>
         </a:buClr>
         <a:buFont typeface="Arial"/>
-        <a:defRPr b="0" i="0" sz="1400" u="none" cap="none" strike="noStrike">
+        <a:defRPr sz="1400" b="0" i="0" u="none" strike="noStrike" cap="none">
           <a:solidFill>
             <a:srgbClr val="000000"/>
           </a:solidFill>
@@ -6308,7 +6599,7 @@
       </a:lvl9pPr>
     </p:bodyStyle>
     <p:otherStyle>
-      <a:defPPr lvl="0" marR="0" rtl="0" algn="l">
+      <a:defPPr marR="0" lvl="0" algn="l" rtl="0">
         <a:lnSpc>
           <a:spcPct val="100000"/>
         </a:lnSpc>
@@ -6319,7 +6610,7 @@
           <a:spcPts val="0"/>
         </a:spcAft>
       </a:defPPr>
-      <a:lvl1pPr lvl="0" marR="0" rtl="0" algn="l">
+      <a:lvl1pPr marR="0" lvl="0" algn="l" rtl="0">
         <a:lnSpc>
           <a:spcPct val="100000"/>
         </a:lnSpc>
@@ -6333,7 +6624,7 @@
           <a:srgbClr val="000000"/>
         </a:buClr>
         <a:buFont typeface="Arial"/>
-        <a:defRPr b="0" i="0" sz="1400" u="none" cap="none" strike="noStrike">
+        <a:defRPr sz="1400" b="0" i="0" u="none" strike="noStrike" cap="none">
           <a:solidFill>
             <a:srgbClr val="000000"/>
           </a:solidFill>
@@ -6343,7 +6634,7 @@
           <a:sym typeface="Arial"/>
         </a:defRPr>
       </a:lvl1pPr>
-      <a:lvl2pPr lvl="1" marR="0" rtl="0" algn="l">
+      <a:lvl2pPr marR="0" lvl="1" algn="l" rtl="0">
         <a:lnSpc>
           <a:spcPct val="100000"/>
         </a:lnSpc>
@@ -6357,7 +6648,7 @@
           <a:srgbClr val="000000"/>
         </a:buClr>
         <a:buFont typeface="Arial"/>
-        <a:defRPr b="0" i="0" sz="1400" u="none" cap="none" strike="noStrike">
+        <a:defRPr sz="1400" b="0" i="0" u="none" strike="noStrike" cap="none">
           <a:solidFill>
             <a:srgbClr val="000000"/>
           </a:solidFill>
@@ -6367,7 +6658,7 @@
           <a:sym typeface="Arial"/>
         </a:defRPr>
       </a:lvl2pPr>
-      <a:lvl3pPr lvl="2" marR="0" rtl="0" algn="l">
+      <a:lvl3pPr marR="0" lvl="2" algn="l" rtl="0">
         <a:lnSpc>
           <a:spcPct val="100000"/>
         </a:lnSpc>
@@ -6381,7 +6672,7 @@
           <a:srgbClr val="000000"/>
         </a:buClr>
         <a:buFont typeface="Arial"/>
-        <a:defRPr b="0" i="0" sz="1400" u="none" cap="none" strike="noStrike">
+        <a:defRPr sz="1400" b="0" i="0" u="none" strike="noStrike" cap="none">
           <a:solidFill>
             <a:srgbClr val="000000"/>
           </a:solidFill>
@@ -6391,7 +6682,7 @@
           <a:sym typeface="Arial"/>
         </a:defRPr>
       </a:lvl3pPr>
-      <a:lvl4pPr lvl="3" marR="0" rtl="0" algn="l">
+      <a:lvl4pPr marR="0" lvl="3" algn="l" rtl="0">
         <a:lnSpc>
           <a:spcPct val="100000"/>
         </a:lnSpc>
@@ -6405,7 +6696,7 @@
           <a:srgbClr val="000000"/>
         </a:buClr>
         <a:buFont typeface="Arial"/>
-        <a:defRPr b="0" i="0" sz="1400" u="none" cap="none" strike="noStrike">
+        <a:defRPr sz="1400" b="0" i="0" u="none" strike="noStrike" cap="none">
           <a:solidFill>
             <a:srgbClr val="000000"/>
           </a:solidFill>
@@ -6415,7 +6706,7 @@
           <a:sym typeface="Arial"/>
         </a:defRPr>
       </a:lvl4pPr>
-      <a:lvl5pPr lvl="4" marR="0" rtl="0" algn="l">
+      <a:lvl5pPr marR="0" lvl="4" algn="l" rtl="0">
         <a:lnSpc>
           <a:spcPct val="100000"/>
         </a:lnSpc>
@@ -6429,7 +6720,7 @@
           <a:srgbClr val="000000"/>
         </a:buClr>
         <a:buFont typeface="Arial"/>
-        <a:defRPr b="0" i="0" sz="1400" u="none" cap="none" strike="noStrike">
+        <a:defRPr sz="1400" b="0" i="0" u="none" strike="noStrike" cap="none">
           <a:solidFill>
             <a:srgbClr val="000000"/>
           </a:solidFill>
@@ -6439,7 +6730,7 @@
           <a:sym typeface="Arial"/>
         </a:defRPr>
       </a:lvl5pPr>
-      <a:lvl6pPr lvl="5" marR="0" rtl="0" algn="l">
+      <a:lvl6pPr marR="0" lvl="5" algn="l" rtl="0">
         <a:lnSpc>
           <a:spcPct val="100000"/>
         </a:lnSpc>
@@ -6453,7 +6744,7 @@
           <a:srgbClr val="000000"/>
         </a:buClr>
         <a:buFont typeface="Arial"/>
-        <a:defRPr b="0" i="0" sz="1400" u="none" cap="none" strike="noStrike">
+        <a:defRPr sz="1400" b="0" i="0" u="none" strike="noStrike" cap="none">
           <a:solidFill>
             <a:srgbClr val="000000"/>
           </a:solidFill>
@@ -6463,7 +6754,7 @@
           <a:sym typeface="Arial"/>
         </a:defRPr>
       </a:lvl6pPr>
-      <a:lvl7pPr lvl="6" marR="0" rtl="0" algn="l">
+      <a:lvl7pPr marR="0" lvl="6" algn="l" rtl="0">
         <a:lnSpc>
           <a:spcPct val="100000"/>
         </a:lnSpc>
@@ -6477,7 +6768,7 @@
           <a:srgbClr val="000000"/>
         </a:buClr>
         <a:buFont typeface="Arial"/>
-        <a:defRPr b="0" i="0" sz="1400" u="none" cap="none" strike="noStrike">
+        <a:defRPr sz="1400" b="0" i="0" u="none" strike="noStrike" cap="none">
           <a:solidFill>
             <a:srgbClr val="000000"/>
           </a:solidFill>
@@ -6487,7 +6778,7 @@
           <a:sym typeface="Arial"/>
         </a:defRPr>
       </a:lvl7pPr>
-      <a:lvl8pPr lvl="7" marR="0" rtl="0" algn="l">
+      <a:lvl8pPr marR="0" lvl="7" algn="l" rtl="0">
         <a:lnSpc>
           <a:spcPct val="100000"/>
         </a:lnSpc>
@@ -6501,7 +6792,7 @@
           <a:srgbClr val="000000"/>
         </a:buClr>
         <a:buFont typeface="Arial"/>
-        <a:defRPr b="0" i="0" sz="1400" u="none" cap="none" strike="noStrike">
+        <a:defRPr sz="1400" b="0" i="0" u="none" strike="noStrike" cap="none">
           <a:solidFill>
             <a:srgbClr val="000000"/>
           </a:solidFill>
@@ -6511,7 +6802,7 @@
           <a:sym typeface="Arial"/>
         </a:defRPr>
       </a:lvl8pPr>
-      <a:lvl9pPr lvl="8" marR="0" rtl="0" algn="l">
+      <a:lvl9pPr marR="0" lvl="8" algn="l" rtl="0">
         <a:lnSpc>
           <a:spcPct val="100000"/>
         </a:lnSpc>
@@ -6525,7 +6816,7 @@
           <a:srgbClr val="000000"/>
         </a:buClr>
         <a:buFont typeface="Arial"/>
-        <a:defRPr b="0" i="0" sz="1400" u="none" cap="none" strike="noStrike">
+        <a:defRPr sz="1400" b="0" i="0" u="none" strike="noStrike" cap="none">
           <a:solidFill>
             <a:srgbClr val="000000"/>
           </a:solidFill>
@@ -6541,11 +6832,11 @@
 </file>
 
 <file path=ppt/slides/slide1.xml><?xml version="1.0" encoding="utf-8"?>
-<p:sld xmlns:a="http://schemas.openxmlformats.org/drawingml/2006/main" xmlns:r="http://schemas.openxmlformats.org/officeDocument/2006/relationships" xmlns:mc="http://schemas.openxmlformats.org/markup-compatibility/2006" xmlns:mv="urn:schemas-microsoft-com:mac:vml" xmlns:p="http://schemas.openxmlformats.org/presentationml/2006/main" xmlns:c="http://schemas.openxmlformats.org/drawingml/2006/chart" xmlns:dgm="http://schemas.openxmlformats.org/drawingml/2006/diagram" xmlns:o="urn:schemas-microsoft-com:office:office" xmlns:v="urn:schemas-microsoft-com:vml" xmlns:pvml="urn:schemas-microsoft-com:office:powerpoint" xmlns:com="http://schemas.openxmlformats.org/drawingml/2006/compatibility" xmlns:p14="http://schemas.microsoft.com/office/powerpoint/2010/main" xmlns:p15="http://schemas.microsoft.com/office/powerpoint/2012/main" xmlns:ahyp="http://schemas.microsoft.com/office/drawing/2018/hyperlinkcolor">
+<p:sld xmlns:a="http://schemas.openxmlformats.org/drawingml/2006/main" xmlns:r="http://schemas.openxmlformats.org/officeDocument/2006/relationships" xmlns:p="http://schemas.openxmlformats.org/presentationml/2006/main">
   <p:cSld>
     <p:spTree>
       <p:nvGrpSpPr>
-        <p:cNvPr id="53" name="Shape 53"/>
+        <p:cNvPr id="1" name="Shape 53"/>
         <p:cNvGrpSpPr/>
         <p:nvPr/>
       </p:nvGrpSpPr>
@@ -6577,12 +6868,12 @@
           </a:ln>
         </p:spPr>
         <p:txBody>
-          <a:bodyPr anchorCtr="0" anchor="b" bIns="91425" lIns="91425" spcFirstLastPara="1" rIns="91425" wrap="square" tIns="91425">
+          <a:bodyPr spcFirstLastPara="1" wrap="square" lIns="91425" tIns="91425" rIns="91425" bIns="91425" anchor="b" anchorCtr="0">
             <a:normAutofit/>
           </a:bodyPr>
           <a:lstStyle/>
           <a:p>
-            <a:pPr indent="0" lvl="0" marL="0" rtl="0" algn="ctr">
+            <a:pPr marL="0" lvl="0" indent="0" algn="ctr" rtl="0">
               <a:spcBef>
                 <a:spcPts val="0"/>
               </a:spcBef>
@@ -6627,12 +6918,12 @@
           </a:ln>
         </p:spPr>
         <p:txBody>
-          <a:bodyPr anchorCtr="0" anchor="t" bIns="91425" lIns="91425" spcFirstLastPara="1" rIns="91425" wrap="square" tIns="91425">
+          <a:bodyPr spcFirstLastPara="1" wrap="square" lIns="91425" tIns="91425" rIns="91425" bIns="91425" anchor="t" anchorCtr="0">
             <a:normAutofit/>
           </a:bodyPr>
           <a:lstStyle/>
           <a:p>
-            <a:pPr indent="0" lvl="0" marL="0" rtl="0" algn="ctr">
+            <a:pPr marL="0" lvl="0" indent="0" algn="ctr" rtl="0">
               <a:lnSpc>
                 <a:spcPct val="115000"/>
               </a:lnSpc>
@@ -6645,14 +6936,14 @@
               <a:buNone/>
             </a:pPr>
             <a:r>
-              <a:rPr b="1" lang="en" sz="1800">
+              <a:rPr lang="en" sz="1800" b="1">
                 <a:solidFill>
                   <a:schemeClr val="dk2"/>
                 </a:solidFill>
               </a:rPr>
               <a:t>5.14: Reproducibility</a:t>
             </a:r>
-            <a:endParaRPr b="1" sz="1800">
+            <a:endParaRPr sz="1800" b="1">
               <a:solidFill>
                 <a:schemeClr val="dk2"/>
               </a:solidFill>
@@ -6680,12 +6971,12 @@
           </a:ln>
         </p:spPr>
         <p:txBody>
-          <a:bodyPr anchorCtr="0" anchor="t" bIns="91425" lIns="91425" spcFirstLastPara="1" rIns="91425" wrap="square" tIns="91425">
+          <a:bodyPr spcFirstLastPara="1" wrap="square" lIns="91425" tIns="91425" rIns="91425" bIns="91425" anchor="t" anchorCtr="0">
             <a:normAutofit/>
           </a:bodyPr>
           <a:lstStyle/>
           <a:p>
-            <a:pPr indent="0" lvl="0" marL="0" rtl="0" algn="ctr">
+            <a:pPr marL="0" lvl="0" indent="0" algn="ctr" rtl="0">
               <a:lnSpc>
                 <a:spcPct val="80000"/>
               </a:lnSpc>
@@ -6698,21 +6989,37 @@
               <a:buNone/>
             </a:pPr>
             <a:r>
-              <a:rPr lang="en" sz="1679">
+              <a:rPr lang="en" sz="1679" dirty="0">
                 <a:solidFill>
                   <a:srgbClr val="595959"/>
                 </a:solidFill>
               </a:rPr>
-              <a:t>Annie Collins</a:t>
-            </a:r>
-            <a:endParaRPr sz="1580">
+              <a:t>Author: Annie Collins, Edited by: </a:t>
+            </a:r>
+            <a:r>
+              <a:rPr lang="en-CA" sz="1679" dirty="0">
+                <a:solidFill>
+                  <a:srgbClr val="595959"/>
+                </a:solidFill>
+              </a:rPr>
+              <a:t>D</a:t>
+            </a:r>
+            <a:r>
+              <a:rPr lang="en" sz="1679" dirty="0">
+                <a:solidFill>
+                  <a:srgbClr val="595959"/>
+                </a:solidFill>
+              </a:rPr>
+              <a:t>aniel Razavi</a:t>
+            </a:r>
+            <a:endParaRPr sz="1580" dirty="0">
               <a:solidFill>
                 <a:srgbClr val="595959"/>
               </a:solidFill>
             </a:endParaRPr>
           </a:p>
           <a:p>
-            <a:pPr indent="0" lvl="0" marL="0" rtl="0" algn="ctr">
+            <a:pPr marL="0" lvl="0" indent="0" algn="ctr" rtl="0">
               <a:lnSpc>
                 <a:spcPct val="80000"/>
               </a:lnSpc>
@@ -6725,14 +7032,14 @@
               <a:buNone/>
             </a:pPr>
             <a:r>
-              <a:rPr lang="en" sz="1679">
+              <a:rPr lang="en" sz="1679" dirty="0">
                 <a:solidFill>
                   <a:srgbClr val="595959"/>
                 </a:solidFill>
               </a:rPr>
               <a:t>Data Sciences Institute, University of Toronto</a:t>
             </a:r>
-            <a:endParaRPr sz="1679">
+            <a:endParaRPr sz="1679" dirty="0">
               <a:solidFill>
                 <a:srgbClr val="595959"/>
               </a:solidFill>
@@ -6749,11 +7056,182 @@
 </file>
 
 <file path=ppt/slides/slide10.xml><?xml version="1.0" encoding="utf-8"?>
-<p:sld xmlns:a="http://schemas.openxmlformats.org/drawingml/2006/main" xmlns:r="http://schemas.openxmlformats.org/officeDocument/2006/relationships" xmlns:mc="http://schemas.openxmlformats.org/markup-compatibility/2006" xmlns:mv="urn:schemas-microsoft-com:mac:vml" xmlns:p="http://schemas.openxmlformats.org/presentationml/2006/main" xmlns:c="http://schemas.openxmlformats.org/drawingml/2006/chart" xmlns:dgm="http://schemas.openxmlformats.org/drawingml/2006/diagram" xmlns:o="urn:schemas-microsoft-com:office:office" xmlns:v="urn:schemas-microsoft-com:vml" xmlns:pvml="urn:schemas-microsoft-com:office:powerpoint" xmlns:com="http://schemas.openxmlformats.org/drawingml/2006/compatibility" xmlns:p14="http://schemas.microsoft.com/office/powerpoint/2010/main" xmlns:p15="http://schemas.microsoft.com/office/powerpoint/2012/main" xmlns:ahyp="http://schemas.microsoft.com/office/drawing/2018/hyperlinkcolor">
+<p:sld xmlns:a="http://schemas.openxmlformats.org/drawingml/2006/main" xmlns:r="http://schemas.openxmlformats.org/officeDocument/2006/relationships" xmlns:p="http://schemas.openxmlformats.org/presentationml/2006/main">
   <p:cSld>
     <p:spTree>
       <p:nvGrpSpPr>
-        <p:cNvPr id="108" name="Shape 108"/>
+        <p:cNvPr id="1" name="Shape 102"/>
+        <p:cNvGrpSpPr/>
+        <p:nvPr/>
+      </p:nvGrpSpPr>
+      <p:grpSpPr>
+        <a:xfrm>
+          <a:off x="0" y="0"/>
+          <a:ext cx="0" cy="0"/>
+          <a:chOff x="0" y="0"/>
+          <a:chExt cx="0" cy="0"/>
+        </a:xfrm>
+      </p:grpSpPr>
+      <p:sp>
+        <p:nvSpPr>
+          <p:cNvPr id="103" name="Google Shape;103;p21"/>
+          <p:cNvSpPr txBox="1">
+            <a:spLocks noGrp="1"/>
+          </p:cNvSpPr>
+          <p:nvPr>
+            <p:ph type="title"/>
+          </p:nvPr>
+        </p:nvSpPr>
+        <p:spPr>
+          <a:xfrm>
+            <a:off x="311700" y="445025"/>
+            <a:ext cx="8520600" cy="572700"/>
+          </a:xfrm>
+          <a:prstGeom prst="rect">
+            <a:avLst/>
+          </a:prstGeom>
+        </p:spPr>
+        <p:txBody>
+          <a:bodyPr spcFirstLastPara="1" wrap="square" lIns="91425" tIns="91425" rIns="91425" bIns="91425" anchor="t" anchorCtr="0">
+            <a:normAutofit fontScale="90000"/>
+          </a:bodyPr>
+          <a:lstStyle/>
+          <a:p>
+            <a:pPr marL="0" lvl="0" indent="0" algn="l" rtl="0">
+              <a:spcBef>
+                <a:spcPts val="0"/>
+              </a:spcBef>
+              <a:spcAft>
+                <a:spcPts val="0"/>
+              </a:spcAft>
+              <a:buNone/>
+            </a:pPr>
+            <a:r>
+              <a:rPr lang="en"/>
+              <a:t>Data Documentation</a:t>
+            </a:r>
+            <a:endParaRPr/>
+          </a:p>
+        </p:txBody>
+      </p:sp>
+      <p:sp>
+        <p:nvSpPr>
+          <p:cNvPr id="104" name="Google Shape;104;p21"/>
+          <p:cNvSpPr txBox="1">
+            <a:spLocks noGrp="1"/>
+          </p:cNvSpPr>
+          <p:nvPr>
+            <p:ph type="body" idx="1"/>
+          </p:nvPr>
+        </p:nvSpPr>
+        <p:spPr>
+          <a:xfrm>
+            <a:off x="311700" y="1152475"/>
+            <a:ext cx="8520600" cy="3416400"/>
+          </a:xfrm>
+          <a:prstGeom prst="rect">
+            <a:avLst/>
+          </a:prstGeom>
+        </p:spPr>
+        <p:txBody>
+          <a:bodyPr spcFirstLastPara="1" wrap="square" lIns="91425" tIns="91425" rIns="91425" bIns="91425" anchor="t" anchorCtr="0">
+            <a:normAutofit/>
+          </a:bodyPr>
+          <a:lstStyle/>
+          <a:p>
+            <a:pPr marL="0" lvl="0" indent="0" algn="l" rtl="0">
+              <a:spcBef>
+                <a:spcPts val="0"/>
+              </a:spcBef>
+              <a:spcAft>
+                <a:spcPts val="0"/>
+              </a:spcAft>
+              <a:buClr>
+                <a:schemeClr val="dk1"/>
+              </a:buClr>
+              <a:buSzPts val="1100"/>
+              <a:buFont typeface="Arial"/>
+              <a:buNone/>
+            </a:pPr>
+            <a:r>
+              <a:rPr lang="en"/>
+              <a:t>Open data is one of the hallmarks of open science and reproducibility</a:t>
+            </a:r>
+            <a:endParaRPr/>
+          </a:p>
+          <a:p>
+            <a:pPr marL="0" lvl="0" indent="0" algn="l" rtl="0">
+              <a:spcBef>
+                <a:spcPts val="1200"/>
+              </a:spcBef>
+              <a:spcAft>
+                <a:spcPts val="0"/>
+              </a:spcAft>
+              <a:buClr>
+                <a:schemeClr val="dk1"/>
+              </a:buClr>
+              <a:buSzPts val="1100"/>
+              <a:buFont typeface="Arial"/>
+              <a:buNone/>
+            </a:pPr>
+            <a:r>
+              <a:rPr lang="en"/>
+              <a:t>Having access to the data behind a study is useless if you know nothing about how that data was collected or manipulated prior to analysis</a:t>
+            </a:r>
+            <a:endParaRPr b="1"/>
+          </a:p>
+          <a:p>
+            <a:pPr marL="0" lvl="0" indent="0" algn="l" rtl="0">
+              <a:spcBef>
+                <a:spcPts val="1200"/>
+              </a:spcBef>
+              <a:spcAft>
+                <a:spcPts val="0"/>
+              </a:spcAft>
+              <a:buNone/>
+            </a:pPr>
+            <a:r>
+              <a:rPr lang="en" b="1"/>
+              <a:t>Data documentation</a:t>
+            </a:r>
+            <a:r>
+              <a:rPr lang="en"/>
+              <a:t> refers to the process of recording all of the steps taken to obtain and process your data</a:t>
+            </a:r>
+            <a:endParaRPr/>
+          </a:p>
+          <a:p>
+            <a:pPr marL="0" lvl="0" indent="0" algn="l" rtl="0">
+              <a:spcBef>
+                <a:spcPts val="1200"/>
+              </a:spcBef>
+              <a:spcAft>
+                <a:spcPts val="1200"/>
+              </a:spcAft>
+              <a:buNone/>
+            </a:pPr>
+            <a:r>
+              <a:rPr lang="en"/>
+              <a:t>Similar to commenting code, documenting data communicates important features of your data set that may impact its analysis and allows other researchers to more easily reproduce your results</a:t>
+            </a:r>
+            <a:endParaRPr/>
+          </a:p>
+        </p:txBody>
+      </p:sp>
+    </p:spTree>
+  </p:cSld>
+  <p:clrMapOvr>
+    <a:masterClrMapping/>
+  </p:clrMapOvr>
+</p:sld>
+</file>
+
+<file path=ppt/slides/slide11.xml><?xml version="1.0" encoding="utf-8"?>
+<p:sld xmlns:a="http://schemas.openxmlformats.org/drawingml/2006/main" xmlns:r="http://schemas.openxmlformats.org/officeDocument/2006/relationships" xmlns:p="http://schemas.openxmlformats.org/presentationml/2006/main">
+  <p:cSld>
+    <p:spTree>
+      <p:nvGrpSpPr>
+        <p:cNvPr id="1" name="Shape 108"/>
         <p:cNvGrpSpPr/>
         <p:nvPr/>
       </p:nvGrpSpPr>
@@ -6768,7 +7246,9 @@
       <p:sp>
         <p:nvSpPr>
           <p:cNvPr id="109" name="Google Shape;109;p22"/>
-          <p:cNvSpPr txBox="1"/>
+          <p:cNvSpPr txBox="1">
+            <a:spLocks noGrp="1"/>
+          </p:cNvSpPr>
           <p:nvPr>
             <p:ph type="title"/>
           </p:nvPr>
@@ -6783,12 +7263,12 @@
           </a:prstGeom>
         </p:spPr>
         <p:txBody>
-          <a:bodyPr anchorCtr="0" anchor="t" bIns="91425" lIns="91425" spcFirstLastPara="1" rIns="91425" wrap="square" tIns="91425">
+          <a:bodyPr spcFirstLastPara="1" wrap="square" lIns="91425" tIns="91425" rIns="91425" bIns="91425" anchor="t" anchorCtr="0">
             <a:normAutofit fontScale="90000"/>
           </a:bodyPr>
           <a:lstStyle/>
           <a:p>
-            <a:pPr indent="0" lvl="0" marL="0" rtl="0" algn="l">
+            <a:pPr marL="0" lvl="0" indent="0" algn="l" rtl="0">
               <a:spcBef>
                 <a:spcPts val="0"/>
               </a:spcBef>
@@ -6808,9 +7288,11 @@
       <p:sp>
         <p:nvSpPr>
           <p:cNvPr id="110" name="Google Shape;110;p22"/>
-          <p:cNvSpPr txBox="1"/>
+          <p:cNvSpPr txBox="1">
+            <a:spLocks noGrp="1"/>
+          </p:cNvSpPr>
           <p:nvPr>
-            <p:ph idx="1" type="body"/>
+            <p:ph type="body" idx="1"/>
           </p:nvPr>
         </p:nvSpPr>
         <p:spPr>
@@ -6823,12 +7305,12 @@
           </a:prstGeom>
         </p:spPr>
         <p:txBody>
-          <a:bodyPr anchorCtr="0" anchor="t" bIns="91425" lIns="91425" spcFirstLastPara="1" rIns="91425" wrap="square" tIns="91425">
+          <a:bodyPr spcFirstLastPara="1" wrap="square" lIns="91425" tIns="91425" rIns="91425" bIns="91425" anchor="t" anchorCtr="0">
             <a:normAutofit fontScale="85000" lnSpcReduction="20000"/>
           </a:bodyPr>
           <a:lstStyle/>
           <a:p>
-            <a:pPr indent="0" lvl="0" marL="0" rtl="0" algn="l">
+            <a:pPr marL="0" lvl="0" indent="0" algn="l" rtl="0">
               <a:spcBef>
                 <a:spcPts val="0"/>
               </a:spcBef>
@@ -6844,7 +7326,7 @@
             <a:endParaRPr/>
           </a:p>
           <a:p>
-            <a:pPr indent="-325755" lvl="0" marL="457200" rtl="0" algn="l">
+            <a:pPr marL="457200" lvl="0" indent="-325755" algn="l" rtl="0">
               <a:spcBef>
                 <a:spcPts val="1200"/>
               </a:spcBef>
@@ -6861,7 +7343,7 @@
             <a:endParaRPr/>
           </a:p>
           <a:p>
-            <a:pPr indent="-304165" lvl="1" marL="914400" rtl="0" algn="l">
+            <a:pPr marL="914400" lvl="1" indent="-304165" algn="l" rtl="0">
               <a:spcBef>
                 <a:spcPts val="0"/>
               </a:spcBef>
@@ -6878,7 +7360,7 @@
             <a:endParaRPr/>
           </a:p>
           <a:p>
-            <a:pPr indent="-325755" lvl="0" marL="457200" rtl="0" algn="l">
+            <a:pPr marL="457200" lvl="0" indent="-325755" algn="l" rtl="0">
               <a:spcBef>
                 <a:spcPts val="0"/>
               </a:spcBef>
@@ -6895,7 +7377,7 @@
             <a:endParaRPr/>
           </a:p>
           <a:p>
-            <a:pPr indent="-304165" lvl="1" marL="914400" rtl="0" algn="l">
+            <a:pPr marL="914400" lvl="1" indent="-304165" algn="l" rtl="0">
               <a:spcBef>
                 <a:spcPts val="0"/>
               </a:spcBef>
@@ -6907,20 +7389,12 @@
             </a:pPr>
             <a:r>
               <a:rPr lang="en"/>
-              <a:t>Type of sampling used, </a:t>
-            </a:r>
-            <a:r>
-              <a:rPr lang="en"/>
-              <a:t>eligibility</a:t>
-            </a:r>
-            <a:r>
-              <a:rPr lang="en"/>
-              <a:t> criteria, sample size, any supplemental data used</a:t>
+              <a:t>Type of sampling used, eligibility criteria, sample size, any supplemental data used</a:t>
             </a:r>
             <a:endParaRPr/>
           </a:p>
           <a:p>
-            <a:pPr indent="-325755" lvl="0" marL="457200" rtl="0" algn="l">
+            <a:pPr marL="457200" lvl="0" indent="-325755" algn="l" rtl="0">
               <a:spcBef>
                 <a:spcPts val="0"/>
               </a:spcBef>
@@ -6937,7 +7411,7 @@
             <a:endParaRPr/>
           </a:p>
           <a:p>
-            <a:pPr indent="-325755" lvl="0" marL="457200" rtl="0" algn="l">
+            <a:pPr marL="457200" lvl="0" indent="-325755" algn="l" rtl="0">
               <a:spcBef>
                 <a:spcPts val="0"/>
               </a:spcBef>
@@ -6954,7 +7428,7 @@
             <a:endParaRPr/>
           </a:p>
           <a:p>
-            <a:pPr indent="-304165" lvl="1" marL="914400" rtl="0" algn="l">
+            <a:pPr marL="914400" lvl="1" indent="-304165" algn="l" rtl="0">
               <a:spcBef>
                 <a:spcPts val="0"/>
               </a:spcBef>
@@ -6971,7 +7445,7 @@
             <a:endParaRPr/>
           </a:p>
           <a:p>
-            <a:pPr indent="-325755" lvl="0" marL="457200" rtl="0" algn="l">
+            <a:pPr marL="457200" lvl="0" indent="-325755" algn="l" rtl="0">
               <a:spcBef>
                 <a:spcPts val="0"/>
               </a:spcBef>
@@ -6988,7 +7462,7 @@
             <a:endParaRPr/>
           </a:p>
           <a:p>
-            <a:pPr indent="-325755" lvl="0" marL="457200" rtl="0" algn="l">
+            <a:pPr marL="457200" lvl="0" indent="-325755" algn="l" rtl="0">
               <a:spcBef>
                 <a:spcPts val="0"/>
               </a:spcBef>
@@ -7005,7 +7479,7 @@
             <a:endParaRPr/>
           </a:p>
           <a:p>
-            <a:pPr indent="-304165" lvl="1" marL="914400" rtl="0" algn="l">
+            <a:pPr marL="914400" lvl="1" indent="-304165" algn="l" rtl="0">
               <a:spcBef>
                 <a:spcPts val="0"/>
               </a:spcBef>
@@ -7022,7 +7496,7 @@
             <a:endParaRPr/>
           </a:p>
           <a:p>
-            <a:pPr indent="-325755" lvl="0" marL="457200" rtl="0" algn="l">
+            <a:pPr marL="457200" lvl="0" indent="-325755" algn="l" rtl="0">
               <a:spcBef>
                 <a:spcPts val="0"/>
               </a:spcBef>
@@ -7039,7 +7513,7 @@
             <a:endParaRPr/>
           </a:p>
           <a:p>
-            <a:pPr indent="-304165" lvl="1" marL="914400" rtl="0" algn="l">
+            <a:pPr marL="914400" lvl="1" indent="-304165" algn="l" rtl="0">
               <a:spcBef>
                 <a:spcPts val="0"/>
               </a:spcBef>
@@ -7056,7 +7530,7 @@
             <a:endParaRPr/>
           </a:p>
           <a:p>
-            <a:pPr indent="-325755" lvl="0" marL="457200" rtl="0" algn="l">
+            <a:pPr marL="457200" lvl="0" indent="-325755" algn="l" rtl="0">
               <a:spcBef>
                 <a:spcPts val="0"/>
               </a:spcBef>
@@ -7073,7 +7547,7 @@
             <a:endParaRPr/>
           </a:p>
           <a:p>
-            <a:pPr indent="-304165" lvl="1" marL="914400" rtl="0" algn="l">
+            <a:pPr marL="914400" lvl="1" indent="-304165" algn="l" rtl="0">
               <a:spcBef>
                 <a:spcPts val="0"/>
               </a:spcBef>
@@ -7099,12 +7573,12 @@
 </p:sld>
 </file>
 
-<file path=ppt/slides/slide11.xml><?xml version="1.0" encoding="utf-8"?>
-<p:sld xmlns:a="http://schemas.openxmlformats.org/drawingml/2006/main" xmlns:r="http://schemas.openxmlformats.org/officeDocument/2006/relationships" xmlns:mc="http://schemas.openxmlformats.org/markup-compatibility/2006" xmlns:mv="urn:schemas-microsoft-com:mac:vml" xmlns:p="http://schemas.openxmlformats.org/presentationml/2006/main" xmlns:c="http://schemas.openxmlformats.org/drawingml/2006/chart" xmlns:dgm="http://schemas.openxmlformats.org/drawingml/2006/diagram" xmlns:o="urn:schemas-microsoft-com:office:office" xmlns:v="urn:schemas-microsoft-com:vml" xmlns:pvml="urn:schemas-microsoft-com:office:powerpoint" xmlns:com="http://schemas.openxmlformats.org/drawingml/2006/compatibility" xmlns:p14="http://schemas.microsoft.com/office/powerpoint/2010/main" xmlns:p15="http://schemas.microsoft.com/office/powerpoint/2012/main" xmlns:ahyp="http://schemas.microsoft.com/office/drawing/2018/hyperlinkcolor">
+<file path=ppt/slides/slide12.xml><?xml version="1.0" encoding="utf-8"?>
+<p:sld xmlns:a="http://schemas.openxmlformats.org/drawingml/2006/main" xmlns:r="http://schemas.openxmlformats.org/officeDocument/2006/relationships" xmlns:p="http://schemas.openxmlformats.org/presentationml/2006/main">
   <p:cSld>
     <p:spTree>
       <p:nvGrpSpPr>
-        <p:cNvPr id="114" name="Shape 114"/>
+        <p:cNvPr id="1" name="Shape 114"/>
         <p:cNvGrpSpPr/>
         <p:nvPr/>
       </p:nvGrpSpPr>
@@ -7119,7 +7593,9 @@
       <p:sp>
         <p:nvSpPr>
           <p:cNvPr id="115" name="Google Shape;115;p23"/>
-          <p:cNvSpPr txBox="1"/>
+          <p:cNvSpPr txBox="1">
+            <a:spLocks noGrp="1"/>
+          </p:cNvSpPr>
           <p:nvPr>
             <p:ph type="title"/>
           </p:nvPr>
@@ -7134,12 +7610,12 @@
           </a:prstGeom>
         </p:spPr>
         <p:txBody>
-          <a:bodyPr anchorCtr="0" anchor="t" bIns="91425" lIns="91425" spcFirstLastPara="1" rIns="91425" wrap="square" tIns="91425">
+          <a:bodyPr spcFirstLastPara="1" wrap="square" lIns="91425" tIns="91425" rIns="91425" bIns="91425" anchor="t" anchorCtr="0">
             <a:normAutofit fontScale="90000"/>
           </a:bodyPr>
           <a:lstStyle/>
           <a:p>
-            <a:pPr indent="0" lvl="0" marL="0" rtl="0" algn="l">
+            <a:pPr marL="0" lvl="0" indent="0" algn="l" rtl="0">
               <a:spcBef>
                 <a:spcPts val="0"/>
               </a:spcBef>
@@ -7159,9 +7635,11 @@
       <p:sp>
         <p:nvSpPr>
           <p:cNvPr id="116" name="Google Shape;116;p23"/>
-          <p:cNvSpPr txBox="1"/>
+          <p:cNvSpPr txBox="1">
+            <a:spLocks noGrp="1"/>
+          </p:cNvSpPr>
           <p:nvPr>
-            <p:ph idx="1" type="body"/>
+            <p:ph type="body" idx="1"/>
           </p:nvPr>
         </p:nvSpPr>
         <p:spPr>
@@ -7174,12 +7652,12 @@
           </a:prstGeom>
         </p:spPr>
         <p:txBody>
-          <a:bodyPr anchorCtr="0" anchor="t" bIns="91425" lIns="91425" spcFirstLastPara="1" rIns="91425" wrap="square" tIns="91425">
+          <a:bodyPr spcFirstLastPara="1" wrap="square" lIns="91425" tIns="91425" rIns="91425" bIns="91425" anchor="t" anchorCtr="0">
             <a:normAutofit/>
           </a:bodyPr>
           <a:lstStyle/>
           <a:p>
-            <a:pPr indent="0" lvl="0" marL="0" rtl="0" algn="l">
+            <a:pPr marL="0" lvl="0" indent="0" algn="l" rtl="0">
               <a:spcBef>
                 <a:spcPts val="0"/>
               </a:spcBef>
@@ -7195,7 +7673,7 @@
             <a:endParaRPr/>
           </a:p>
           <a:p>
-            <a:pPr indent="-342900" lvl="0" marL="457200" rtl="0" algn="l">
+            <a:pPr marL="457200" lvl="0" indent="-342900" algn="l" rtl="0">
               <a:spcBef>
                 <a:spcPts val="1200"/>
               </a:spcBef>
@@ -7212,7 +7690,7 @@
             <a:endParaRPr/>
           </a:p>
           <a:p>
-            <a:pPr indent="-342900" lvl="0" marL="457200" rtl="0" algn="l">
+            <a:pPr marL="457200" lvl="0" indent="-342900" algn="l" rtl="0">
               <a:spcBef>
                 <a:spcPts val="0"/>
               </a:spcBef>
@@ -7224,20 +7702,12 @@
             </a:pPr>
             <a:r>
               <a:rPr lang="en"/>
-              <a:t>Including all </a:t>
-            </a:r>
-            <a:r>
-              <a:rPr lang="en"/>
-              <a:t>original</a:t>
-            </a:r>
-            <a:r>
-              <a:rPr lang="en"/>
-              <a:t> questionnaire or survey materials</a:t>
+              <a:t>Including all original questionnaire or survey materials</a:t>
             </a:r>
             <a:endParaRPr/>
           </a:p>
           <a:p>
-            <a:pPr indent="-342900" lvl="0" marL="457200" rtl="0" algn="l">
+            <a:pPr marL="457200" lvl="0" indent="-342900" algn="l" rtl="0">
               <a:spcBef>
                 <a:spcPts val="0"/>
               </a:spcBef>
@@ -7254,7 +7724,7 @@
             <a:endParaRPr/>
           </a:p>
           <a:p>
-            <a:pPr indent="-317500" lvl="1" marL="914400" rtl="0" algn="l">
+            <a:pPr marL="914400" lvl="1" indent="-317500" algn="l" rtl="0">
               <a:spcBef>
                 <a:spcPts val="0"/>
               </a:spcBef>
@@ -7271,7 +7741,7 @@
             <a:endParaRPr/>
           </a:p>
           <a:p>
-            <a:pPr indent="0" lvl="0" marL="0" rtl="0" algn="l">
+            <a:pPr marL="0" lvl="0" indent="0" algn="l" rtl="0">
               <a:spcBef>
                 <a:spcPts val="1200"/>
               </a:spcBef>
@@ -7285,7 +7755,7 @@
               <a:t>Website like </a:t>
             </a:r>
             <a:r>
-              <a:rPr b="1" lang="en"/>
+              <a:rPr lang="en" b="1"/>
               <a:t>GitHub</a:t>
             </a:r>
             <a:r>
@@ -7293,7 +7763,7 @@
               <a:t> and </a:t>
             </a:r>
             <a:r>
-              <a:rPr b="1" lang="en"/>
+              <a:rPr lang="en" b="1"/>
               <a:t>The Open Science Framework (OSF)</a:t>
             </a:r>
             <a:r>
@@ -7312,12 +7782,12 @@
 </p:sld>
 </file>
 
-<file path=ppt/slides/slide12.xml><?xml version="1.0" encoding="utf-8"?>
-<p:sld xmlns:a="http://schemas.openxmlformats.org/drawingml/2006/main" xmlns:r="http://schemas.openxmlformats.org/officeDocument/2006/relationships" xmlns:mc="http://schemas.openxmlformats.org/markup-compatibility/2006" xmlns:mv="urn:schemas-microsoft-com:mac:vml" xmlns:p="http://schemas.openxmlformats.org/presentationml/2006/main" xmlns:c="http://schemas.openxmlformats.org/drawingml/2006/chart" xmlns:dgm="http://schemas.openxmlformats.org/drawingml/2006/diagram" xmlns:o="urn:schemas-microsoft-com:office:office" xmlns:v="urn:schemas-microsoft-com:vml" xmlns:pvml="urn:schemas-microsoft-com:office:powerpoint" xmlns:com="http://schemas.openxmlformats.org/drawingml/2006/compatibility" xmlns:p14="http://schemas.microsoft.com/office/powerpoint/2010/main" xmlns:p15="http://schemas.microsoft.com/office/powerpoint/2012/main" xmlns:ahyp="http://schemas.microsoft.com/office/drawing/2018/hyperlinkcolor">
+<file path=ppt/slides/slide13.xml><?xml version="1.0" encoding="utf-8"?>
+<p:sld xmlns:a="http://schemas.openxmlformats.org/drawingml/2006/main" xmlns:r="http://schemas.openxmlformats.org/officeDocument/2006/relationships" xmlns:p="http://schemas.openxmlformats.org/presentationml/2006/main">
   <p:cSld>
     <p:spTree>
       <p:nvGrpSpPr>
-        <p:cNvPr id="120" name="Shape 120"/>
+        <p:cNvPr id="1" name="Shape 120"/>
         <p:cNvGrpSpPr/>
         <p:nvPr/>
       </p:nvGrpSpPr>
@@ -7332,9 +7802,11 @@
       <p:sp>
         <p:nvSpPr>
           <p:cNvPr id="121" name="Google Shape;121;p24"/>
-          <p:cNvSpPr txBox="1"/>
+          <p:cNvSpPr txBox="1">
+            <a:spLocks noGrp="1"/>
+          </p:cNvSpPr>
           <p:nvPr>
-            <p:ph idx="12" type="sldNum"/>
+            <p:ph type="sldNum" idx="12"/>
           </p:nvPr>
         </p:nvSpPr>
         <p:spPr>
@@ -7347,12 +7819,12 @@
           </a:prstGeom>
         </p:spPr>
         <p:txBody>
-          <a:bodyPr anchorCtr="0" anchor="ctr" bIns="91425" lIns="91425" spcFirstLastPara="1" rIns="91425" wrap="square" tIns="91425">
+          <a:bodyPr spcFirstLastPara="1" wrap="square" lIns="91425" tIns="91425" rIns="91425" bIns="91425" anchor="ctr" anchorCtr="0">
             <a:normAutofit/>
           </a:bodyPr>
           <a:lstStyle/>
           <a:p>
-            <a:pPr indent="0" lvl="0" marL="0" rtl="0" algn="r">
+            <a:pPr marL="0" lvl="0" indent="0" algn="r" rtl="0">
               <a:spcBef>
                 <a:spcPts val="0"/>
               </a:spcBef>
@@ -7363,7 +7835,7 @@
             </a:pPr>
             <a:fld id="{00000000-1234-1234-1234-123412341234}" type="slidenum">
               <a:rPr lang="en"/>
-              <a:t>‹#›</a:t>
+              <a:t>13</a:t>
             </a:fld>
             <a:endParaRPr/>
           </a:p>
@@ -7389,12 +7861,12 @@
           </a:ln>
         </p:spPr>
         <p:txBody>
-          <a:bodyPr anchorCtr="0" anchor="ctr" bIns="91425" lIns="91425" spcFirstLastPara="1" rIns="91425" wrap="square" tIns="91425">
+          <a:bodyPr spcFirstLastPara="1" wrap="square" lIns="91425" tIns="91425" rIns="91425" bIns="91425" anchor="ctr" anchorCtr="0">
             <a:noAutofit/>
           </a:bodyPr>
           <a:lstStyle/>
           <a:p>
-            <a:pPr indent="0" lvl="0" marL="0" rtl="0" algn="ctr">
+            <a:pPr marL="0" lvl="0" indent="0" algn="ctr" rtl="0">
               <a:spcBef>
                 <a:spcPts val="0"/>
               </a:spcBef>
@@ -7439,29 +7911,29 @@
           </a:ln>
         </p:spPr>
         <p:txBody>
-          <a:bodyPr anchorCtr="0" anchor="ctr" bIns="91425" lIns="91425" spcFirstLastPara="1" rIns="91425" wrap="square" tIns="91425">
+          <a:bodyPr spcFirstLastPara="1" wrap="square" lIns="91425" tIns="91425" rIns="91425" bIns="91425" anchor="ctr" anchorCtr="0">
             <a:noAutofit/>
           </a:bodyPr>
           <a:lstStyle/>
           <a:p>
-            <a:pPr indent="0" lvl="0" marL="0" rtl="0" algn="ctr">
-              <a:spcBef>
-                <a:spcPts val="0"/>
-              </a:spcBef>
-              <a:spcAft>
-                <a:spcPts val="0"/>
-              </a:spcAft>
-              <a:buNone/>
-            </a:pPr>
-            <a:r>
-              <a:rPr b="1" lang="en" sz="3400">
+            <a:pPr marL="0" lvl="0" indent="0" algn="ctr" rtl="0">
+              <a:spcBef>
+                <a:spcPts val="0"/>
+              </a:spcBef>
+              <a:spcAft>
+                <a:spcPts val="0"/>
+              </a:spcAft>
+              <a:buNone/>
+            </a:pPr>
+            <a:r>
+              <a:rPr lang="en" sz="3400" b="1">
                 <a:solidFill>
                   <a:srgbClr val="000000"/>
                 </a:solidFill>
               </a:rPr>
               <a:t>Next</a:t>
             </a:r>
-            <a:endParaRPr b="1" sz="3400">
+            <a:endParaRPr sz="3400" b="1">
               <a:solidFill>
                 <a:srgbClr val="000000"/>
               </a:solidFill>
@@ -7478,11 +7950,11 @@
 </file>
 
 <file path=ppt/slides/slide2.xml><?xml version="1.0" encoding="utf-8"?>
-<p:sld xmlns:a="http://schemas.openxmlformats.org/drawingml/2006/main" xmlns:r="http://schemas.openxmlformats.org/officeDocument/2006/relationships" xmlns:mc="http://schemas.openxmlformats.org/markup-compatibility/2006" xmlns:mv="urn:schemas-microsoft-com:mac:vml" xmlns:p="http://schemas.openxmlformats.org/presentationml/2006/main" xmlns:c="http://schemas.openxmlformats.org/drawingml/2006/chart" xmlns:dgm="http://schemas.openxmlformats.org/drawingml/2006/diagram" xmlns:o="urn:schemas-microsoft-com:office:office" xmlns:v="urn:schemas-microsoft-com:vml" xmlns:pvml="urn:schemas-microsoft-com:office:powerpoint" xmlns:com="http://schemas.openxmlformats.org/drawingml/2006/compatibility" xmlns:p14="http://schemas.microsoft.com/office/powerpoint/2010/main" xmlns:p15="http://schemas.microsoft.com/office/powerpoint/2012/main" xmlns:ahyp="http://schemas.microsoft.com/office/drawing/2018/hyperlinkcolor">
+<p:sld xmlns:a="http://schemas.openxmlformats.org/drawingml/2006/main" xmlns:r="http://schemas.openxmlformats.org/officeDocument/2006/relationships" xmlns:p="http://schemas.openxmlformats.org/presentationml/2006/main">
   <p:cSld>
     <p:spTree>
       <p:nvGrpSpPr>
-        <p:cNvPr id="60" name="Shape 60"/>
+        <p:cNvPr id="1" name="Shape 60"/>
         <p:cNvGrpSpPr/>
         <p:nvPr/>
       </p:nvGrpSpPr>
@@ -7497,7 +7969,9 @@
       <p:sp>
         <p:nvSpPr>
           <p:cNvPr id="61" name="Google Shape;61;p14"/>
-          <p:cNvSpPr txBox="1"/>
+          <p:cNvSpPr txBox="1">
+            <a:spLocks noGrp="1"/>
+          </p:cNvSpPr>
           <p:nvPr>
             <p:ph type="title"/>
           </p:nvPr>
@@ -7512,25 +7986,25 @@
           </a:prstGeom>
         </p:spPr>
         <p:txBody>
-          <a:bodyPr anchorCtr="0" anchor="ctr" bIns="91425" lIns="91425" spcFirstLastPara="1" rIns="91425" wrap="square" tIns="91425">
+          <a:bodyPr spcFirstLastPara="1" wrap="square" lIns="91425" tIns="91425" rIns="91425" bIns="91425" anchor="ctr" anchorCtr="0">
             <a:normAutofit/>
           </a:bodyPr>
           <a:lstStyle/>
           <a:p>
-            <a:pPr indent="0" lvl="0" marL="0" rtl="0" algn="ctr">
-              <a:spcBef>
-                <a:spcPts val="0"/>
-              </a:spcBef>
-              <a:spcAft>
-                <a:spcPts val="0"/>
-              </a:spcAft>
-              <a:buNone/>
-            </a:pPr>
-            <a:r>
-              <a:rPr lang="en"/>
-              <a:t>Sampling in R</a:t>
-            </a:r>
-            <a:endParaRPr/>
+            <a:pPr marL="0" lvl="0" indent="0" algn="ctr" rtl="0">
+              <a:spcBef>
+                <a:spcPts val="0"/>
+              </a:spcBef>
+              <a:spcAft>
+                <a:spcPts val="0"/>
+              </a:spcAft>
+              <a:buNone/>
+            </a:pPr>
+            <a:r>
+              <a:rPr lang="en" dirty="0"/>
+              <a:t>Sampling in Python &amp; R</a:t>
+            </a:r>
+            <a:endParaRPr dirty="0"/>
           </a:p>
         </p:txBody>
       </p:sp>
@@ -7543,11 +8017,11 @@
 </file>
 
 <file path=ppt/slides/slide3.xml><?xml version="1.0" encoding="utf-8"?>
-<p:sld xmlns:a="http://schemas.openxmlformats.org/drawingml/2006/main" xmlns:r="http://schemas.openxmlformats.org/officeDocument/2006/relationships" xmlns:mc="http://schemas.openxmlformats.org/markup-compatibility/2006" xmlns:mv="urn:schemas-microsoft-com:mac:vml" xmlns:p="http://schemas.openxmlformats.org/presentationml/2006/main" xmlns:c="http://schemas.openxmlformats.org/drawingml/2006/chart" xmlns:dgm="http://schemas.openxmlformats.org/drawingml/2006/diagram" xmlns:o="urn:schemas-microsoft-com:office:office" xmlns:v="urn:schemas-microsoft-com:vml" xmlns:pvml="urn:schemas-microsoft-com:office:powerpoint" xmlns:com="http://schemas.openxmlformats.org/drawingml/2006/compatibility" xmlns:p14="http://schemas.microsoft.com/office/powerpoint/2010/main" xmlns:p15="http://schemas.microsoft.com/office/powerpoint/2012/main" xmlns:ahyp="http://schemas.microsoft.com/office/drawing/2018/hyperlinkcolor">
+<p:sld xmlns:a="http://schemas.openxmlformats.org/drawingml/2006/main" xmlns:r="http://schemas.openxmlformats.org/officeDocument/2006/relationships" xmlns:p="http://schemas.openxmlformats.org/presentationml/2006/main">
   <p:cSld>
     <p:spTree>
       <p:nvGrpSpPr>
-        <p:cNvPr id="65" name="Shape 65"/>
+        <p:cNvPr id="1" name="Shape 65"/>
         <p:cNvGrpSpPr/>
         <p:nvPr/>
       </p:nvGrpSpPr>
@@ -7562,7 +8036,9 @@
       <p:sp>
         <p:nvSpPr>
           <p:cNvPr id="66" name="Google Shape;66;p15"/>
-          <p:cNvSpPr txBox="1"/>
+          <p:cNvSpPr txBox="1">
+            <a:spLocks noGrp="1"/>
+          </p:cNvSpPr>
           <p:nvPr>
             <p:ph type="title"/>
           </p:nvPr>
@@ -7577,34 +8053,36 @@
           </a:prstGeom>
         </p:spPr>
         <p:txBody>
-          <a:bodyPr anchorCtr="0" anchor="t" bIns="91425" lIns="91425" spcFirstLastPara="1" rIns="91425" wrap="square" tIns="91425">
+          <a:bodyPr spcFirstLastPara="1" wrap="square" lIns="91425" tIns="91425" rIns="91425" bIns="91425" anchor="t" anchorCtr="0">
             <a:normAutofit fontScale="90000"/>
           </a:bodyPr>
           <a:lstStyle/>
           <a:p>
-            <a:pPr indent="0" lvl="0" marL="0" rtl="0" algn="l">
-              <a:spcBef>
-                <a:spcPts val="0"/>
-              </a:spcBef>
-              <a:spcAft>
-                <a:spcPts val="0"/>
-              </a:spcAft>
-              <a:buNone/>
-            </a:pPr>
-            <a:r>
-              <a:rPr lang="en"/>
-              <a:t>Sampling in R</a:t>
-            </a:r>
-            <a:endParaRPr/>
+            <a:pPr marL="0" lvl="0" indent="0" algn="l" rtl="0">
+              <a:spcBef>
+                <a:spcPts val="0"/>
+              </a:spcBef>
+              <a:spcAft>
+                <a:spcPts val="0"/>
+              </a:spcAft>
+              <a:buNone/>
+            </a:pPr>
+            <a:r>
+              <a:rPr lang="en" dirty="0"/>
+              <a:t>Sampling in Python &amp; R</a:t>
+            </a:r>
+            <a:endParaRPr dirty="0"/>
           </a:p>
         </p:txBody>
       </p:sp>
       <p:sp>
         <p:nvSpPr>
           <p:cNvPr id="67" name="Google Shape;67;p15"/>
-          <p:cNvSpPr txBox="1"/>
+          <p:cNvSpPr txBox="1">
+            <a:spLocks noGrp="1"/>
+          </p:cNvSpPr>
           <p:nvPr>
-            <p:ph idx="1" type="body"/>
+            <p:ph type="body" idx="1"/>
           </p:nvPr>
         </p:nvSpPr>
         <p:spPr>
@@ -7617,28 +8095,28 @@
           </a:prstGeom>
         </p:spPr>
         <p:txBody>
-          <a:bodyPr anchorCtr="0" anchor="t" bIns="91425" lIns="91425" spcFirstLastPara="1" rIns="91425" wrap="square" tIns="91425">
-            <a:normAutofit lnSpcReduction="10000"/>
+          <a:bodyPr spcFirstLastPara="1" wrap="square" lIns="91425" tIns="91425" rIns="91425" bIns="91425" anchor="t" anchorCtr="0">
+            <a:normAutofit fontScale="70000" lnSpcReduction="20000"/>
           </a:bodyPr>
           <a:lstStyle/>
           <a:p>
-            <a:pPr indent="0" lvl="0" marL="0" rtl="0" algn="l">
-              <a:spcBef>
-                <a:spcPts val="0"/>
-              </a:spcBef>
-              <a:spcAft>
-                <a:spcPts val="0"/>
-              </a:spcAft>
-              <a:buNone/>
-            </a:pPr>
-            <a:r>
-              <a:rPr lang="en"/>
-              <a:t>Some reasons you might need to sample in R:</a:t>
-            </a:r>
-            <a:endParaRPr/>
-          </a:p>
-          <a:p>
-            <a:pPr indent="-342900" lvl="0" marL="457200" rtl="0" algn="l">
+            <a:pPr marL="0" lvl="0" indent="0" algn="l" rtl="0">
+              <a:spcBef>
+                <a:spcPts val="0"/>
+              </a:spcBef>
+              <a:spcAft>
+                <a:spcPts val="0"/>
+              </a:spcAft>
+              <a:buNone/>
+            </a:pPr>
+            <a:r>
+              <a:rPr lang="en" dirty="0"/>
+              <a:t>Some reasons you might need to sample in Python/R:</a:t>
+            </a:r>
+            <a:endParaRPr dirty="0"/>
+          </a:p>
+          <a:p>
+            <a:pPr marL="457200" lvl="0" indent="-342900" algn="l" rtl="0">
               <a:spcBef>
                 <a:spcPts val="1200"/>
               </a:spcBef>
@@ -7649,13 +8127,13 @@
               <a:buChar char="●"/>
             </a:pPr>
             <a:r>
-              <a:rPr lang="en"/>
+              <a:rPr lang="en" dirty="0"/>
               <a:t>Simulating data</a:t>
             </a:r>
-            <a:endParaRPr/>
-          </a:p>
-          <a:p>
-            <a:pPr indent="-342900" lvl="0" marL="457200" rtl="0" algn="l">
+            <a:endParaRPr dirty="0"/>
+          </a:p>
+          <a:p>
+            <a:pPr marL="457200" lvl="0" indent="-342900" algn="l" rtl="0">
               <a:spcBef>
                 <a:spcPts val="0"/>
               </a:spcBef>
@@ -7666,13 +8144,13 @@
               <a:buChar char="●"/>
             </a:pPr>
             <a:r>
-              <a:rPr lang="en"/>
+              <a:rPr lang="en" dirty="0"/>
               <a:t>Bootstrap sampling</a:t>
             </a:r>
-            <a:endParaRPr/>
-          </a:p>
-          <a:p>
-            <a:pPr indent="-342900" lvl="0" marL="457200" rtl="0" algn="l">
+            <a:endParaRPr dirty="0"/>
+          </a:p>
+          <a:p>
+            <a:pPr marL="457200" lvl="0" indent="-342900" algn="l" rtl="0">
               <a:spcBef>
                 <a:spcPts val="0"/>
               </a:spcBef>
@@ -7683,37 +8161,25 @@
               <a:buChar char="●"/>
             </a:pPr>
             <a:r>
-              <a:rPr lang="en"/>
+              <a:rPr lang="en" dirty="0"/>
               <a:t>Hypothesis testing</a:t>
             </a:r>
-            <a:endParaRPr/>
-          </a:p>
-          <a:p>
-            <a:pPr indent="0" lvl="0" marL="0" rtl="0" algn="l">
+            <a:endParaRPr dirty="0"/>
+          </a:p>
+          <a:p>
+            <a:pPr marL="0" indent="0">
               <a:spcBef>
                 <a:spcPts val="1200"/>
               </a:spcBef>
-              <a:spcAft>
-                <a:spcPts val="0"/>
-              </a:spcAft>
-              <a:buNone/>
-            </a:pPr>
-            <a:r>
-              <a:rPr lang="en"/>
-              <a:t>Common </a:t>
-            </a:r>
-            <a:r>
-              <a:rPr lang="en"/>
-              <a:t>sampling</a:t>
-            </a:r>
-            <a:r>
-              <a:rPr lang="en"/>
-              <a:t> functions:</a:t>
-            </a:r>
-            <a:endParaRPr/>
-          </a:p>
-          <a:p>
-            <a:pPr indent="-342900" lvl="0" marL="457200" rtl="0" algn="l">
+              <a:buNone/>
+            </a:pPr>
+            <a:r>
+              <a:rPr lang="en-CA" dirty="0"/>
+              <a:t>Common sampling functions in Python:</a:t>
+            </a:r>
+          </a:p>
+          <a:p>
+            <a:pPr marL="457200" lvl="0" indent="-342900" algn="l" rtl="0">
               <a:spcBef>
                 <a:spcPts val="1200"/>
               </a:spcBef>
@@ -7724,7 +8190,114 @@
               <a:buChar char="●"/>
             </a:pPr>
             <a:r>
-              <a:rPr lang="en">
+              <a:rPr lang="en-CA" dirty="0" err="1">
+                <a:latin typeface="Courier New"/>
+                <a:ea typeface="Courier New"/>
+                <a:cs typeface="Courier New"/>
+                <a:sym typeface="Courier New"/>
+              </a:rPr>
+              <a:t>numpy.random.choice</a:t>
+            </a:r>
+            <a:r>
+              <a:rPr lang="en-CA" dirty="0">
+                <a:latin typeface="Courier New"/>
+                <a:ea typeface="Courier New"/>
+                <a:cs typeface="Courier New"/>
+                <a:sym typeface="Courier New"/>
+              </a:rPr>
+              <a:t>()</a:t>
+            </a:r>
+            <a:r>
+              <a:rPr lang="en-CA" dirty="0"/>
+              <a:t> – sample items from an array</a:t>
+            </a:r>
+          </a:p>
+          <a:p>
+            <a:r>
+              <a:rPr lang="en-CA" dirty="0" err="1">
+                <a:latin typeface="Courier New"/>
+                <a:ea typeface="Courier New"/>
+                <a:cs typeface="Courier New"/>
+                <a:sym typeface="Courier New"/>
+              </a:rPr>
+              <a:t>numpy.random.uniform</a:t>
+            </a:r>
+            <a:r>
+              <a:rPr lang="en-CA" dirty="0">
+                <a:latin typeface="Courier New"/>
+                <a:ea typeface="Courier New"/>
+                <a:cs typeface="Courier New"/>
+                <a:sym typeface="Courier New"/>
+              </a:rPr>
+              <a:t>()</a:t>
+            </a:r>
+            <a:r>
+              <a:rPr lang="en-CA" dirty="0"/>
+              <a:t> – sample from a uniform distribution (input low and high)</a:t>
+            </a:r>
+          </a:p>
+          <a:p>
+            <a:pPr marL="457200" lvl="0" indent="-342900" algn="l" rtl="0">
+              <a:spcBef>
+                <a:spcPts val="0"/>
+              </a:spcBef>
+              <a:spcAft>
+                <a:spcPts val="0"/>
+              </a:spcAft>
+              <a:buSzPts val="1800"/>
+              <a:buChar char="●"/>
+            </a:pPr>
+            <a:r>
+              <a:rPr lang="en-CA" dirty="0" err="1">
+                <a:latin typeface="Courier New"/>
+                <a:ea typeface="Courier New"/>
+                <a:cs typeface="Courier New"/>
+                <a:sym typeface="Courier New"/>
+              </a:rPr>
+              <a:t>numpy.random.normal</a:t>
+            </a:r>
+            <a:r>
+              <a:rPr lang="en-CA" dirty="0">
+                <a:latin typeface="Courier New"/>
+                <a:ea typeface="Courier New"/>
+                <a:cs typeface="Courier New"/>
+                <a:sym typeface="Courier New"/>
+              </a:rPr>
+              <a:t>()</a:t>
+            </a:r>
+            <a:r>
+              <a:rPr lang="en-CA" dirty="0"/>
+              <a:t>– sample from a normal distribution (input mean and standard deviation)</a:t>
+            </a:r>
+          </a:p>
+          <a:p>
+            <a:pPr marL="0" lvl="0" indent="0" algn="l" rtl="0">
+              <a:spcBef>
+                <a:spcPts val="1200"/>
+              </a:spcBef>
+              <a:spcAft>
+                <a:spcPts val="0"/>
+              </a:spcAft>
+              <a:buNone/>
+            </a:pPr>
+            <a:r>
+              <a:rPr lang="en-CA" dirty="0"/>
+              <a:t>Common sampling functions in R:</a:t>
+            </a:r>
+          </a:p>
+          <a:p>
+            <a:pPr marL="457200" lvl="0" indent="-342900" algn="l" rtl="0">
+              <a:spcBef>
+                <a:spcPts val="1200"/>
+              </a:spcBef>
+              <a:spcAft>
+                <a:spcPts val="0"/>
+              </a:spcAft>
+              <a:buSzPts val="1800"/>
+              <a:buChar char="●"/>
+            </a:pPr>
+            <a:r>
+              <a:rPr lang="en" dirty="0">
                 <a:latin typeface="Courier New"/>
                 <a:ea typeface="Courier New"/>
                 <a:cs typeface="Courier New"/>
@@ -7733,13 +8306,13 @@
               <a:t>sample()</a:t>
             </a:r>
             <a:r>
-              <a:rPr lang="en"/>
+              <a:rPr lang="en" dirty="0"/>
               <a:t> – sample items from a vector</a:t>
             </a:r>
-            <a:endParaRPr/>
-          </a:p>
-          <a:p>
-            <a:pPr indent="-342900" lvl="0" marL="457200" rtl="0" algn="l">
+            <a:endParaRPr dirty="0"/>
+          </a:p>
+          <a:p>
+            <a:pPr marL="457200" lvl="0" indent="-342900" algn="l" rtl="0">
               <a:spcBef>
                 <a:spcPts val="0"/>
               </a:spcBef>
@@ -7750,45 +8323,62 @@
               <a:buChar char="●"/>
             </a:pPr>
             <a:r>
-              <a:rPr lang="en">
+              <a:rPr lang="en" dirty="0" err="1">
                 <a:latin typeface="Courier New"/>
                 <a:ea typeface="Courier New"/>
                 <a:cs typeface="Courier New"/>
                 <a:sym typeface="Courier New"/>
               </a:rPr>
-              <a:t>runif()</a:t>
-            </a:r>
-            <a:r>
-              <a:rPr lang="en"/>
-              <a:t> – sample from a uniform distribution (input min and max)</a:t>
-            </a:r>
-            <a:endParaRPr/>
-          </a:p>
-          <a:p>
-            <a:pPr indent="-342900" lvl="0" marL="457200" rtl="0" algn="l">
-              <a:spcBef>
-                <a:spcPts val="0"/>
-              </a:spcBef>
-              <a:spcAft>
-                <a:spcPts val="0"/>
-              </a:spcAft>
-              <a:buSzPts val="1800"/>
-              <a:buChar char="●"/>
-            </a:pPr>
-            <a:r>
-              <a:rPr lang="en">
+              <a:t>runif</a:t>
+            </a:r>
+            <a:r>
+              <a:rPr lang="en" dirty="0">
                 <a:latin typeface="Courier New"/>
                 <a:ea typeface="Courier New"/>
                 <a:cs typeface="Courier New"/>
                 <a:sym typeface="Courier New"/>
               </a:rPr>
-              <a:t>rnorm()</a:t>
-            </a:r>
-            <a:r>
-              <a:rPr lang="en"/>
+              <a:t>()</a:t>
+            </a:r>
+            <a:r>
+              <a:rPr lang="en" dirty="0"/>
+              <a:t> – sample from a uniform distribution (input min and max)</a:t>
+            </a:r>
+            <a:endParaRPr dirty="0"/>
+          </a:p>
+          <a:p>
+            <a:pPr marL="457200" lvl="0" indent="-342900" algn="l" rtl="0">
+              <a:spcBef>
+                <a:spcPts val="0"/>
+              </a:spcBef>
+              <a:spcAft>
+                <a:spcPts val="0"/>
+              </a:spcAft>
+              <a:buSzPts val="1800"/>
+              <a:buChar char="●"/>
+            </a:pPr>
+            <a:r>
+              <a:rPr lang="en" dirty="0" err="1">
+                <a:latin typeface="Courier New"/>
+                <a:ea typeface="Courier New"/>
+                <a:cs typeface="Courier New"/>
+                <a:sym typeface="Courier New"/>
+              </a:rPr>
+              <a:t>rnorm</a:t>
+            </a:r>
+            <a:r>
+              <a:rPr lang="en" dirty="0">
+                <a:latin typeface="Courier New"/>
+                <a:ea typeface="Courier New"/>
+                <a:cs typeface="Courier New"/>
+                <a:sym typeface="Courier New"/>
+              </a:rPr>
+              <a:t>()</a:t>
+            </a:r>
+            <a:r>
+              <a:rPr lang="en" dirty="0"/>
               <a:t> – sample from a normal distribution (input mean and standard deviation)</a:t>
             </a:r>
-            <a:endParaRPr b="1"/>
           </a:p>
         </p:txBody>
       </p:sp>
@@ -7801,11 +8391,11 @@
 </file>
 
 <file path=ppt/slides/slide4.xml><?xml version="1.0" encoding="utf-8"?>
-<p:sld xmlns:a="http://schemas.openxmlformats.org/drawingml/2006/main" xmlns:r="http://schemas.openxmlformats.org/officeDocument/2006/relationships" xmlns:mc="http://schemas.openxmlformats.org/markup-compatibility/2006" xmlns:mv="urn:schemas-microsoft-com:mac:vml" xmlns:p="http://schemas.openxmlformats.org/presentationml/2006/main" xmlns:c="http://schemas.openxmlformats.org/drawingml/2006/chart" xmlns:dgm="http://schemas.openxmlformats.org/drawingml/2006/diagram" xmlns:o="urn:schemas-microsoft-com:office:office" xmlns:v="urn:schemas-microsoft-com:vml" xmlns:pvml="urn:schemas-microsoft-com:office:powerpoint" xmlns:com="http://schemas.openxmlformats.org/drawingml/2006/compatibility" xmlns:p14="http://schemas.microsoft.com/office/powerpoint/2010/main" xmlns:p15="http://schemas.microsoft.com/office/powerpoint/2012/main" xmlns:ahyp="http://schemas.microsoft.com/office/drawing/2018/hyperlinkcolor">
+<p:sld xmlns:a="http://schemas.openxmlformats.org/drawingml/2006/main" xmlns:r="http://schemas.openxmlformats.org/officeDocument/2006/relationships" xmlns:p="http://schemas.openxmlformats.org/presentationml/2006/main">
   <p:cSld>
     <p:spTree>
       <p:nvGrpSpPr>
-        <p:cNvPr id="71" name="Shape 71"/>
+        <p:cNvPr id="1" name="Shape 71"/>
         <p:cNvGrpSpPr/>
         <p:nvPr/>
       </p:nvGrpSpPr>
@@ -7820,7 +8410,9 @@
       <p:sp>
         <p:nvSpPr>
           <p:cNvPr id="72" name="Google Shape;72;p16"/>
-          <p:cNvSpPr txBox="1"/>
+          <p:cNvSpPr txBox="1">
+            <a:spLocks noGrp="1"/>
+          </p:cNvSpPr>
           <p:nvPr>
             <p:ph type="title"/>
           </p:nvPr>
@@ -7835,34 +8427,36 @@
           </a:prstGeom>
         </p:spPr>
         <p:txBody>
-          <a:bodyPr anchorCtr="0" anchor="t" bIns="91425" lIns="91425" spcFirstLastPara="1" rIns="91425" wrap="square" tIns="91425">
+          <a:bodyPr spcFirstLastPara="1" wrap="square" lIns="91425" tIns="91425" rIns="91425" bIns="91425" anchor="t" anchorCtr="0">
             <a:normAutofit fontScale="90000"/>
           </a:bodyPr>
           <a:lstStyle/>
           <a:p>
-            <a:pPr indent="0" lvl="0" marL="0" rtl="0" algn="l">
-              <a:spcBef>
-                <a:spcPts val="0"/>
-              </a:spcBef>
-              <a:spcAft>
-                <a:spcPts val="0"/>
-              </a:spcAft>
-              <a:buNone/>
-            </a:pPr>
-            <a:r>
-              <a:rPr lang="en"/>
-              <a:t>Sampling in R</a:t>
-            </a:r>
-            <a:endParaRPr/>
+            <a:pPr marL="0" lvl="0" indent="0" algn="l" rtl="0">
+              <a:spcBef>
+                <a:spcPts val="0"/>
+              </a:spcBef>
+              <a:spcAft>
+                <a:spcPts val="0"/>
+              </a:spcAft>
+              <a:buNone/>
+            </a:pPr>
+            <a:r>
+              <a:rPr lang="en" dirty="0"/>
+              <a:t>Sampling in Python &amp; R</a:t>
+            </a:r>
+            <a:endParaRPr dirty="0"/>
           </a:p>
         </p:txBody>
       </p:sp>
       <p:sp>
         <p:nvSpPr>
           <p:cNvPr id="73" name="Google Shape;73;p16"/>
-          <p:cNvSpPr txBox="1"/>
+          <p:cNvSpPr txBox="1">
+            <a:spLocks noGrp="1"/>
+          </p:cNvSpPr>
           <p:nvPr>
-            <p:ph idx="1" type="body"/>
+            <p:ph type="body" idx="1"/>
           </p:nvPr>
         </p:nvSpPr>
         <p:spPr>
@@ -7875,40 +8469,36 @@
           </a:prstGeom>
         </p:spPr>
         <p:txBody>
-          <a:bodyPr anchorCtr="0" anchor="t" bIns="91425" lIns="91425" spcFirstLastPara="1" rIns="91425" wrap="square" tIns="91425">
+          <a:bodyPr spcFirstLastPara="1" wrap="square" lIns="91425" tIns="91425" rIns="91425" bIns="91425" anchor="t" anchorCtr="0">
             <a:normAutofit/>
           </a:bodyPr>
           <a:lstStyle/>
           <a:p>
-            <a:pPr indent="0" lvl="0" marL="0" rtl="0" algn="l">
-              <a:spcBef>
-                <a:spcPts val="0"/>
-              </a:spcBef>
-              <a:spcAft>
-                <a:spcPts val="0"/>
-              </a:spcAft>
-              <a:buNone/>
-            </a:pPr>
-            <a:r>
-              <a:rPr lang="en"/>
-              <a:t>These functions are all forms of</a:t>
-            </a:r>
-            <a:r>
-              <a:rPr lang="en"/>
-              <a:t> </a:t>
-            </a:r>
-            <a:r>
-              <a:rPr b="1" lang="en"/>
+            <a:pPr marL="0" lvl="0" indent="0" algn="l" rtl="0">
+              <a:spcBef>
+                <a:spcPts val="0"/>
+              </a:spcBef>
+              <a:spcAft>
+                <a:spcPts val="0"/>
+              </a:spcAft>
+              <a:buNone/>
+            </a:pPr>
+            <a:r>
+              <a:rPr lang="en" dirty="0"/>
+              <a:t>These functions are all forms of </a:t>
+            </a:r>
+            <a:r>
+              <a:rPr lang="en" b="1" dirty="0"/>
               <a:t>probability sampling</a:t>
             </a:r>
             <a:r>
-              <a:rPr lang="en"/>
+              <a:rPr lang="en" dirty="0"/>
               <a:t>, therefore there is always some randomness involved. </a:t>
             </a:r>
-            <a:endParaRPr/>
-          </a:p>
-          <a:p>
-            <a:pPr indent="0" lvl="0" marL="0" rtl="0" algn="l">
+            <a:endParaRPr dirty="0"/>
+          </a:p>
+          <a:p>
+            <a:pPr marL="0" lvl="0" indent="0" algn="l" rtl="0">
               <a:spcBef>
                 <a:spcPts val="1200"/>
               </a:spcBef>
@@ -7918,21 +8508,21 @@
               <a:buNone/>
             </a:pPr>
             <a:r>
-              <a:rPr lang="en"/>
-              <a:t>The “randomness” in R results from </a:t>
-            </a:r>
-            <a:r>
-              <a:rPr b="1" lang="en"/>
+              <a:rPr lang="en" dirty="0"/>
+              <a:t>The “randomness” in Python and R results from </a:t>
+            </a:r>
+            <a:r>
+              <a:rPr lang="en" b="1" dirty="0"/>
               <a:t>pseudorandom number generators</a:t>
             </a:r>
             <a:r>
-              <a:rPr lang="en"/>
+              <a:rPr lang="en" dirty="0"/>
               <a:t>.</a:t>
             </a:r>
-            <a:endParaRPr/>
-          </a:p>
-          <a:p>
-            <a:pPr indent="0" lvl="0" marL="0" rtl="0" algn="l">
+            <a:endParaRPr dirty="0"/>
+          </a:p>
+          <a:p>
+            <a:pPr marL="0" lvl="0" indent="0" algn="l" rtl="0">
               <a:spcBef>
                 <a:spcPts val="1200"/>
               </a:spcBef>
@@ -7942,17 +8532,17 @@
               <a:buNone/>
             </a:pPr>
             <a:r>
-              <a:rPr lang="en"/>
+              <a:rPr lang="en" dirty="0"/>
               <a:t>Pseudorandom number generators output numbers based on a </a:t>
             </a:r>
             <a:r>
-              <a:rPr b="1" lang="en"/>
+              <a:rPr lang="en" b="1" dirty="0"/>
               <a:t>set algorithm and an initial seed.</a:t>
             </a:r>
-            <a:endParaRPr b="1"/>
-          </a:p>
-          <a:p>
-            <a:pPr indent="0" lvl="0" marL="0" rtl="0" algn="l">
+            <a:endParaRPr b="1" dirty="0"/>
+          </a:p>
+          <a:p>
+            <a:pPr marL="0" lvl="0" indent="0" algn="l" rtl="0">
               <a:spcBef>
                 <a:spcPts val="1200"/>
               </a:spcBef>
@@ -7962,10 +8552,10 @@
               <a:buNone/>
             </a:pPr>
             <a:r>
-              <a:rPr lang="en"/>
+              <a:rPr lang="en" dirty="0"/>
               <a:t>The same initial seed will produce the same outputted number(s) or item(s) every time</a:t>
             </a:r>
-            <a:endParaRPr/>
+            <a:endParaRPr dirty="0"/>
           </a:p>
         </p:txBody>
       </p:sp>
@@ -7978,11 +8568,11 @@
 </file>
 
 <file path=ppt/slides/slide5.xml><?xml version="1.0" encoding="utf-8"?>
-<p:sld xmlns:a="http://schemas.openxmlformats.org/drawingml/2006/main" xmlns:r="http://schemas.openxmlformats.org/officeDocument/2006/relationships" xmlns:mc="http://schemas.openxmlformats.org/markup-compatibility/2006" xmlns:mv="urn:schemas-microsoft-com:mac:vml" xmlns:p="http://schemas.openxmlformats.org/presentationml/2006/main" xmlns:c="http://schemas.openxmlformats.org/drawingml/2006/chart" xmlns:dgm="http://schemas.openxmlformats.org/drawingml/2006/diagram" xmlns:o="urn:schemas-microsoft-com:office:office" xmlns:v="urn:schemas-microsoft-com:vml" xmlns:pvml="urn:schemas-microsoft-com:office:powerpoint" xmlns:com="http://schemas.openxmlformats.org/drawingml/2006/compatibility" xmlns:p14="http://schemas.microsoft.com/office/powerpoint/2010/main" xmlns:p15="http://schemas.microsoft.com/office/powerpoint/2012/main" xmlns:ahyp="http://schemas.microsoft.com/office/drawing/2018/hyperlinkcolor">
+<p:sld xmlns:a="http://schemas.openxmlformats.org/drawingml/2006/main" xmlns:r="http://schemas.openxmlformats.org/officeDocument/2006/relationships" xmlns:p="http://schemas.openxmlformats.org/presentationml/2006/main">
   <p:cSld>
     <p:spTree>
       <p:nvGrpSpPr>
-        <p:cNvPr id="77" name="Shape 77"/>
+        <p:cNvPr id="1" name="Shape 77"/>
         <p:cNvGrpSpPr/>
         <p:nvPr/>
       </p:nvGrpSpPr>
@@ -7997,7 +8587,9 @@
       <p:sp>
         <p:nvSpPr>
           <p:cNvPr id="78" name="Google Shape;78;p17"/>
-          <p:cNvSpPr txBox="1"/>
+          <p:cNvSpPr txBox="1">
+            <a:spLocks noGrp="1"/>
+          </p:cNvSpPr>
           <p:nvPr>
             <p:ph type="title"/>
           </p:nvPr>
@@ -8012,34 +8604,36 @@
           </a:prstGeom>
         </p:spPr>
         <p:txBody>
-          <a:bodyPr anchorCtr="0" anchor="t" bIns="91425" lIns="91425" spcFirstLastPara="1" rIns="91425" wrap="square" tIns="91425">
+          <a:bodyPr spcFirstLastPara="1" wrap="square" lIns="91425" tIns="91425" rIns="91425" bIns="91425" anchor="t" anchorCtr="0">
             <a:normAutofit fontScale="90000"/>
           </a:bodyPr>
           <a:lstStyle/>
           <a:p>
-            <a:pPr indent="0" lvl="0" marL="0" rtl="0" algn="l">
-              <a:spcBef>
-                <a:spcPts val="0"/>
-              </a:spcBef>
-              <a:spcAft>
-                <a:spcPts val="0"/>
-              </a:spcAft>
-              <a:buNone/>
-            </a:pPr>
-            <a:r>
-              <a:rPr lang="en"/>
+            <a:pPr marL="0" lvl="0" indent="0" algn="l" rtl="0">
+              <a:spcBef>
+                <a:spcPts val="0"/>
+              </a:spcBef>
+              <a:spcAft>
+                <a:spcPts val="0"/>
+              </a:spcAft>
+              <a:buNone/>
+            </a:pPr>
+            <a:r>
+              <a:rPr lang="en" dirty="0"/>
               <a:t>Seeds</a:t>
             </a:r>
-            <a:endParaRPr/>
+            <a:endParaRPr dirty="0"/>
           </a:p>
         </p:txBody>
       </p:sp>
       <p:sp>
         <p:nvSpPr>
           <p:cNvPr id="79" name="Google Shape;79;p17"/>
-          <p:cNvSpPr txBox="1"/>
+          <p:cNvSpPr txBox="1">
+            <a:spLocks noGrp="1"/>
+          </p:cNvSpPr>
           <p:nvPr>
-            <p:ph idx="1" type="body"/>
+            <p:ph type="body" idx="1"/>
           </p:nvPr>
         </p:nvSpPr>
         <p:spPr>
@@ -8052,62 +8646,121 @@
           </a:prstGeom>
         </p:spPr>
         <p:txBody>
-          <a:bodyPr anchorCtr="0" anchor="t" bIns="91425" lIns="91425" spcFirstLastPara="1" rIns="91425" wrap="square" tIns="91425">
+          <a:bodyPr spcFirstLastPara="1" wrap="square" lIns="91425" tIns="91425" rIns="91425" bIns="91425" anchor="t" anchorCtr="0">
             <a:normAutofit/>
           </a:bodyPr>
           <a:lstStyle/>
           <a:p>
-            <a:pPr indent="0" lvl="0" marL="0" rtl="0" algn="l">
-              <a:spcBef>
-                <a:spcPts val="0"/>
-              </a:spcBef>
-              <a:spcAft>
-                <a:spcPts val="0"/>
-              </a:spcAft>
-              <a:buNone/>
-            </a:pPr>
-            <a:r>
-              <a:rPr lang="en"/>
+            <a:pPr marL="0" lvl="0" indent="0" algn="l" rtl="0">
+              <a:spcBef>
+                <a:spcPts val="0"/>
+              </a:spcBef>
+              <a:spcAft>
+                <a:spcPts val="0"/>
+              </a:spcAft>
+              <a:buNone/>
+            </a:pPr>
+            <a:r>
+              <a:rPr lang="en" dirty="0"/>
               <a:t>(Partial review from Module 3)</a:t>
             </a:r>
-            <a:endParaRPr/>
-          </a:p>
-          <a:p>
-            <a:pPr indent="-342900" lvl="0" marL="457200" rtl="0" algn="l">
+            <a:endParaRPr dirty="0"/>
+          </a:p>
+          <a:p>
+            <a:pPr>
               <a:spcBef>
                 <a:spcPts val="1200"/>
               </a:spcBef>
-              <a:spcAft>
-                <a:spcPts val="0"/>
-              </a:spcAft>
-              <a:buSzPts val="1800"/>
-              <a:buChar char="●"/>
-            </a:pPr>
-            <a:r>
-              <a:rPr b="1" lang="en">
+            </a:pPr>
+            <a:r>
+              <a:rPr lang="en" b="1" dirty="0" err="1">
                 <a:latin typeface="Courier New"/>
                 <a:ea typeface="Courier New"/>
                 <a:cs typeface="Courier New"/>
                 <a:sym typeface="Courier New"/>
               </a:rPr>
-              <a:t>set.seed()</a:t>
-            </a:r>
-            <a:r>
-              <a:rPr lang="en"/>
-              <a:t> allows you to set the </a:t>
-            </a:r>
-            <a:r>
-              <a:rPr lang="en"/>
-              <a:t>initial</a:t>
-            </a:r>
-            <a:r>
-              <a:rPr lang="en"/>
-              <a:t> seed for R functions that use pseudorandom number</a:t>
-            </a:r>
-            <a:endParaRPr/>
-          </a:p>
-          <a:p>
-            <a:pPr indent="-342900" lvl="0" marL="457200" rtl="0" algn="l">
+              <a:t>set.seed</a:t>
+            </a:r>
+            <a:r>
+              <a:rPr lang="en" b="1" dirty="0">
+                <a:latin typeface="Courier New"/>
+                <a:ea typeface="Courier New"/>
+                <a:cs typeface="Courier New"/>
+                <a:sym typeface="Courier New"/>
+              </a:rPr>
+              <a:t>()</a:t>
+            </a:r>
+            <a:r>
+              <a:rPr lang="en" dirty="0">
+                <a:latin typeface="+mj-lt"/>
+                <a:ea typeface="Courier New"/>
+                <a:cs typeface="Courier New"/>
+                <a:sym typeface="Courier New"/>
+              </a:rPr>
+              <a:t>in R</a:t>
+            </a:r>
+            <a:r>
+              <a:rPr lang="en" b="1" dirty="0">
+                <a:latin typeface="Courier New"/>
+                <a:ea typeface="Courier New"/>
+                <a:cs typeface="Courier New"/>
+                <a:sym typeface="Courier New"/>
+              </a:rPr>
+              <a:t> </a:t>
+            </a:r>
+            <a:r>
+              <a:rPr lang="en" dirty="0">
+                <a:latin typeface="+mj-lt"/>
+                <a:ea typeface="Courier New"/>
+                <a:cs typeface="Courier New"/>
+                <a:sym typeface="Courier New"/>
+              </a:rPr>
+              <a:t>and</a:t>
+            </a:r>
+            <a:r>
+              <a:rPr lang="en" b="1" dirty="0">
+                <a:latin typeface="+mj-lt"/>
+                <a:ea typeface="Courier New"/>
+                <a:cs typeface="Courier New"/>
+                <a:sym typeface="Courier New"/>
+              </a:rPr>
+              <a:t> </a:t>
+            </a:r>
+            <a:r>
+              <a:rPr lang="en-CA" b="1" dirty="0" err="1">
+                <a:latin typeface="Courier New"/>
+                <a:ea typeface="Courier New"/>
+                <a:cs typeface="Courier New"/>
+                <a:sym typeface="Courier New"/>
+              </a:rPr>
+              <a:t>numpy.random.seed</a:t>
+            </a:r>
+            <a:r>
+              <a:rPr lang="en-CA" b="1" dirty="0">
+                <a:latin typeface="Courier New"/>
+                <a:ea typeface="Courier New"/>
+                <a:cs typeface="Courier New"/>
+                <a:sym typeface="Courier New"/>
+              </a:rPr>
+              <a:t>()</a:t>
+            </a:r>
+            <a:r>
+              <a:rPr lang="en-CA" dirty="0">
+                <a:latin typeface="+mj-lt"/>
+                <a:ea typeface="Courier New"/>
+                <a:cs typeface="Courier New"/>
+                <a:sym typeface="Courier New"/>
+              </a:rPr>
+              <a:t>in python</a:t>
+            </a:r>
+            <a:r>
+              <a:rPr lang="en" dirty="0"/>
+              <a:t> allow you to set the initial seed for Python/R functions that use pseudorandom number</a:t>
+            </a:r>
+            <a:endParaRPr dirty="0"/>
+          </a:p>
+          <a:p>
+            <a:pPr marL="457200" lvl="0" indent="-342900" algn="l" rtl="0">
               <a:spcBef>
                 <a:spcPts val="0"/>
               </a:spcBef>
@@ -8118,21 +8771,13 @@
               <a:buChar char="●"/>
             </a:pPr>
             <a:r>
-              <a:rPr lang="en"/>
-              <a:t>A sampling function called after a </a:t>
-            </a:r>
-            <a:r>
-              <a:rPr lang="en"/>
-              <a:t>specific</a:t>
-            </a:r>
-            <a:r>
-              <a:rPr lang="en"/>
-              <a:t> seed is set will produce the same output each time</a:t>
-            </a:r>
-            <a:endParaRPr/>
-          </a:p>
-          <a:p>
-            <a:pPr indent="-342900" lvl="0" marL="457200" rtl="0" algn="l">
+              <a:rPr lang="en" dirty="0"/>
+              <a:t>A sampling function called after a specific seed is set will produce the same output each time</a:t>
+            </a:r>
+            <a:endParaRPr dirty="0"/>
+          </a:p>
+          <a:p>
+            <a:pPr marL="457200" lvl="0" indent="-342900" algn="l" rtl="0">
               <a:spcBef>
                 <a:spcPts val="0"/>
               </a:spcBef>
@@ -8143,10 +8788,10 @@
               <a:buChar char="●"/>
             </a:pPr>
             <a:r>
-              <a:rPr lang="en"/>
+              <a:rPr lang="en" dirty="0"/>
               <a:t>Setting a seed makes sampling procedures reproducible</a:t>
             </a:r>
-            <a:endParaRPr/>
+            <a:endParaRPr dirty="0"/>
           </a:p>
         </p:txBody>
       </p:sp>
@@ -8159,11 +8804,11 @@
 </file>
 
 <file path=ppt/slides/slide6.xml><?xml version="1.0" encoding="utf-8"?>
-<p:sld xmlns:a="http://schemas.openxmlformats.org/drawingml/2006/main" xmlns:r="http://schemas.openxmlformats.org/officeDocument/2006/relationships" xmlns:mc="http://schemas.openxmlformats.org/markup-compatibility/2006" xmlns:mv="urn:schemas-microsoft-com:mac:vml" xmlns:p="http://schemas.openxmlformats.org/presentationml/2006/main" xmlns:c="http://schemas.openxmlformats.org/drawingml/2006/chart" xmlns:dgm="http://schemas.openxmlformats.org/drawingml/2006/diagram" xmlns:o="urn:schemas-microsoft-com:office:office" xmlns:v="urn:schemas-microsoft-com:vml" xmlns:pvml="urn:schemas-microsoft-com:office:powerpoint" xmlns:com="http://schemas.openxmlformats.org/drawingml/2006/compatibility" xmlns:p14="http://schemas.microsoft.com/office/powerpoint/2010/main" xmlns:p15="http://schemas.microsoft.com/office/powerpoint/2012/main" xmlns:ahyp="http://schemas.microsoft.com/office/drawing/2018/hyperlinkcolor">
+<p:sld xmlns:a="http://schemas.openxmlformats.org/drawingml/2006/main" xmlns:r="http://schemas.openxmlformats.org/officeDocument/2006/relationships" xmlns:p="http://schemas.openxmlformats.org/presentationml/2006/main">
   <p:cSld>
     <p:spTree>
       <p:nvGrpSpPr>
-        <p:cNvPr id="83" name="Shape 83"/>
+        <p:cNvPr id="1" name="Shape 83"/>
         <p:cNvGrpSpPr/>
         <p:nvPr/>
       </p:nvGrpSpPr>
@@ -8178,7 +8823,9 @@
       <p:sp>
         <p:nvSpPr>
           <p:cNvPr id="84" name="Google Shape;84;p18"/>
-          <p:cNvSpPr txBox="1"/>
+          <p:cNvSpPr txBox="1">
+            <a:spLocks noGrp="1"/>
+          </p:cNvSpPr>
           <p:nvPr>
             <p:ph type="title"/>
           </p:nvPr>
@@ -8193,34 +8840,36 @@
           </a:prstGeom>
         </p:spPr>
         <p:txBody>
-          <a:bodyPr anchorCtr="0" anchor="t" bIns="91425" lIns="91425" spcFirstLastPara="1" rIns="91425" wrap="square" tIns="91425">
+          <a:bodyPr spcFirstLastPara="1" wrap="square" lIns="91425" tIns="91425" rIns="91425" bIns="91425" anchor="t" anchorCtr="0">
             <a:normAutofit fontScale="90000"/>
           </a:bodyPr>
           <a:lstStyle/>
           <a:p>
-            <a:pPr indent="0" lvl="0" marL="0" rtl="0" algn="l">
-              <a:spcBef>
-                <a:spcPts val="0"/>
-              </a:spcBef>
-              <a:spcAft>
-                <a:spcPts val="0"/>
-              </a:spcAft>
-              <a:buNone/>
-            </a:pPr>
-            <a:r>
-              <a:rPr lang="en"/>
-              <a:t>Seeds: Scope</a:t>
-            </a:r>
-            <a:endParaRPr/>
+            <a:pPr marL="0" lvl="0" indent="0" algn="l" rtl="0">
+              <a:spcBef>
+                <a:spcPts val="0"/>
+              </a:spcBef>
+              <a:spcAft>
+                <a:spcPts val="0"/>
+              </a:spcAft>
+              <a:buNone/>
+            </a:pPr>
+            <a:r>
+              <a:rPr lang="en" dirty="0"/>
+              <a:t>Seeds: Scope (R)</a:t>
+            </a:r>
+            <a:endParaRPr dirty="0"/>
           </a:p>
         </p:txBody>
       </p:sp>
       <p:sp>
         <p:nvSpPr>
           <p:cNvPr id="85" name="Google Shape;85;p18"/>
-          <p:cNvSpPr txBox="1"/>
+          <p:cNvSpPr txBox="1">
+            <a:spLocks noGrp="1"/>
+          </p:cNvSpPr>
           <p:nvPr>
-            <p:ph idx="1" type="body"/>
+            <p:ph type="body" idx="1"/>
           </p:nvPr>
         </p:nvSpPr>
         <p:spPr>
@@ -8233,48 +8882,44 @@
           </a:prstGeom>
         </p:spPr>
         <p:txBody>
-          <a:bodyPr anchorCtr="0" anchor="t" bIns="91425" lIns="91425" spcFirstLastPara="1" rIns="91425" wrap="square" tIns="91425">
+          <a:bodyPr spcFirstLastPara="1" wrap="square" lIns="91425" tIns="91425" rIns="91425" bIns="91425" anchor="t" anchorCtr="0">
             <a:normAutofit/>
           </a:bodyPr>
           <a:lstStyle/>
           <a:p>
-            <a:pPr indent="0" lvl="0" marL="0" rtl="0" algn="l">
-              <a:spcBef>
-                <a:spcPts val="0"/>
-              </a:spcBef>
-              <a:spcAft>
-                <a:spcPts val="0"/>
-              </a:spcAft>
-              <a:buNone/>
-            </a:pPr>
-            <a:r>
-              <a:rPr lang="en" sz="1700"/>
-              <a:t>s</a:t>
-            </a:r>
-            <a:r>
-              <a:rPr lang="en" sz="1700"/>
-              <a:t>et.seed() sets the </a:t>
-            </a:r>
-            <a:r>
-              <a:rPr lang="en" sz="1700"/>
-              <a:t>initial</a:t>
-            </a:r>
-            <a:r>
-              <a:rPr lang="en" sz="1700"/>
-              <a:t> state of the random number generator which is stored under the name </a:t>
-            </a:r>
-            <a:r>
-              <a:rPr b="1" lang="en" sz="1700"/>
-              <a:t>.Random.seed</a:t>
-            </a:r>
-            <a:r>
-              <a:rPr lang="en" sz="1700"/>
+            <a:pPr marL="0" lvl="0" indent="0" algn="l" rtl="0">
+              <a:spcBef>
+                <a:spcPts val="0"/>
+              </a:spcBef>
+              <a:spcAft>
+                <a:spcPts val="0"/>
+              </a:spcAft>
+              <a:buNone/>
+            </a:pPr>
+            <a:r>
+              <a:rPr lang="en" sz="1700" dirty="0" err="1"/>
+              <a:t>set.seed</a:t>
+            </a:r>
+            <a:r>
+              <a:rPr lang="en" sz="1700" dirty="0"/>
+              <a:t>() sets the initial state of the random number generator which is stored under the name </a:t>
+            </a:r>
+            <a:r>
+              <a:rPr lang="en" sz="1700" b="1" dirty="0"/>
+              <a:t>.</a:t>
+            </a:r>
+            <a:r>
+              <a:rPr lang="en" sz="1700" b="1" dirty="0" err="1"/>
+              <a:t>Random.seed</a:t>
+            </a:r>
+            <a:r>
+              <a:rPr lang="en" sz="1700" dirty="0"/>
               <a:t> in the global environment.</a:t>
             </a:r>
-            <a:endParaRPr sz="1700"/>
-          </a:p>
-          <a:p>
-            <a:pPr indent="0" lvl="0" marL="0" rtl="0" algn="l">
+            <a:endParaRPr sz="1700" dirty="0"/>
+          </a:p>
+          <a:p>
+            <a:pPr marL="0" lvl="0" indent="0" algn="l" rtl="0">
               <a:spcBef>
                 <a:spcPts val="1200"/>
               </a:spcBef>
@@ -8284,21 +8929,29 @@
               <a:buNone/>
             </a:pPr>
             <a:r>
-              <a:rPr lang="en" sz="1700"/>
-              <a:t>.Random.seed </a:t>
-            </a:r>
-            <a:r>
-              <a:rPr b="1" lang="en" sz="1700"/>
+              <a:rPr lang="en" sz="1700" dirty="0"/>
+              <a:t>.</a:t>
+            </a:r>
+            <a:r>
+              <a:rPr lang="en" sz="1700" dirty="0" err="1"/>
+              <a:t>Random.seed</a:t>
+            </a:r>
+            <a:r>
+              <a:rPr lang="en" sz="1700" dirty="0"/>
+              <a:t> </a:t>
+            </a:r>
+            <a:r>
+              <a:rPr lang="en" sz="1700" b="1" dirty="0"/>
               <a:t>changes deterministically</a:t>
             </a:r>
             <a:r>
-              <a:rPr lang="en" sz="1700"/>
+              <a:rPr lang="en" sz="1700" dirty="0"/>
               <a:t> after executing functions that depend on a the seed.</a:t>
             </a:r>
-            <a:endParaRPr sz="1700"/>
-          </a:p>
-          <a:p>
-            <a:pPr indent="0" lvl="0" marL="0" rtl="0" algn="l">
+            <a:endParaRPr sz="1700" dirty="0"/>
+          </a:p>
+          <a:p>
+            <a:pPr marL="0" lvl="0" indent="0" algn="l" rtl="0">
               <a:spcBef>
                 <a:spcPts val="1200"/>
               </a:spcBef>
@@ -8308,14 +8961,14 @@
               <a:buNone/>
             </a:pPr>
             <a:r>
-              <a:rPr lang="en" sz="1700">
+              <a:rPr lang="en" sz="1700" dirty="0">
                 <a:highlight>
                   <a:schemeClr val="accent6"/>
                 </a:highlight>
               </a:rPr>
               <a:t>Setting the seed at the beginning of a script file will produce the consistent results when the file is run in its entirety, but not for individual calls to the same function.</a:t>
             </a:r>
-            <a:endParaRPr sz="1700">
+            <a:endParaRPr sz="1700" dirty="0">
               <a:highlight>
                 <a:schemeClr val="accent6"/>
               </a:highlight>
@@ -8399,25 +9052,25 @@
           </a:ln>
         </p:spPr>
         <p:txBody>
-          <a:bodyPr anchorCtr="0" anchor="t" bIns="91425" lIns="91425" spcFirstLastPara="1" rIns="91425" wrap="square" tIns="91425">
+          <a:bodyPr spcFirstLastPara="1" wrap="square" lIns="91425" tIns="91425" rIns="91425" bIns="91425" anchor="t" anchorCtr="0">
             <a:spAutoFit/>
           </a:bodyPr>
           <a:lstStyle/>
           <a:p>
-            <a:pPr indent="0" lvl="0" marL="0" rtl="0" algn="ctr">
-              <a:spcBef>
-                <a:spcPts val="0"/>
-              </a:spcBef>
-              <a:spcAft>
-                <a:spcPts val="0"/>
-              </a:spcAft>
-              <a:buNone/>
-            </a:pPr>
-            <a:r>
-              <a:rPr b="1" lang="en" sz="1600"/>
+            <a:pPr marL="0" lvl="0" indent="0" algn="ctr" rtl="0">
+              <a:spcBef>
+                <a:spcPts val="0"/>
+              </a:spcBef>
+              <a:spcAft>
+                <a:spcPts val="0"/>
+              </a:spcAft>
+              <a:buNone/>
+            </a:pPr>
+            <a:r>
+              <a:rPr lang="en" sz="1600" b="1"/>
               <a:t>vs.</a:t>
             </a:r>
-            <a:endParaRPr b="1" sz="1600"/>
+            <a:endParaRPr sz="1600" b="1"/>
           </a:p>
         </p:txBody>
       </p:sp>
@@ -8430,11 +9083,194 @@
 </file>
 
 <file path=ppt/slides/slide7.xml><?xml version="1.0" encoding="utf-8"?>
-<p:sld xmlns:a="http://schemas.openxmlformats.org/drawingml/2006/main" xmlns:r="http://schemas.openxmlformats.org/officeDocument/2006/relationships" xmlns:mc="http://schemas.openxmlformats.org/markup-compatibility/2006" xmlns:mv="urn:schemas-microsoft-com:mac:vml" xmlns:p="http://schemas.openxmlformats.org/presentationml/2006/main" xmlns:c="http://schemas.openxmlformats.org/drawingml/2006/chart" xmlns:dgm="http://schemas.openxmlformats.org/drawingml/2006/diagram" xmlns:o="urn:schemas-microsoft-com:office:office" xmlns:v="urn:schemas-microsoft-com:vml" xmlns:pvml="urn:schemas-microsoft-com:office:powerpoint" xmlns:com="http://schemas.openxmlformats.org/drawingml/2006/compatibility" xmlns:p14="http://schemas.microsoft.com/office/powerpoint/2010/main" xmlns:p15="http://schemas.microsoft.com/office/powerpoint/2012/main" xmlns:ahyp="http://schemas.microsoft.com/office/drawing/2018/hyperlinkcolor">
+<p:sld xmlns:a="http://schemas.openxmlformats.org/drawingml/2006/main" xmlns:r="http://schemas.openxmlformats.org/officeDocument/2006/relationships" xmlns:p="http://schemas.openxmlformats.org/presentationml/2006/main">
   <p:cSld>
     <p:spTree>
       <p:nvGrpSpPr>
-        <p:cNvPr id="92" name="Shape 92"/>
+        <p:cNvPr id="1" name="Shape 83"/>
+        <p:cNvGrpSpPr/>
+        <p:nvPr/>
+      </p:nvGrpSpPr>
+      <p:grpSpPr>
+        <a:xfrm>
+          <a:off x="0" y="0"/>
+          <a:ext cx="0" cy="0"/>
+          <a:chOff x="0" y="0"/>
+          <a:chExt cx="0" cy="0"/>
+        </a:xfrm>
+      </p:grpSpPr>
+      <p:sp>
+        <p:nvSpPr>
+          <p:cNvPr id="84" name="Google Shape;84;p18"/>
+          <p:cNvSpPr txBox="1">
+            <a:spLocks noGrp="1"/>
+          </p:cNvSpPr>
+          <p:nvPr>
+            <p:ph type="title"/>
+          </p:nvPr>
+        </p:nvSpPr>
+        <p:spPr>
+          <a:xfrm>
+            <a:off x="311700" y="445025"/>
+            <a:ext cx="8520600" cy="572700"/>
+          </a:xfrm>
+          <a:prstGeom prst="rect">
+            <a:avLst/>
+          </a:prstGeom>
+        </p:spPr>
+        <p:txBody>
+          <a:bodyPr spcFirstLastPara="1" wrap="square" lIns="91425" tIns="91425" rIns="91425" bIns="91425" anchor="t" anchorCtr="0">
+            <a:normAutofit fontScale="90000"/>
+          </a:bodyPr>
+          <a:lstStyle/>
+          <a:p>
+            <a:pPr marL="0" lvl="0" indent="0" algn="l" rtl="0">
+              <a:spcBef>
+                <a:spcPts val="0"/>
+              </a:spcBef>
+              <a:spcAft>
+                <a:spcPts val="0"/>
+              </a:spcAft>
+              <a:buNone/>
+            </a:pPr>
+            <a:r>
+              <a:rPr lang="en" dirty="0"/>
+              <a:t>Seeds: Scope (Python)</a:t>
+            </a:r>
+            <a:endParaRPr dirty="0"/>
+          </a:p>
+        </p:txBody>
+      </p:sp>
+      <p:sp>
+        <p:nvSpPr>
+          <p:cNvPr id="85" name="Google Shape;85;p18"/>
+          <p:cNvSpPr txBox="1">
+            <a:spLocks noGrp="1"/>
+          </p:cNvSpPr>
+          <p:nvPr>
+            <p:ph type="body" idx="1"/>
+          </p:nvPr>
+        </p:nvSpPr>
+        <p:spPr>
+          <a:xfrm>
+            <a:off x="311700" y="1152475"/>
+            <a:ext cx="8520600" cy="3416400"/>
+          </a:xfrm>
+          <a:prstGeom prst="rect">
+            <a:avLst/>
+          </a:prstGeom>
+        </p:spPr>
+        <p:txBody>
+          <a:bodyPr spcFirstLastPara="1" wrap="square" lIns="91425" tIns="91425" rIns="91425" bIns="91425" anchor="t" anchorCtr="0">
+            <a:normAutofit/>
+          </a:bodyPr>
+          <a:lstStyle/>
+          <a:p>
+            <a:pPr marL="0" lvl="0" indent="0" algn="l" rtl="0">
+              <a:spcBef>
+                <a:spcPts val="0"/>
+              </a:spcBef>
+              <a:spcAft>
+                <a:spcPts val="0"/>
+              </a:spcAft>
+              <a:buNone/>
+            </a:pPr>
+            <a:r>
+              <a:rPr lang="en-CA" sz="1700" dirty="0" err="1"/>
+              <a:t>numpy.random.seed</a:t>
+            </a:r>
+            <a:r>
+              <a:rPr lang="en-CA" sz="1700" dirty="0"/>
+              <a:t>() sets the initial state of the random number generator within NumPy's environment.</a:t>
+            </a:r>
+          </a:p>
+          <a:p>
+            <a:pPr marL="0" lvl="0" indent="0" algn="l" rtl="0">
+              <a:spcBef>
+                <a:spcPts val="0"/>
+              </a:spcBef>
+              <a:spcAft>
+                <a:spcPts val="0"/>
+              </a:spcAft>
+              <a:buNone/>
+            </a:pPr>
+            <a:endParaRPr lang="en-CA" sz="1700" dirty="0"/>
+          </a:p>
+          <a:p>
+            <a:pPr marL="0" lvl="0" indent="0" algn="l" rtl="0">
+              <a:spcBef>
+                <a:spcPts val="0"/>
+              </a:spcBef>
+              <a:spcAft>
+                <a:spcPts val="0"/>
+              </a:spcAft>
+              <a:buNone/>
+            </a:pPr>
+            <a:r>
+              <a:rPr lang="en-CA" sz="1700" dirty="0"/>
+              <a:t>The state of the random number generator </a:t>
+            </a:r>
+            <a:r>
+              <a:rPr lang="en-CA" sz="1700" b="1" dirty="0"/>
+              <a:t>changes deterministically </a:t>
+            </a:r>
+            <a:r>
+              <a:rPr lang="en-CA" sz="1700" dirty="0"/>
+              <a:t>after executing functions that depend on the seed.</a:t>
+            </a:r>
+          </a:p>
+          <a:p>
+            <a:pPr marL="0" lvl="0" indent="0" algn="l" rtl="0">
+              <a:spcBef>
+                <a:spcPts val="0"/>
+              </a:spcBef>
+              <a:spcAft>
+                <a:spcPts val="0"/>
+              </a:spcAft>
+              <a:buNone/>
+            </a:pPr>
+            <a:endParaRPr lang="en-CA" sz="1700" dirty="0"/>
+          </a:p>
+          <a:p>
+            <a:pPr marL="0" lvl="0" indent="0" algn="l" rtl="0">
+              <a:spcBef>
+                <a:spcPts val="0"/>
+              </a:spcBef>
+              <a:spcAft>
+                <a:spcPts val="0"/>
+              </a:spcAft>
+              <a:buNone/>
+            </a:pPr>
+            <a:r>
+              <a:rPr lang="en-CA" sz="1700" dirty="0">
+                <a:highlight>
+                  <a:srgbClr val="FFFF00"/>
+                </a:highlight>
+              </a:rPr>
+              <a:t>Setting the seed at the beginning of a script will produce consistent results when the script is run in its entirety, but not necessarily for individual calls to the same function in.</a:t>
+            </a:r>
+          </a:p>
+        </p:txBody>
+      </p:sp>
+    </p:spTree>
+    <p:extLst>
+      <p:ext uri="{BB962C8B-B14F-4D97-AF65-F5344CB8AC3E}">
+        <p14:creationId xmlns:p14="http://schemas.microsoft.com/office/powerpoint/2010/main" val="2794082984"/>
+      </p:ext>
+    </p:extLst>
+  </p:cSld>
+  <p:clrMapOvr>
+    <a:masterClrMapping/>
+  </p:clrMapOvr>
+</p:sld>
+</file>
+
+<file path=ppt/slides/slide8.xml><?xml version="1.0" encoding="utf-8"?>
+<p:sld xmlns:a="http://schemas.openxmlformats.org/drawingml/2006/main" xmlns:r="http://schemas.openxmlformats.org/officeDocument/2006/relationships" xmlns:p="http://schemas.openxmlformats.org/presentationml/2006/main">
+  <p:cSld>
+    <p:spTree>
+      <p:nvGrpSpPr>
+        <p:cNvPr id="1" name="Shape 92"/>
         <p:cNvGrpSpPr/>
         <p:nvPr/>
       </p:nvGrpSpPr>
@@ -8449,9 +9285,11 @@
       <p:sp>
         <p:nvSpPr>
           <p:cNvPr id="93" name="Google Shape;93;p19"/>
-          <p:cNvSpPr txBox="1"/>
+          <p:cNvSpPr txBox="1">
+            <a:spLocks noGrp="1"/>
+          </p:cNvSpPr>
           <p:nvPr>
-            <p:ph idx="1" type="body"/>
+            <p:ph type="body" idx="1"/>
           </p:nvPr>
         </p:nvSpPr>
         <p:spPr>
@@ -8464,56 +9302,123 @@
           </a:prstGeom>
         </p:spPr>
         <p:txBody>
-          <a:bodyPr anchorCtr="0" anchor="t" bIns="91425" lIns="91425" spcFirstLastPara="1" rIns="91425" wrap="square" tIns="91425">
+          <a:bodyPr spcFirstLastPara="1" wrap="square" lIns="91425" tIns="91425" rIns="91425" bIns="91425" anchor="t" anchorCtr="0">
             <a:normAutofit/>
           </a:bodyPr>
           <a:lstStyle/>
           <a:p>
-            <a:pPr indent="0" lvl="0" marL="0" rtl="0" algn="l">
-              <a:spcBef>
-                <a:spcPts val="0"/>
-              </a:spcBef>
-              <a:spcAft>
-                <a:spcPts val="0"/>
-              </a:spcAft>
-              <a:buNone/>
-            </a:pPr>
-            <a:r>
-              <a:rPr lang="en" sz="2200">
+            <a:pPr marL="0" lvl="0" indent="0" algn="l" rtl="0">
+              <a:spcBef>
+                <a:spcPts val="0"/>
+              </a:spcBef>
+              <a:spcAft>
+                <a:spcPts val="0"/>
+              </a:spcAft>
+              <a:buNone/>
+            </a:pPr>
+            <a:r>
+              <a:rPr lang="en" sz="2200" dirty="0">
                 <a:solidFill>
                   <a:schemeClr val="dk1"/>
                 </a:solidFill>
               </a:rPr>
-              <a:t>When to use </a:t>
-            </a:r>
-            <a:r>
-              <a:rPr lang="en" sz="2200">
-                <a:solidFill>
-                  <a:schemeClr val="dk1"/>
-                </a:solidFill>
-                <a:latin typeface="Courier New"/>
-                <a:ea typeface="Courier New"/>
-                <a:cs typeface="Courier New"/>
-                <a:sym typeface="Courier New"/>
-              </a:rPr>
-              <a:t>set.seed()</a:t>
-            </a:r>
-            <a:r>
-              <a:rPr lang="en" sz="2200">
+              <a:t>When to set seed:</a:t>
+            </a:r>
+            <a:endParaRPr sz="2200" dirty="0">
+              <a:solidFill>
+                <a:schemeClr val="dk1"/>
+              </a:solidFill>
+            </a:endParaRPr>
+          </a:p>
+          <a:p>
+            <a:pPr marL="457200" lvl="0" indent="-342900" algn="l" rtl="0">
+              <a:spcBef>
+                <a:spcPts val="1200"/>
+              </a:spcBef>
+              <a:spcAft>
+                <a:spcPts val="0"/>
+              </a:spcAft>
+              <a:buSzPts val="1800"/>
+              <a:buChar char="●"/>
+            </a:pPr>
+            <a:r>
+              <a:rPr lang="en" dirty="0"/>
+              <a:t>Writing reproducible sampling scripts or simulation-based studies</a:t>
+            </a:r>
+            <a:endParaRPr dirty="0"/>
+          </a:p>
+          <a:p>
+            <a:pPr marL="457200" lvl="0" indent="-342900" algn="l" rtl="0">
+              <a:spcBef>
+                <a:spcPts val="0"/>
+              </a:spcBef>
+              <a:spcAft>
+                <a:spcPts val="0"/>
+              </a:spcAft>
+              <a:buSzPts val="1800"/>
+              <a:buChar char="●"/>
+            </a:pPr>
+            <a:r>
+              <a:rPr lang="en" dirty="0"/>
+              <a:t>Creating reproducible examples</a:t>
+            </a:r>
+            <a:endParaRPr dirty="0"/>
+          </a:p>
+          <a:p>
+            <a:pPr marL="457200" lvl="0" indent="-342900" algn="l" rtl="0">
+              <a:spcBef>
+                <a:spcPts val="0"/>
+              </a:spcBef>
+              <a:spcAft>
+                <a:spcPts val="0"/>
+              </a:spcAft>
+              <a:buSzPts val="1800"/>
+              <a:buChar char="●"/>
+            </a:pPr>
+            <a:r>
+              <a:rPr lang="en" dirty="0"/>
+              <a:t>Code testing and debugging</a:t>
+            </a:r>
+            <a:endParaRPr dirty="0"/>
+          </a:p>
+          <a:p>
+            <a:pPr marL="0" lvl="0" indent="0" algn="l" rtl="0">
+              <a:spcBef>
+                <a:spcPts val="1200"/>
+              </a:spcBef>
+              <a:spcAft>
+                <a:spcPts val="0"/>
+              </a:spcAft>
+              <a:buNone/>
+            </a:pPr>
+            <a:endParaRPr dirty="0"/>
+          </a:p>
+          <a:p>
+            <a:pPr marL="0" lvl="0" indent="0" algn="l" rtl="0">
+              <a:spcBef>
+                <a:spcPts val="1200"/>
+              </a:spcBef>
+              <a:spcAft>
+                <a:spcPts val="0"/>
+              </a:spcAft>
+              <a:buNone/>
+            </a:pPr>
+            <a:r>
+              <a:rPr lang="en" sz="2100" dirty="0">
                 <a:solidFill>
                   <a:schemeClr val="dk1"/>
                 </a:solidFill>
               </a:rPr>
-              <a:t>:</a:t>
-            </a:r>
-            <a:endParaRPr sz="2200">
+              <a:t>When NOT to set seeds :</a:t>
+            </a:r>
+            <a:endParaRPr sz="2100" dirty="0">
               <a:solidFill>
                 <a:schemeClr val="dk1"/>
               </a:solidFill>
             </a:endParaRPr>
           </a:p>
           <a:p>
-            <a:pPr indent="-342900" lvl="0" marL="457200" rtl="0" algn="l">
+            <a:pPr marL="457200" lvl="0" indent="-342900" algn="l" rtl="0">
               <a:spcBef>
                 <a:spcPts val="1200"/>
               </a:spcBef>
@@ -8524,136 +9429,10 @@
               <a:buChar char="●"/>
             </a:pPr>
             <a:r>
-              <a:rPr lang="en"/>
-              <a:t>Writing reproducible sampling scripts or </a:t>
-            </a:r>
-            <a:r>
-              <a:rPr lang="en"/>
-              <a:t>simulation-based studies</a:t>
-            </a:r>
-            <a:endParaRPr/>
-          </a:p>
-          <a:p>
-            <a:pPr indent="-342900" lvl="0" marL="457200" rtl="0" algn="l">
-              <a:spcBef>
-                <a:spcPts val="0"/>
-              </a:spcBef>
-              <a:spcAft>
-                <a:spcPts val="0"/>
-              </a:spcAft>
-              <a:buSzPts val="1800"/>
-              <a:buChar char="●"/>
-            </a:pPr>
-            <a:r>
-              <a:rPr lang="en"/>
-              <a:t>Creating r</a:t>
-            </a:r>
-            <a:r>
-              <a:rPr lang="en"/>
-              <a:t>eproducible examples</a:t>
-            </a:r>
-            <a:endParaRPr/>
-          </a:p>
-          <a:p>
-            <a:pPr indent="-342900" lvl="0" marL="457200" rtl="0" algn="l">
-              <a:spcBef>
-                <a:spcPts val="0"/>
-              </a:spcBef>
-              <a:spcAft>
-                <a:spcPts val="0"/>
-              </a:spcAft>
-              <a:buSzPts val="1800"/>
-              <a:buChar char="●"/>
-            </a:pPr>
-            <a:r>
-              <a:rPr lang="en"/>
-              <a:t>Code testing and debugging</a:t>
-            </a:r>
-            <a:endParaRPr/>
-          </a:p>
-          <a:p>
-            <a:pPr indent="0" lvl="0" marL="0" rtl="0" algn="l">
-              <a:spcBef>
-                <a:spcPts val="1200"/>
-              </a:spcBef>
-              <a:spcAft>
-                <a:spcPts val="0"/>
-              </a:spcAft>
-              <a:buNone/>
-            </a:pPr>
-            <a:r>
-              <a:t/>
-            </a:r>
-            <a:endParaRPr/>
-          </a:p>
-          <a:p>
-            <a:pPr indent="0" lvl="0" marL="0" rtl="0" algn="l">
-              <a:spcBef>
-                <a:spcPts val="1200"/>
-              </a:spcBef>
-              <a:spcAft>
-                <a:spcPts val="0"/>
-              </a:spcAft>
-              <a:buNone/>
-            </a:pPr>
-            <a:r>
-              <a:rPr lang="en" sz="2100">
-                <a:solidFill>
-                  <a:schemeClr val="dk1"/>
-                </a:solidFill>
-              </a:rPr>
-              <a:t>When NOT to use </a:t>
-            </a:r>
-            <a:r>
-              <a:rPr lang="en" sz="2100">
-                <a:solidFill>
-                  <a:schemeClr val="dk1"/>
-                </a:solidFill>
-                <a:latin typeface="Courier New"/>
-                <a:ea typeface="Courier New"/>
-                <a:cs typeface="Courier New"/>
-                <a:sym typeface="Courier New"/>
-              </a:rPr>
-              <a:t>set.seed()</a:t>
-            </a:r>
-            <a:r>
-              <a:rPr lang="en" sz="2100">
-                <a:solidFill>
-                  <a:schemeClr val="dk1"/>
-                </a:solidFill>
-              </a:rPr>
-              <a:t>:</a:t>
-            </a:r>
-            <a:endParaRPr sz="2100">
-              <a:solidFill>
-                <a:schemeClr val="dk1"/>
-              </a:solidFill>
-            </a:endParaRPr>
-          </a:p>
-          <a:p>
-            <a:pPr indent="-342900" lvl="0" marL="457200" rtl="0" algn="l">
-              <a:spcBef>
-                <a:spcPts val="1200"/>
-              </a:spcBef>
-              <a:spcAft>
-                <a:spcPts val="0"/>
-              </a:spcAft>
-              <a:buSzPts val="1800"/>
-              <a:buChar char="●"/>
-            </a:pPr>
-            <a:r>
-              <a:rPr lang="en"/>
-              <a:t>Inside a function or loop that you want to produce different </a:t>
-            </a:r>
-            <a:r>
-              <a:rPr lang="en"/>
-              <a:t>results</a:t>
-            </a:r>
-            <a:r>
-              <a:rPr lang="en"/>
-              <a:t> every time</a:t>
-            </a:r>
-            <a:endParaRPr/>
+              <a:rPr lang="en" dirty="0"/>
+              <a:t>Inside a function or loop that you want to produce different results every time</a:t>
+            </a:r>
+            <a:endParaRPr dirty="0"/>
           </a:p>
         </p:txBody>
       </p:sp>
@@ -8665,12 +9444,12 @@
 </p:sld>
 </file>
 
-<file path=ppt/slides/slide8.xml><?xml version="1.0" encoding="utf-8"?>
-<p:sld xmlns:a="http://schemas.openxmlformats.org/drawingml/2006/main" xmlns:r="http://schemas.openxmlformats.org/officeDocument/2006/relationships" xmlns:mc="http://schemas.openxmlformats.org/markup-compatibility/2006" xmlns:mv="urn:schemas-microsoft-com:mac:vml" xmlns:p="http://schemas.openxmlformats.org/presentationml/2006/main" xmlns:c="http://schemas.openxmlformats.org/drawingml/2006/chart" xmlns:dgm="http://schemas.openxmlformats.org/drawingml/2006/diagram" xmlns:o="urn:schemas-microsoft-com:office:office" xmlns:v="urn:schemas-microsoft-com:vml" xmlns:pvml="urn:schemas-microsoft-com:office:powerpoint" xmlns:com="http://schemas.openxmlformats.org/drawingml/2006/compatibility" xmlns:p14="http://schemas.microsoft.com/office/powerpoint/2010/main" xmlns:p15="http://schemas.microsoft.com/office/powerpoint/2012/main" xmlns:ahyp="http://schemas.microsoft.com/office/drawing/2018/hyperlinkcolor">
+<file path=ppt/slides/slide9.xml><?xml version="1.0" encoding="utf-8"?>
+<p:sld xmlns:a="http://schemas.openxmlformats.org/drawingml/2006/main" xmlns:r="http://schemas.openxmlformats.org/officeDocument/2006/relationships" xmlns:p="http://schemas.openxmlformats.org/presentationml/2006/main">
   <p:cSld>
     <p:spTree>
       <p:nvGrpSpPr>
-        <p:cNvPr id="97" name="Shape 97"/>
+        <p:cNvPr id="1" name="Shape 97"/>
         <p:cNvGrpSpPr/>
         <p:nvPr/>
       </p:nvGrpSpPr>
@@ -8685,7 +9464,9 @@
       <p:sp>
         <p:nvSpPr>
           <p:cNvPr id="98" name="Google Shape;98;p20"/>
-          <p:cNvSpPr txBox="1"/>
+          <p:cNvSpPr txBox="1">
+            <a:spLocks noGrp="1"/>
+          </p:cNvSpPr>
           <p:nvPr>
             <p:ph type="title"/>
           </p:nvPr>
@@ -8700,12 +9481,12 @@
           </a:prstGeom>
         </p:spPr>
         <p:txBody>
-          <a:bodyPr anchorCtr="0" anchor="ctr" bIns="91425" lIns="91425" spcFirstLastPara="1" rIns="91425" wrap="square" tIns="91425">
+          <a:bodyPr spcFirstLastPara="1" wrap="square" lIns="91425" tIns="91425" rIns="91425" bIns="91425" anchor="ctr" anchorCtr="0">
             <a:normAutofit/>
           </a:bodyPr>
           <a:lstStyle/>
           <a:p>
-            <a:pPr indent="0" lvl="0" marL="0" rtl="0" algn="ctr">
+            <a:pPr marL="0" lvl="0" indent="0" algn="ctr" rtl="0">
               <a:spcBef>
                 <a:spcPts val="0"/>
               </a:spcBef>
@@ -8717,181 +9498,6 @@
             <a:r>
               <a:rPr lang="en"/>
               <a:t>Data Documentation</a:t>
-            </a:r>
-            <a:endParaRPr/>
-          </a:p>
-        </p:txBody>
-      </p:sp>
-    </p:spTree>
-  </p:cSld>
-  <p:clrMapOvr>
-    <a:masterClrMapping/>
-  </p:clrMapOvr>
-</p:sld>
-</file>
-
-<file path=ppt/slides/slide9.xml><?xml version="1.0" encoding="utf-8"?>
-<p:sld xmlns:a="http://schemas.openxmlformats.org/drawingml/2006/main" xmlns:r="http://schemas.openxmlformats.org/officeDocument/2006/relationships" xmlns:mc="http://schemas.openxmlformats.org/markup-compatibility/2006" xmlns:mv="urn:schemas-microsoft-com:mac:vml" xmlns:p="http://schemas.openxmlformats.org/presentationml/2006/main" xmlns:c="http://schemas.openxmlformats.org/drawingml/2006/chart" xmlns:dgm="http://schemas.openxmlformats.org/drawingml/2006/diagram" xmlns:o="urn:schemas-microsoft-com:office:office" xmlns:v="urn:schemas-microsoft-com:vml" xmlns:pvml="urn:schemas-microsoft-com:office:powerpoint" xmlns:com="http://schemas.openxmlformats.org/drawingml/2006/compatibility" xmlns:p14="http://schemas.microsoft.com/office/powerpoint/2010/main" xmlns:p15="http://schemas.microsoft.com/office/powerpoint/2012/main" xmlns:ahyp="http://schemas.microsoft.com/office/drawing/2018/hyperlinkcolor">
-  <p:cSld>
-    <p:spTree>
-      <p:nvGrpSpPr>
-        <p:cNvPr id="102" name="Shape 102"/>
-        <p:cNvGrpSpPr/>
-        <p:nvPr/>
-      </p:nvGrpSpPr>
-      <p:grpSpPr>
-        <a:xfrm>
-          <a:off x="0" y="0"/>
-          <a:ext cx="0" cy="0"/>
-          <a:chOff x="0" y="0"/>
-          <a:chExt cx="0" cy="0"/>
-        </a:xfrm>
-      </p:grpSpPr>
-      <p:sp>
-        <p:nvSpPr>
-          <p:cNvPr id="103" name="Google Shape;103;p21"/>
-          <p:cNvSpPr txBox="1"/>
-          <p:nvPr>
-            <p:ph type="title"/>
-          </p:nvPr>
-        </p:nvSpPr>
-        <p:spPr>
-          <a:xfrm>
-            <a:off x="311700" y="445025"/>
-            <a:ext cx="8520600" cy="572700"/>
-          </a:xfrm>
-          <a:prstGeom prst="rect">
-            <a:avLst/>
-          </a:prstGeom>
-        </p:spPr>
-        <p:txBody>
-          <a:bodyPr anchorCtr="0" anchor="t" bIns="91425" lIns="91425" spcFirstLastPara="1" rIns="91425" wrap="square" tIns="91425">
-            <a:normAutofit fontScale="90000"/>
-          </a:bodyPr>
-          <a:lstStyle/>
-          <a:p>
-            <a:pPr indent="0" lvl="0" marL="0" rtl="0" algn="l">
-              <a:spcBef>
-                <a:spcPts val="0"/>
-              </a:spcBef>
-              <a:spcAft>
-                <a:spcPts val="0"/>
-              </a:spcAft>
-              <a:buNone/>
-            </a:pPr>
-            <a:r>
-              <a:rPr lang="en"/>
-              <a:t>Data Documentation</a:t>
-            </a:r>
-            <a:endParaRPr/>
-          </a:p>
-        </p:txBody>
-      </p:sp>
-      <p:sp>
-        <p:nvSpPr>
-          <p:cNvPr id="104" name="Google Shape;104;p21"/>
-          <p:cNvSpPr txBox="1"/>
-          <p:nvPr>
-            <p:ph idx="1" type="body"/>
-          </p:nvPr>
-        </p:nvSpPr>
-        <p:spPr>
-          <a:xfrm>
-            <a:off x="311700" y="1152475"/>
-            <a:ext cx="8520600" cy="3416400"/>
-          </a:xfrm>
-          <a:prstGeom prst="rect">
-            <a:avLst/>
-          </a:prstGeom>
-        </p:spPr>
-        <p:txBody>
-          <a:bodyPr anchorCtr="0" anchor="t" bIns="91425" lIns="91425" spcFirstLastPara="1" rIns="91425" wrap="square" tIns="91425">
-            <a:normAutofit/>
-          </a:bodyPr>
-          <a:lstStyle/>
-          <a:p>
-            <a:pPr indent="0" lvl="0" marL="0" rtl="0" algn="l">
-              <a:spcBef>
-                <a:spcPts val="0"/>
-              </a:spcBef>
-              <a:spcAft>
-                <a:spcPts val="0"/>
-              </a:spcAft>
-              <a:buClr>
-                <a:schemeClr val="dk1"/>
-              </a:buClr>
-              <a:buSzPts val="1100"/>
-              <a:buFont typeface="Arial"/>
-              <a:buNone/>
-            </a:pPr>
-            <a:r>
-              <a:rPr lang="en"/>
-              <a:t>Open data is one of the hallmarks of open science and reproducibility</a:t>
-            </a:r>
-            <a:endParaRPr/>
-          </a:p>
-          <a:p>
-            <a:pPr indent="0" lvl="0" marL="0" rtl="0" algn="l">
-              <a:spcBef>
-                <a:spcPts val="1200"/>
-              </a:spcBef>
-              <a:spcAft>
-                <a:spcPts val="0"/>
-              </a:spcAft>
-              <a:buClr>
-                <a:schemeClr val="dk1"/>
-              </a:buClr>
-              <a:buSzPts val="1100"/>
-              <a:buFont typeface="Arial"/>
-              <a:buNone/>
-            </a:pPr>
-            <a:r>
-              <a:rPr lang="en"/>
-              <a:t>Having access to the data behind a study is useless if you know nothing about how that data was collected or manipulated prior to analysis</a:t>
-            </a:r>
-            <a:endParaRPr b="1"/>
-          </a:p>
-          <a:p>
-            <a:pPr indent="0" lvl="0" marL="0" rtl="0" algn="l">
-              <a:spcBef>
-                <a:spcPts val="1200"/>
-              </a:spcBef>
-              <a:spcAft>
-                <a:spcPts val="0"/>
-              </a:spcAft>
-              <a:buNone/>
-            </a:pPr>
-            <a:r>
-              <a:rPr b="1" lang="en"/>
-              <a:t>Data documentation</a:t>
-            </a:r>
-            <a:r>
-              <a:rPr lang="en"/>
-              <a:t> refers to the process of recording all of the steps taken to obtain and process your data</a:t>
-            </a:r>
-            <a:endParaRPr/>
-          </a:p>
-          <a:p>
-            <a:pPr indent="0" lvl="0" marL="0" rtl="0" algn="l">
-              <a:spcBef>
-                <a:spcPts val="1200"/>
-              </a:spcBef>
-              <a:spcAft>
-                <a:spcPts val="1200"/>
-              </a:spcAft>
-              <a:buNone/>
-            </a:pPr>
-            <a:r>
-              <a:rPr lang="en"/>
-              <a:t>Similar to commenting code, documenting data communicates important features of your data set that may impact its analysis and allows other researchers to more </a:t>
-            </a:r>
-            <a:r>
-              <a:rPr lang="en"/>
-              <a:t>easily</a:t>
-            </a:r>
-            <a:r>
-              <a:rPr lang="en"/>
-              <a:t> reproduce your results</a:t>
             </a:r>
             <a:endParaRPr/>
           </a:p>
@@ -8906,7 +9512,7 @@
 </file>
 
 <file path=ppt/theme/theme1.xml><?xml version="1.0" encoding="utf-8"?>
-<a:theme xmlns:a="http://schemas.openxmlformats.org/drawingml/2006/main" xmlns:r="http://schemas.openxmlformats.org/officeDocument/2006/relationships" name="Simple Light">
+<a:theme xmlns:a="http://schemas.openxmlformats.org/drawingml/2006/main" name="Simple Light">
   <a:themeElements>
     <a:clrScheme name="Simple Light">
       <a:dk1>
@@ -9181,11 +9787,13 @@
       </a:bgFillStyleLst>
     </a:fmtScheme>
   </a:themeElements>
+  <a:objectDefaults/>
+  <a:extraClrSchemeLst/>
 </a:theme>
 </file>
 
 <file path=ppt/theme/theme2.xml><?xml version="1.0" encoding="utf-8"?>
-<a:theme xmlns:a="http://schemas.openxmlformats.org/drawingml/2006/main" xmlns:r="http://schemas.openxmlformats.org/officeDocument/2006/relationships">
+<a:theme xmlns:a="http://schemas.openxmlformats.org/drawingml/2006/main">
   <a:themeElements>
     <a:clrScheme name="Default">
       <a:dk1>
@@ -9460,5 +10068,7 @@
       </a:bgFillStyleLst>
     </a:fmtScheme>
   </a:themeElements>
+  <a:objectDefaults/>
+  <a:extraClrSchemeLst/>
 </a:theme>
 </file>